--- a/Presentation.pptx
+++ b/Presentation.pptx
@@ -5,23 +5,22 @@
     <p:sldMasterId id="2147483649" r:id="rId1"/>
   </p:sldMasterIdLst>
   <p:notesMasterIdLst>
-    <p:notesMasterId r:id="rId13"/>
+    <p:notesMasterId r:id="rId12"/>
   </p:notesMasterIdLst>
   <p:handoutMasterIdLst>
-    <p:handoutMasterId r:id="rId14"/>
+    <p:handoutMasterId r:id="rId13"/>
   </p:handoutMasterIdLst>
   <p:sldIdLst>
-    <p:sldId id="423" r:id="rId2"/>
-    <p:sldId id="440" r:id="rId3"/>
-    <p:sldId id="444" r:id="rId4"/>
-    <p:sldId id="446" r:id="rId5"/>
-    <p:sldId id="441" r:id="rId6"/>
+    <p:sldId id="426" r:id="rId2"/>
+    <p:sldId id="427" r:id="rId3"/>
+    <p:sldId id="428" r:id="rId4"/>
+    <p:sldId id="433" r:id="rId5"/>
+    <p:sldId id="430" r:id="rId6"/>
     <p:sldId id="429" r:id="rId7"/>
-    <p:sldId id="436" r:id="rId8"/>
-    <p:sldId id="435" r:id="rId9"/>
-    <p:sldId id="443" r:id="rId10"/>
-    <p:sldId id="445" r:id="rId11"/>
-    <p:sldId id="431" r:id="rId12"/>
+    <p:sldId id="424" r:id="rId8"/>
+    <p:sldId id="431" r:id="rId9"/>
+    <p:sldId id="432" r:id="rId10"/>
+    <p:sldId id="425" r:id="rId11"/>
   </p:sldIdLst>
   <p:sldSz cx="9144000" cy="6858000" type="screen4x3"/>
   <p:notesSz cx="6797675" cy="9926638"/>
@@ -152,7 +151,7 @@
   </p:defaultTextStyle>
   <p:extLst>
     <p:ext uri="{EFAFB233-063F-42B5-8137-9DF3F51BA10A}">
-      <p15:sldGuideLst xmlns="" xmlns:p15="http://schemas.microsoft.com/office/powerpoint/2012/main" xmlns:mv="urn:schemas-microsoft-com:mac:vml" xmlns:mc="http://schemas.openxmlformats.org/markup-compatibility/2006">
+      <p15:sldGuideLst xmlns:p15="http://schemas.microsoft.com/office/powerpoint/2012/main">
         <p15:guide id="1" orient="horz" pos="2160">
           <p15:clr>
             <a:srgbClr val="A4A3A4"/>
@@ -166,7 +165,7 @@
       </p15:sldGuideLst>
     </p:ext>
     <p:ext uri="{2D200454-40CA-4A62-9FC3-DE9A4176ACB9}">
-      <p15:notesGuideLst xmlns="" xmlns:p15="http://schemas.microsoft.com/office/powerpoint/2012/main" xmlns:mv="urn:schemas-microsoft-com:mac:vml" xmlns:mc="http://schemas.openxmlformats.org/markup-compatibility/2006"/>
+      <p15:notesGuideLst xmlns:p15="http://schemas.microsoft.com/office/powerpoint/2012/main"/>
     </p:ext>
   </p:extLst>
 </p:presentation>
@@ -591,35 +590,35 @@
           <a:p>
             <a:pPr lvl="0"/>
             <a:r>
-              <a:rPr lang="de-CH" noProof="0" smtClean="0"/>
+              <a:rPr lang="de-CH" noProof="0"/>
               <a:t>Mastertextformat bearbeiten</a:t>
             </a:r>
           </a:p>
           <a:p>
             <a:pPr lvl="1"/>
             <a:r>
-              <a:rPr lang="de-CH" noProof="0" smtClean="0"/>
+              <a:rPr lang="de-CH" noProof="0"/>
               <a:t>Zweite Ebene</a:t>
             </a:r>
           </a:p>
           <a:p>
             <a:pPr lvl="2"/>
             <a:r>
-              <a:rPr lang="de-CH" noProof="0" smtClean="0"/>
+              <a:rPr lang="de-CH" noProof="0"/>
               <a:t>Dritte Ebene</a:t>
             </a:r>
           </a:p>
           <a:p>
             <a:pPr lvl="3"/>
             <a:r>
-              <a:rPr lang="de-CH" noProof="0" smtClean="0"/>
+              <a:rPr lang="de-CH" noProof="0"/>
               <a:t>Vierte Ebene</a:t>
             </a:r>
           </a:p>
           <a:p>
             <a:pPr lvl="4"/>
             <a:r>
-              <a:rPr lang="de-CH" noProof="0" smtClean="0"/>
+              <a:rPr lang="de-CH" noProof="0"/>
               <a:t>Fünfte Ebene</a:t>
             </a:r>
           </a:p>
@@ -861,1542 +860,6 @@
 </p:notesMaster>
 </file>
 
-<file path=ppt/notesSlides/notesSlide1.xml><?xml version="1.0" encoding="utf-8"?>
-<p:notes xmlns:a="http://schemas.openxmlformats.org/drawingml/2006/main" xmlns:r="http://schemas.openxmlformats.org/officeDocument/2006/relationships" xmlns:p="http://schemas.openxmlformats.org/presentationml/2006/main">
-  <p:cSld>
-    <p:spTree>
-      <p:nvGrpSpPr>
-        <p:cNvPr id="1" name=""/>
-        <p:cNvGrpSpPr/>
-        <p:nvPr/>
-      </p:nvGrpSpPr>
-      <p:grpSpPr>
-        <a:xfrm>
-          <a:off x="0" y="0"/>
-          <a:ext cx="0" cy="0"/>
-          <a:chOff x="0" y="0"/>
-          <a:chExt cx="0" cy="0"/>
-        </a:xfrm>
-      </p:grpSpPr>
-      <p:sp>
-        <p:nvSpPr>
-          <p:cNvPr id="2" name="Folienbildplatzhalter 1"/>
-          <p:cNvSpPr>
-            <a:spLocks noGrp="1" noRot="1" noChangeAspect="1"/>
-          </p:cNvSpPr>
-          <p:nvPr>
-            <p:ph type="sldImg"/>
-          </p:nvPr>
-        </p:nvSpPr>
-        <p:spPr/>
-      </p:sp>
-      <p:sp>
-        <p:nvSpPr>
-          <p:cNvPr id="3" name="Notizenplatzhalter 2"/>
-          <p:cNvSpPr>
-            <a:spLocks noGrp="1"/>
-          </p:cNvSpPr>
-          <p:nvPr>
-            <p:ph type="body" idx="1"/>
-          </p:nvPr>
-        </p:nvSpPr>
-        <p:spPr/>
-        <p:txBody>
-          <a:bodyPr>
-            <a:normAutofit/>
-          </a:bodyPr>
-          <a:lstStyle/>
-          <a:p>
-            <a:endParaRPr lang="de-CH"/>
-          </a:p>
-        </p:txBody>
-      </p:sp>
-      <p:sp>
-        <p:nvSpPr>
-          <p:cNvPr id="4" name="Datumsplatzhalter 3"/>
-          <p:cNvSpPr>
-            <a:spLocks noGrp="1"/>
-          </p:cNvSpPr>
-          <p:nvPr>
-            <p:ph type="dt" idx="10"/>
-          </p:nvPr>
-        </p:nvSpPr>
-        <p:spPr/>
-        <p:txBody>
-          <a:bodyPr/>
-          <a:lstStyle/>
-          <a:p>
-            <a:pPr>
-              <a:defRPr/>
-            </a:pPr>
-            <a:r>
-              <a:rPr lang="de-CH" smtClean="0"/>
-              <a:t>09.10.2013</a:t>
-            </a:r>
-            <a:endParaRPr lang="de-CH"/>
-          </a:p>
-        </p:txBody>
-      </p:sp>
-      <p:sp>
-        <p:nvSpPr>
-          <p:cNvPr id="5" name="Foliennummernplatzhalter 4"/>
-          <p:cNvSpPr>
-            <a:spLocks noGrp="1"/>
-          </p:cNvSpPr>
-          <p:nvPr>
-            <p:ph type="sldNum" sz="quarter" idx="11"/>
-          </p:nvPr>
-        </p:nvSpPr>
-        <p:spPr/>
-        <p:txBody>
-          <a:bodyPr/>
-          <a:lstStyle/>
-          <a:p>
-            <a:pPr>
-              <a:defRPr/>
-            </a:pPr>
-            <a:fld id="{F9C40B36-86BB-4D69-A6B9-8300EEE40866}" type="slidenum">
-              <a:rPr lang="de-CH" smtClean="0"/>
-              <a:pPr>
-                <a:defRPr/>
-              </a:pPr>
-              <a:t>1</a:t>
-            </a:fld>
-            <a:endParaRPr lang="de-CH"/>
-          </a:p>
-        </p:txBody>
-      </p:sp>
-    </p:spTree>
-    <p:extLst>
-      <p:ext uri="{BB962C8B-B14F-4D97-AF65-F5344CB8AC3E}">
-        <p14:creationId xmlns:p14="http://schemas.microsoft.com/office/powerpoint/2010/main" val="3856585327"/>
-      </p:ext>
-    </p:extLst>
-  </p:cSld>
-  <p:clrMapOvr>
-    <a:masterClrMapping/>
-  </p:clrMapOvr>
-</p:notes>
-</file>
-
-<file path=ppt/notesSlides/notesSlide2.xml><?xml version="1.0" encoding="utf-8"?>
-<p:notes xmlns:a="http://schemas.openxmlformats.org/drawingml/2006/main" xmlns:r="http://schemas.openxmlformats.org/officeDocument/2006/relationships" xmlns:p="http://schemas.openxmlformats.org/presentationml/2006/main">
-  <p:cSld>
-    <p:spTree>
-      <p:nvGrpSpPr>
-        <p:cNvPr id="1" name=""/>
-        <p:cNvGrpSpPr/>
-        <p:nvPr/>
-      </p:nvGrpSpPr>
-      <p:grpSpPr>
-        <a:xfrm>
-          <a:off x="0" y="0"/>
-          <a:ext cx="0" cy="0"/>
-          <a:chOff x="0" y="0"/>
-          <a:chExt cx="0" cy="0"/>
-        </a:xfrm>
-      </p:grpSpPr>
-      <p:sp>
-        <p:nvSpPr>
-          <p:cNvPr id="2" name="Folienbildplatzhalter 1"/>
-          <p:cNvSpPr>
-            <a:spLocks noGrp="1" noRot="1" noChangeAspect="1"/>
-          </p:cNvSpPr>
-          <p:nvPr>
-            <p:ph type="sldImg"/>
-          </p:nvPr>
-        </p:nvSpPr>
-        <p:spPr/>
-      </p:sp>
-      <p:sp>
-        <p:nvSpPr>
-          <p:cNvPr id="3" name="Notizenplatzhalter 2"/>
-          <p:cNvSpPr>
-            <a:spLocks noGrp="1"/>
-          </p:cNvSpPr>
-          <p:nvPr>
-            <p:ph type="body" idx="1"/>
-          </p:nvPr>
-        </p:nvSpPr>
-        <p:spPr/>
-        <p:txBody>
-          <a:bodyPr>
-            <a:normAutofit/>
-          </a:bodyPr>
-          <a:lstStyle/>
-          <a:p>
-            <a:pPr>
-              <a:buFontTx/>
-              <a:buChar char="-"/>
-            </a:pPr>
-            <a:endParaRPr lang="de-CH" dirty="0"/>
-          </a:p>
-        </p:txBody>
-      </p:sp>
-      <p:sp>
-        <p:nvSpPr>
-          <p:cNvPr id="4" name="Datumsplatzhalter 3"/>
-          <p:cNvSpPr>
-            <a:spLocks noGrp="1"/>
-          </p:cNvSpPr>
-          <p:nvPr>
-            <p:ph type="dt" idx="10"/>
-          </p:nvPr>
-        </p:nvSpPr>
-        <p:spPr/>
-        <p:txBody>
-          <a:bodyPr/>
-          <a:lstStyle/>
-          <a:p>
-            <a:pPr>
-              <a:defRPr/>
-            </a:pPr>
-            <a:r>
-              <a:rPr lang="de-CH" smtClean="0"/>
-              <a:t>09.10.2013</a:t>
-            </a:r>
-            <a:endParaRPr lang="de-CH"/>
-          </a:p>
-        </p:txBody>
-      </p:sp>
-      <p:sp>
-        <p:nvSpPr>
-          <p:cNvPr id="5" name="Foliennummernplatzhalter 4"/>
-          <p:cNvSpPr>
-            <a:spLocks noGrp="1"/>
-          </p:cNvSpPr>
-          <p:nvPr>
-            <p:ph type="sldNum" sz="quarter" idx="11"/>
-          </p:nvPr>
-        </p:nvSpPr>
-        <p:spPr/>
-        <p:txBody>
-          <a:bodyPr/>
-          <a:lstStyle/>
-          <a:p>
-            <a:pPr>
-              <a:defRPr/>
-            </a:pPr>
-            <a:fld id="{F9C40B36-86BB-4D69-A6B9-8300EEE40866}" type="slidenum">
-              <a:rPr lang="de-CH" smtClean="0"/>
-              <a:pPr>
-                <a:defRPr/>
-              </a:pPr>
-              <a:t>2</a:t>
-            </a:fld>
-            <a:endParaRPr lang="de-CH"/>
-          </a:p>
-        </p:txBody>
-      </p:sp>
-    </p:spTree>
-    <p:extLst>
-      <p:ext uri="{BB962C8B-B14F-4D97-AF65-F5344CB8AC3E}">
-        <p14:creationId xmlns:p14="http://schemas.microsoft.com/office/powerpoint/2010/main" val="2127669943"/>
-      </p:ext>
-    </p:extLst>
-  </p:cSld>
-  <p:clrMapOvr>
-    <a:masterClrMapping/>
-  </p:clrMapOvr>
-</p:notes>
-</file>
-
-<file path=ppt/notesSlides/notesSlide3.xml><?xml version="1.0" encoding="utf-8"?>
-<p:notes xmlns:a="http://schemas.openxmlformats.org/drawingml/2006/main" xmlns:r="http://schemas.openxmlformats.org/officeDocument/2006/relationships" xmlns:p="http://schemas.openxmlformats.org/presentationml/2006/main">
-  <p:cSld>
-    <p:spTree>
-      <p:nvGrpSpPr>
-        <p:cNvPr id="1" name=""/>
-        <p:cNvGrpSpPr/>
-        <p:nvPr/>
-      </p:nvGrpSpPr>
-      <p:grpSpPr>
-        <a:xfrm>
-          <a:off x="0" y="0"/>
-          <a:ext cx="0" cy="0"/>
-          <a:chOff x="0" y="0"/>
-          <a:chExt cx="0" cy="0"/>
-        </a:xfrm>
-      </p:grpSpPr>
-      <p:sp>
-        <p:nvSpPr>
-          <p:cNvPr id="2" name="Folienbildplatzhalter 1"/>
-          <p:cNvSpPr>
-            <a:spLocks noGrp="1" noRot="1" noChangeAspect="1"/>
-          </p:cNvSpPr>
-          <p:nvPr>
-            <p:ph type="sldImg"/>
-          </p:nvPr>
-        </p:nvSpPr>
-        <p:spPr/>
-      </p:sp>
-      <p:sp>
-        <p:nvSpPr>
-          <p:cNvPr id="3" name="Notizenplatzhalter 2"/>
-          <p:cNvSpPr>
-            <a:spLocks noGrp="1"/>
-          </p:cNvSpPr>
-          <p:nvPr>
-            <p:ph type="body" idx="1"/>
-          </p:nvPr>
-        </p:nvSpPr>
-        <p:spPr/>
-        <p:txBody>
-          <a:bodyPr>
-            <a:normAutofit/>
-          </a:bodyPr>
-          <a:lstStyle/>
-          <a:p>
-            <a:pPr marL="0" marR="0" lvl="1" indent="0" algn="l" defTabSz="914400" rtl="0" eaLnBrk="0" fontAlgn="base" latinLnBrk="0" hangingPunct="0">
-              <a:lnSpc>
-                <a:spcPct val="100000"/>
-              </a:lnSpc>
-              <a:spcBef>
-                <a:spcPct val="30000"/>
-              </a:spcBef>
-              <a:spcAft>
-                <a:spcPct val="0"/>
-              </a:spcAft>
-              <a:buClrTx/>
-              <a:buSzTx/>
-              <a:buFontTx/>
-              <a:buNone/>
-              <a:tabLst/>
-              <a:defRPr/>
-            </a:pPr>
-            <a:r>
-              <a:rPr lang="en-US" dirty="0" smtClean="0"/>
-              <a:t>Semi-structured interviews: no experience</a:t>
-            </a:r>
-            <a:r>
-              <a:rPr lang="en-US" baseline="0" dirty="0" smtClean="0"/>
-              <a:t> with interviews, as a guide in case of breakdown</a:t>
-            </a:r>
-            <a:endParaRPr lang="en-US" dirty="0" smtClean="0"/>
-          </a:p>
-          <a:p>
-            <a:endParaRPr lang="de-CH" baseline="0" dirty="0" smtClean="0"/>
-          </a:p>
-        </p:txBody>
-      </p:sp>
-      <p:sp>
-        <p:nvSpPr>
-          <p:cNvPr id="4" name="Datumsplatzhalter 3"/>
-          <p:cNvSpPr>
-            <a:spLocks noGrp="1"/>
-          </p:cNvSpPr>
-          <p:nvPr>
-            <p:ph type="dt" idx="10"/>
-          </p:nvPr>
-        </p:nvSpPr>
-        <p:spPr/>
-        <p:txBody>
-          <a:bodyPr/>
-          <a:lstStyle/>
-          <a:p>
-            <a:pPr>
-              <a:defRPr/>
-            </a:pPr>
-            <a:r>
-              <a:rPr lang="de-CH" smtClean="0"/>
-              <a:t>09.10.2013</a:t>
-            </a:r>
-            <a:endParaRPr lang="de-CH"/>
-          </a:p>
-        </p:txBody>
-      </p:sp>
-      <p:sp>
-        <p:nvSpPr>
-          <p:cNvPr id="5" name="Foliennummernplatzhalter 4"/>
-          <p:cNvSpPr>
-            <a:spLocks noGrp="1"/>
-          </p:cNvSpPr>
-          <p:nvPr>
-            <p:ph type="sldNum" sz="quarter" idx="11"/>
-          </p:nvPr>
-        </p:nvSpPr>
-        <p:spPr/>
-        <p:txBody>
-          <a:bodyPr/>
-          <a:lstStyle/>
-          <a:p>
-            <a:pPr>
-              <a:defRPr/>
-            </a:pPr>
-            <a:fld id="{F9C40B36-86BB-4D69-A6B9-8300EEE40866}" type="slidenum">
-              <a:rPr lang="de-CH" smtClean="0"/>
-              <a:pPr>
-                <a:defRPr/>
-              </a:pPr>
-              <a:t>5</a:t>
-            </a:fld>
-            <a:endParaRPr lang="de-CH"/>
-          </a:p>
-        </p:txBody>
-      </p:sp>
-    </p:spTree>
-    <p:extLst>
-      <p:ext uri="{BB962C8B-B14F-4D97-AF65-F5344CB8AC3E}">
-        <p14:creationId xmlns:p14="http://schemas.microsoft.com/office/powerpoint/2010/main" val="1900979288"/>
-      </p:ext>
-    </p:extLst>
-  </p:cSld>
-  <p:clrMapOvr>
-    <a:masterClrMapping/>
-  </p:clrMapOvr>
-</p:notes>
-</file>
-
-<file path=ppt/notesSlides/notesSlide4.xml><?xml version="1.0" encoding="utf-8"?>
-<p:notes xmlns:a="http://schemas.openxmlformats.org/drawingml/2006/main" xmlns:r="http://schemas.openxmlformats.org/officeDocument/2006/relationships" xmlns:p="http://schemas.openxmlformats.org/presentationml/2006/main">
-  <p:cSld>
-    <p:spTree>
-      <p:nvGrpSpPr>
-        <p:cNvPr id="1" name=""/>
-        <p:cNvGrpSpPr/>
-        <p:nvPr/>
-      </p:nvGrpSpPr>
-      <p:grpSpPr>
-        <a:xfrm>
-          <a:off x="0" y="0"/>
-          <a:ext cx="0" cy="0"/>
-          <a:chOff x="0" y="0"/>
-          <a:chExt cx="0" cy="0"/>
-        </a:xfrm>
-      </p:grpSpPr>
-      <p:sp>
-        <p:nvSpPr>
-          <p:cNvPr id="2" name="Folienbildplatzhalter 1"/>
-          <p:cNvSpPr>
-            <a:spLocks noGrp="1" noRot="1" noChangeAspect="1"/>
-          </p:cNvSpPr>
-          <p:nvPr>
-            <p:ph type="sldImg"/>
-          </p:nvPr>
-        </p:nvSpPr>
-        <p:spPr/>
-      </p:sp>
-      <p:sp>
-        <p:nvSpPr>
-          <p:cNvPr id="3" name="Notizenplatzhalter 2"/>
-          <p:cNvSpPr>
-            <a:spLocks noGrp="1"/>
-          </p:cNvSpPr>
-          <p:nvPr>
-            <p:ph type="body" idx="1"/>
-          </p:nvPr>
-        </p:nvSpPr>
-        <p:spPr/>
-        <p:txBody>
-          <a:bodyPr>
-            <a:normAutofit/>
-          </a:bodyPr>
-          <a:lstStyle/>
-          <a:p>
-            <a:pPr marL="0" marR="0" lvl="1" indent="0" algn="l" defTabSz="914400" rtl="0" eaLnBrk="0" fontAlgn="base" latinLnBrk="0" hangingPunct="0">
-              <a:lnSpc>
-                <a:spcPct val="100000"/>
-              </a:lnSpc>
-              <a:spcBef>
-                <a:spcPct val="30000"/>
-              </a:spcBef>
-              <a:spcAft>
-                <a:spcPct val="0"/>
-              </a:spcAft>
-              <a:buClrTx/>
-              <a:buSzTx/>
-              <a:buFontTx/>
-              <a:buNone/>
-              <a:tabLst/>
-              <a:defRPr/>
-            </a:pPr>
-            <a:r>
-              <a:rPr lang="en-US" dirty="0" smtClean="0"/>
-              <a:t>Our research question can be analyzed by interviewing the coach and observation of a training</a:t>
-            </a:r>
-          </a:p>
-          <a:p>
-            <a:pPr marL="0" marR="0" lvl="1" indent="0" algn="l" defTabSz="914400" rtl="0" eaLnBrk="0" fontAlgn="base" latinLnBrk="0" hangingPunct="0">
-              <a:lnSpc>
-                <a:spcPct val="100000"/>
-              </a:lnSpc>
-              <a:spcBef>
-                <a:spcPct val="30000"/>
-              </a:spcBef>
-              <a:spcAft>
-                <a:spcPct val="0"/>
-              </a:spcAft>
-              <a:buClrTx/>
-              <a:buSzTx/>
-              <a:buFontTx/>
-              <a:buNone/>
-              <a:tabLst/>
-              <a:defRPr/>
-            </a:pPr>
-            <a:r>
-              <a:rPr lang="en-US" dirty="0" smtClean="0"/>
-              <a:t>: Coach</a:t>
-            </a:r>
-            <a:r>
-              <a:rPr lang="en-US" baseline="0" dirty="0" smtClean="0"/>
-              <a:t> </a:t>
-            </a:r>
-            <a:r>
-              <a:rPr lang="en-US" dirty="0" smtClean="0"/>
-              <a:t>has best overview </a:t>
-            </a:r>
-          </a:p>
-          <a:p>
-            <a:pPr marL="0" marR="0" lvl="1" indent="0" algn="l" defTabSz="914400" rtl="0" eaLnBrk="0" fontAlgn="base" latinLnBrk="0" hangingPunct="0">
-              <a:lnSpc>
-                <a:spcPct val="100000"/>
-              </a:lnSpc>
-              <a:spcBef>
-                <a:spcPct val="30000"/>
-              </a:spcBef>
-              <a:spcAft>
-                <a:spcPct val="0"/>
-              </a:spcAft>
-              <a:buClrTx/>
-              <a:buSzTx/>
-              <a:buFontTx/>
-              <a:buNone/>
-              <a:tabLst/>
-              <a:defRPr/>
-            </a:pPr>
-            <a:r>
-              <a:rPr lang="en-US" dirty="0" smtClean="0"/>
-              <a:t>Accessibility of coach and training influenced decision</a:t>
-            </a:r>
-            <a:endParaRPr lang="de-CH" u="sng" dirty="0" smtClean="0"/>
-          </a:p>
-          <a:p>
-            <a:endParaRPr lang="de-DE" dirty="0" smtClean="0"/>
-          </a:p>
-          <a:p>
-            <a:r>
-              <a:rPr lang="de-DE" dirty="0" smtClean="0"/>
-              <a:t>Observation: </a:t>
-            </a:r>
-            <a:r>
-              <a:rPr lang="de-DE" dirty="0" err="1" smtClean="0"/>
-              <a:t>complete</a:t>
-            </a:r>
-            <a:r>
-              <a:rPr lang="de-DE" dirty="0" smtClean="0"/>
-              <a:t> </a:t>
-            </a:r>
-            <a:r>
-              <a:rPr lang="de-DE" dirty="0" err="1" smtClean="0"/>
-              <a:t>observer</a:t>
-            </a:r>
-            <a:r>
-              <a:rPr lang="de-DE" dirty="0" smtClean="0"/>
-              <a:t> : </a:t>
-            </a:r>
-            <a:r>
-              <a:rPr lang="de-DE" dirty="0" err="1" smtClean="0"/>
-              <a:t>explain</a:t>
-            </a:r>
-            <a:r>
-              <a:rPr lang="de-DE" baseline="0" dirty="0" smtClean="0"/>
-              <a:t> a </a:t>
-            </a:r>
-            <a:r>
-              <a:rPr lang="de-DE" baseline="0" dirty="0" err="1" smtClean="0"/>
-              <a:t>bit</a:t>
-            </a:r>
-            <a:endParaRPr lang="de-CH" dirty="0"/>
-          </a:p>
-        </p:txBody>
-      </p:sp>
-      <p:sp>
-        <p:nvSpPr>
-          <p:cNvPr id="4" name="Datumsplatzhalter 3"/>
-          <p:cNvSpPr>
-            <a:spLocks noGrp="1"/>
-          </p:cNvSpPr>
-          <p:nvPr>
-            <p:ph type="dt" idx="10"/>
-          </p:nvPr>
-        </p:nvSpPr>
-        <p:spPr/>
-        <p:txBody>
-          <a:bodyPr/>
-          <a:lstStyle/>
-          <a:p>
-            <a:pPr>
-              <a:defRPr/>
-            </a:pPr>
-            <a:r>
-              <a:rPr lang="de-CH" smtClean="0"/>
-              <a:t>09.10.2013</a:t>
-            </a:r>
-            <a:endParaRPr lang="de-CH"/>
-          </a:p>
-        </p:txBody>
-      </p:sp>
-      <p:sp>
-        <p:nvSpPr>
-          <p:cNvPr id="5" name="Foliennummernplatzhalter 4"/>
-          <p:cNvSpPr>
-            <a:spLocks noGrp="1"/>
-          </p:cNvSpPr>
-          <p:nvPr>
-            <p:ph type="sldNum" sz="quarter" idx="11"/>
-          </p:nvPr>
-        </p:nvSpPr>
-        <p:spPr/>
-        <p:txBody>
-          <a:bodyPr/>
-          <a:lstStyle/>
-          <a:p>
-            <a:pPr>
-              <a:defRPr/>
-            </a:pPr>
-            <a:fld id="{F9C40B36-86BB-4D69-A6B9-8300EEE40866}" type="slidenum">
-              <a:rPr lang="de-CH" smtClean="0"/>
-              <a:pPr>
-                <a:defRPr/>
-              </a:pPr>
-              <a:t>6</a:t>
-            </a:fld>
-            <a:endParaRPr lang="de-CH"/>
-          </a:p>
-        </p:txBody>
-      </p:sp>
-    </p:spTree>
-    <p:extLst>
-      <p:ext uri="{BB962C8B-B14F-4D97-AF65-F5344CB8AC3E}">
-        <p14:creationId xmlns:p14="http://schemas.microsoft.com/office/powerpoint/2010/main" val="3868192439"/>
-      </p:ext>
-    </p:extLst>
-  </p:cSld>
-  <p:clrMapOvr>
-    <a:masterClrMapping/>
-  </p:clrMapOvr>
-</p:notes>
-</file>
-
-<file path=ppt/notesSlides/notesSlide5.xml><?xml version="1.0" encoding="utf-8"?>
-<p:notes xmlns:a="http://schemas.openxmlformats.org/drawingml/2006/main" xmlns:r="http://schemas.openxmlformats.org/officeDocument/2006/relationships" xmlns:p="http://schemas.openxmlformats.org/presentationml/2006/main">
-  <p:cSld>
-    <p:spTree>
-      <p:nvGrpSpPr>
-        <p:cNvPr id="1" name=""/>
-        <p:cNvGrpSpPr/>
-        <p:nvPr/>
-      </p:nvGrpSpPr>
-      <p:grpSpPr>
-        <a:xfrm>
-          <a:off x="0" y="0"/>
-          <a:ext cx="0" cy="0"/>
-          <a:chOff x="0" y="0"/>
-          <a:chExt cx="0" cy="0"/>
-        </a:xfrm>
-      </p:grpSpPr>
-      <p:sp>
-        <p:nvSpPr>
-          <p:cNvPr id="2" name="Folienbildplatzhalter 1"/>
-          <p:cNvSpPr>
-            <a:spLocks noGrp="1" noRot="1" noChangeAspect="1"/>
-          </p:cNvSpPr>
-          <p:nvPr>
-            <p:ph type="sldImg"/>
-          </p:nvPr>
-        </p:nvSpPr>
-        <p:spPr/>
-      </p:sp>
-      <p:sp>
-        <p:nvSpPr>
-          <p:cNvPr id="3" name="Notizenplatzhalter 2"/>
-          <p:cNvSpPr>
-            <a:spLocks noGrp="1"/>
-          </p:cNvSpPr>
-          <p:nvPr>
-            <p:ph type="body" idx="1"/>
-          </p:nvPr>
-        </p:nvSpPr>
-        <p:spPr/>
-        <p:txBody>
-          <a:bodyPr>
-            <a:normAutofit/>
-          </a:bodyPr>
-          <a:lstStyle/>
-          <a:p>
-            <a:endParaRPr lang="de-CH" baseline="0" dirty="0" smtClean="0"/>
-          </a:p>
-        </p:txBody>
-      </p:sp>
-      <p:sp>
-        <p:nvSpPr>
-          <p:cNvPr id="4" name="Datumsplatzhalter 3"/>
-          <p:cNvSpPr>
-            <a:spLocks noGrp="1"/>
-          </p:cNvSpPr>
-          <p:nvPr>
-            <p:ph type="dt" idx="10"/>
-          </p:nvPr>
-        </p:nvSpPr>
-        <p:spPr/>
-        <p:txBody>
-          <a:bodyPr/>
-          <a:lstStyle/>
-          <a:p>
-            <a:pPr>
-              <a:defRPr/>
-            </a:pPr>
-            <a:r>
-              <a:rPr lang="de-CH" smtClean="0"/>
-              <a:t>09.10.2013</a:t>
-            </a:r>
-            <a:endParaRPr lang="de-CH"/>
-          </a:p>
-        </p:txBody>
-      </p:sp>
-      <p:sp>
-        <p:nvSpPr>
-          <p:cNvPr id="5" name="Foliennummernplatzhalter 4"/>
-          <p:cNvSpPr>
-            <a:spLocks noGrp="1"/>
-          </p:cNvSpPr>
-          <p:nvPr>
-            <p:ph type="sldNum" sz="quarter" idx="11"/>
-          </p:nvPr>
-        </p:nvSpPr>
-        <p:spPr/>
-        <p:txBody>
-          <a:bodyPr/>
-          <a:lstStyle/>
-          <a:p>
-            <a:pPr>
-              <a:defRPr/>
-            </a:pPr>
-            <a:fld id="{F9C40B36-86BB-4D69-A6B9-8300EEE40866}" type="slidenum">
-              <a:rPr lang="de-CH" smtClean="0"/>
-              <a:pPr>
-                <a:defRPr/>
-              </a:pPr>
-              <a:t>7</a:t>
-            </a:fld>
-            <a:endParaRPr lang="de-CH"/>
-          </a:p>
-        </p:txBody>
-      </p:sp>
-    </p:spTree>
-    <p:extLst>
-      <p:ext uri="{BB962C8B-B14F-4D97-AF65-F5344CB8AC3E}">
-        <p14:creationId xmlns:p14="http://schemas.microsoft.com/office/powerpoint/2010/main" val="544798350"/>
-      </p:ext>
-    </p:extLst>
-  </p:cSld>
-  <p:clrMapOvr>
-    <a:masterClrMapping/>
-  </p:clrMapOvr>
-</p:notes>
-</file>
-
-<file path=ppt/notesSlides/notesSlide6.xml><?xml version="1.0" encoding="utf-8"?>
-<p:notes xmlns:a="http://schemas.openxmlformats.org/drawingml/2006/main" xmlns:r="http://schemas.openxmlformats.org/officeDocument/2006/relationships" xmlns:p="http://schemas.openxmlformats.org/presentationml/2006/main">
-  <p:cSld>
-    <p:spTree>
-      <p:nvGrpSpPr>
-        <p:cNvPr id="1" name=""/>
-        <p:cNvGrpSpPr/>
-        <p:nvPr/>
-      </p:nvGrpSpPr>
-      <p:grpSpPr>
-        <a:xfrm>
-          <a:off x="0" y="0"/>
-          <a:ext cx="0" cy="0"/>
-          <a:chOff x="0" y="0"/>
-          <a:chExt cx="0" cy="0"/>
-        </a:xfrm>
-      </p:grpSpPr>
-      <p:sp>
-        <p:nvSpPr>
-          <p:cNvPr id="2" name="Folienbildplatzhalter 1"/>
-          <p:cNvSpPr>
-            <a:spLocks noGrp="1" noRot="1" noChangeAspect="1"/>
-          </p:cNvSpPr>
-          <p:nvPr>
-            <p:ph type="sldImg"/>
-          </p:nvPr>
-        </p:nvSpPr>
-        <p:spPr/>
-      </p:sp>
-      <p:sp>
-        <p:nvSpPr>
-          <p:cNvPr id="3" name="Notizenplatzhalter 2"/>
-          <p:cNvSpPr>
-            <a:spLocks noGrp="1"/>
-          </p:cNvSpPr>
-          <p:nvPr>
-            <p:ph type="body" idx="1"/>
-          </p:nvPr>
-        </p:nvSpPr>
-        <p:spPr/>
-        <p:txBody>
-          <a:bodyPr>
-            <a:normAutofit/>
-          </a:bodyPr>
-          <a:lstStyle/>
-          <a:p>
-            <a:pPr marL="0" marR="0" lvl="1" indent="0" algn="l" defTabSz="914400" rtl="0" eaLnBrk="0" fontAlgn="base" latinLnBrk="0" hangingPunct="0">
-              <a:lnSpc>
-                <a:spcPct val="100000"/>
-              </a:lnSpc>
-              <a:spcBef>
-                <a:spcPct val="30000"/>
-              </a:spcBef>
-              <a:spcAft>
-                <a:spcPct val="0"/>
-              </a:spcAft>
-              <a:buClrTx/>
-              <a:buSzTx/>
-              <a:buFontTx/>
-              <a:buNone/>
-              <a:tabLst/>
-              <a:defRPr/>
-            </a:pPr>
-            <a:r>
-              <a:rPr lang="de-CH" dirty="0" err="1" smtClean="0"/>
-              <a:t>Autonomy</a:t>
-            </a:r>
-            <a:r>
-              <a:rPr lang="de-CH" dirty="0" smtClean="0"/>
-              <a:t> </a:t>
-            </a:r>
-            <a:r>
-              <a:rPr lang="de-CH" dirty="0" err="1" smtClean="0"/>
-              <a:t>realized</a:t>
-            </a:r>
-            <a:r>
-              <a:rPr lang="de-CH" dirty="0" smtClean="0"/>
-              <a:t> </a:t>
-            </a:r>
-            <a:r>
-              <a:rPr lang="de-CH" dirty="0" err="1" smtClean="0"/>
-              <a:t>differently</a:t>
-            </a:r>
-            <a:r>
-              <a:rPr lang="de-CH" dirty="0" smtClean="0"/>
-              <a:t>: </a:t>
-            </a:r>
-            <a:r>
-              <a:rPr lang="de-CH" dirty="0" err="1" smtClean="0"/>
-              <a:t>example</a:t>
-            </a:r>
-            <a:r>
-              <a:rPr lang="de-CH" dirty="0" smtClean="0"/>
-              <a:t> </a:t>
-            </a:r>
-            <a:r>
-              <a:rPr lang="de-CH" dirty="0" err="1" smtClean="0"/>
-              <a:t>warm-up</a:t>
-            </a:r>
-            <a:r>
-              <a:rPr lang="de-CH" dirty="0" smtClean="0"/>
-              <a:t> </a:t>
-            </a:r>
-            <a:r>
-              <a:rPr lang="de-CH" dirty="0" err="1" smtClean="0"/>
-              <a:t>with</a:t>
-            </a:r>
-            <a:r>
-              <a:rPr lang="de-CH" dirty="0" smtClean="0"/>
-              <a:t> </a:t>
-            </a:r>
-            <a:r>
-              <a:rPr lang="de-CH" dirty="0" err="1" smtClean="0"/>
-              <a:t>football</a:t>
-            </a:r>
-            <a:r>
-              <a:rPr lang="de-CH" dirty="0" smtClean="0"/>
-              <a:t> after </a:t>
-            </a:r>
-            <a:r>
-              <a:rPr lang="de-CH" dirty="0" err="1" smtClean="0"/>
-              <a:t>coach</a:t>
-            </a:r>
-            <a:r>
-              <a:rPr lang="de-CH" dirty="0" smtClean="0"/>
-              <a:t> </a:t>
-            </a:r>
-            <a:r>
-              <a:rPr lang="de-CH" dirty="0" err="1" smtClean="0"/>
-              <a:t>said</a:t>
-            </a:r>
-            <a:r>
-              <a:rPr lang="de-CH" baseline="0" dirty="0" smtClean="0"/>
-              <a:t> not </a:t>
-            </a:r>
-            <a:r>
-              <a:rPr lang="de-CH" baseline="0" dirty="0" err="1" smtClean="0"/>
-              <a:t>to</a:t>
-            </a:r>
-            <a:r>
-              <a:rPr lang="de-CH" baseline="0" dirty="0" smtClean="0"/>
-              <a:t> do </a:t>
-            </a:r>
-            <a:r>
-              <a:rPr lang="de-CH" baseline="0" dirty="0" err="1" smtClean="0"/>
-              <a:t>that</a:t>
-            </a:r>
-            <a:endParaRPr lang="de-CH" dirty="0" smtClean="0"/>
-          </a:p>
-          <a:p>
-            <a:endParaRPr lang="de-CH" dirty="0"/>
-          </a:p>
-        </p:txBody>
-      </p:sp>
-      <p:sp>
-        <p:nvSpPr>
-          <p:cNvPr id="4" name="Datumsplatzhalter 3"/>
-          <p:cNvSpPr>
-            <a:spLocks noGrp="1"/>
-          </p:cNvSpPr>
-          <p:nvPr>
-            <p:ph type="dt" idx="10"/>
-          </p:nvPr>
-        </p:nvSpPr>
-        <p:spPr/>
-        <p:txBody>
-          <a:bodyPr/>
-          <a:lstStyle/>
-          <a:p>
-            <a:pPr>
-              <a:defRPr/>
-            </a:pPr>
-            <a:r>
-              <a:rPr lang="de-CH" smtClean="0"/>
-              <a:t>09.10.2013</a:t>
-            </a:r>
-            <a:endParaRPr lang="de-CH"/>
-          </a:p>
-        </p:txBody>
-      </p:sp>
-      <p:sp>
-        <p:nvSpPr>
-          <p:cNvPr id="5" name="Foliennummernplatzhalter 4"/>
-          <p:cNvSpPr>
-            <a:spLocks noGrp="1"/>
-          </p:cNvSpPr>
-          <p:nvPr>
-            <p:ph type="sldNum" sz="quarter" idx="11"/>
-          </p:nvPr>
-        </p:nvSpPr>
-        <p:spPr/>
-        <p:txBody>
-          <a:bodyPr/>
-          <a:lstStyle/>
-          <a:p>
-            <a:pPr>
-              <a:defRPr/>
-            </a:pPr>
-            <a:fld id="{F9C40B36-86BB-4D69-A6B9-8300EEE40866}" type="slidenum">
-              <a:rPr lang="de-CH" smtClean="0"/>
-              <a:pPr>
-                <a:defRPr/>
-              </a:pPr>
-              <a:t>8</a:t>
-            </a:fld>
-            <a:endParaRPr lang="de-CH"/>
-          </a:p>
-        </p:txBody>
-      </p:sp>
-    </p:spTree>
-    <p:extLst>
-      <p:ext uri="{BB962C8B-B14F-4D97-AF65-F5344CB8AC3E}">
-        <p14:creationId xmlns:p14="http://schemas.microsoft.com/office/powerpoint/2010/main" val="3974577195"/>
-      </p:ext>
-    </p:extLst>
-  </p:cSld>
-  <p:clrMapOvr>
-    <a:masterClrMapping/>
-  </p:clrMapOvr>
-</p:notes>
-</file>
-
-<file path=ppt/notesSlides/notesSlide7.xml><?xml version="1.0" encoding="utf-8"?>
-<p:notes xmlns:a="http://schemas.openxmlformats.org/drawingml/2006/main" xmlns:r="http://schemas.openxmlformats.org/officeDocument/2006/relationships" xmlns:p="http://schemas.openxmlformats.org/presentationml/2006/main">
-  <p:cSld>
-    <p:spTree>
-      <p:nvGrpSpPr>
-        <p:cNvPr id="1" name=""/>
-        <p:cNvGrpSpPr/>
-        <p:nvPr/>
-      </p:nvGrpSpPr>
-      <p:grpSpPr>
-        <a:xfrm>
-          <a:off x="0" y="0"/>
-          <a:ext cx="0" cy="0"/>
-          <a:chOff x="0" y="0"/>
-          <a:chExt cx="0" cy="0"/>
-        </a:xfrm>
-      </p:grpSpPr>
-      <p:sp>
-        <p:nvSpPr>
-          <p:cNvPr id="2" name="Folienbildplatzhalter 1"/>
-          <p:cNvSpPr>
-            <a:spLocks noGrp="1" noRot="1" noChangeAspect="1"/>
-          </p:cNvSpPr>
-          <p:nvPr>
-            <p:ph type="sldImg"/>
-          </p:nvPr>
-        </p:nvSpPr>
-        <p:spPr/>
-      </p:sp>
-      <p:sp>
-        <p:nvSpPr>
-          <p:cNvPr id="3" name="Notizenplatzhalter 2"/>
-          <p:cNvSpPr>
-            <a:spLocks noGrp="1"/>
-          </p:cNvSpPr>
-          <p:nvPr>
-            <p:ph type="body" idx="1"/>
-          </p:nvPr>
-        </p:nvSpPr>
-        <p:spPr/>
-        <p:txBody>
-          <a:bodyPr/>
-          <a:lstStyle/>
-          <a:p>
-            <a:r>
-              <a:rPr lang="de-CH" dirty="0" smtClean="0"/>
-              <a:t>Joël macht die Folie</a:t>
-            </a:r>
-          </a:p>
-          <a:p>
-            <a:r>
-              <a:rPr lang="de-DE" dirty="0" err="1" smtClean="0"/>
-              <a:t>Complete</a:t>
-            </a:r>
-            <a:r>
-              <a:rPr lang="de-DE" dirty="0" smtClean="0"/>
-              <a:t> </a:t>
-            </a:r>
-            <a:r>
-              <a:rPr lang="de-DE" dirty="0" err="1" smtClean="0"/>
-              <a:t>observer</a:t>
-            </a:r>
-            <a:r>
-              <a:rPr lang="de-DE" dirty="0" smtClean="0"/>
-              <a:t> : </a:t>
-            </a:r>
-            <a:r>
-              <a:rPr lang="de-DE" dirty="0" err="1" smtClean="0"/>
-              <a:t>explain</a:t>
-            </a:r>
-            <a:r>
-              <a:rPr lang="de-DE" dirty="0" smtClean="0"/>
-              <a:t> </a:t>
-            </a:r>
-            <a:r>
-              <a:rPr lang="de-DE" dirty="0" err="1" smtClean="0"/>
-              <a:t>position</a:t>
-            </a:r>
-            <a:r>
-              <a:rPr lang="de-DE" dirty="0" smtClean="0"/>
-              <a:t> </a:t>
-            </a:r>
-            <a:r>
-              <a:rPr lang="de-DE" dirty="0" err="1" smtClean="0"/>
-              <a:t>more</a:t>
-            </a:r>
-            <a:r>
-              <a:rPr lang="de-DE" dirty="0" smtClean="0"/>
-              <a:t> </a:t>
-            </a:r>
-            <a:r>
-              <a:rPr lang="de-DE" dirty="0" err="1" smtClean="0"/>
-              <a:t>exactly</a:t>
-            </a:r>
-            <a:endParaRPr lang="de-CH" dirty="0"/>
-          </a:p>
-        </p:txBody>
-      </p:sp>
-      <p:sp>
-        <p:nvSpPr>
-          <p:cNvPr id="4" name="Datumsplatzhalter 3"/>
-          <p:cNvSpPr>
-            <a:spLocks noGrp="1"/>
-          </p:cNvSpPr>
-          <p:nvPr>
-            <p:ph type="dt" idx="10"/>
-          </p:nvPr>
-        </p:nvSpPr>
-        <p:spPr/>
-        <p:txBody>
-          <a:bodyPr/>
-          <a:lstStyle/>
-          <a:p>
-            <a:pPr>
-              <a:defRPr/>
-            </a:pPr>
-            <a:r>
-              <a:rPr lang="de-CH" smtClean="0"/>
-              <a:t>09.10.2013</a:t>
-            </a:r>
-            <a:endParaRPr lang="de-CH"/>
-          </a:p>
-        </p:txBody>
-      </p:sp>
-      <p:sp>
-        <p:nvSpPr>
-          <p:cNvPr id="5" name="Foliennummernplatzhalter 4"/>
-          <p:cNvSpPr>
-            <a:spLocks noGrp="1"/>
-          </p:cNvSpPr>
-          <p:nvPr>
-            <p:ph type="sldNum" sz="quarter" idx="11"/>
-          </p:nvPr>
-        </p:nvSpPr>
-        <p:spPr/>
-        <p:txBody>
-          <a:bodyPr/>
-          <a:lstStyle/>
-          <a:p>
-            <a:pPr>
-              <a:defRPr/>
-            </a:pPr>
-            <a:fld id="{F9C40B36-86BB-4D69-A6B9-8300EEE40866}" type="slidenum">
-              <a:rPr lang="de-CH" smtClean="0"/>
-              <a:pPr>
-                <a:defRPr/>
-              </a:pPr>
-              <a:t>9</a:t>
-            </a:fld>
-            <a:endParaRPr lang="de-CH"/>
-          </a:p>
-        </p:txBody>
-      </p:sp>
-    </p:spTree>
-    <p:extLst>
-      <p:ext uri="{BB962C8B-B14F-4D97-AF65-F5344CB8AC3E}">
-        <p14:creationId xmlns:p14="http://schemas.microsoft.com/office/powerpoint/2010/main" val="2526263220"/>
-      </p:ext>
-    </p:extLst>
-  </p:cSld>
-  <p:clrMapOvr>
-    <a:masterClrMapping/>
-  </p:clrMapOvr>
-</p:notes>
-</file>
-
-<file path=ppt/notesSlides/notesSlide8.xml><?xml version="1.0" encoding="utf-8"?>
-<p:notes xmlns:a="http://schemas.openxmlformats.org/drawingml/2006/main" xmlns:r="http://schemas.openxmlformats.org/officeDocument/2006/relationships" xmlns:p="http://schemas.openxmlformats.org/presentationml/2006/main">
-  <p:cSld>
-    <p:spTree>
-      <p:nvGrpSpPr>
-        <p:cNvPr id="1" name=""/>
-        <p:cNvGrpSpPr/>
-        <p:nvPr/>
-      </p:nvGrpSpPr>
-      <p:grpSpPr>
-        <a:xfrm>
-          <a:off x="0" y="0"/>
-          <a:ext cx="0" cy="0"/>
-          <a:chOff x="0" y="0"/>
-          <a:chExt cx="0" cy="0"/>
-        </a:xfrm>
-      </p:grpSpPr>
-      <p:sp>
-        <p:nvSpPr>
-          <p:cNvPr id="2" name="Folienbildplatzhalter 1"/>
-          <p:cNvSpPr>
-            <a:spLocks noGrp="1" noRot="1" noChangeAspect="1"/>
-          </p:cNvSpPr>
-          <p:nvPr>
-            <p:ph type="sldImg"/>
-          </p:nvPr>
-        </p:nvSpPr>
-        <p:spPr/>
-      </p:sp>
-      <p:sp>
-        <p:nvSpPr>
-          <p:cNvPr id="3" name="Notizenplatzhalter 2"/>
-          <p:cNvSpPr>
-            <a:spLocks noGrp="1"/>
-          </p:cNvSpPr>
-          <p:nvPr>
-            <p:ph type="body" idx="1"/>
-          </p:nvPr>
-        </p:nvSpPr>
-        <p:spPr/>
-        <p:txBody>
-          <a:bodyPr/>
-          <a:lstStyle/>
-          <a:p>
-            <a:pPr marL="0" marR="0" lvl="1" indent="0" algn="l" defTabSz="914400" rtl="0" eaLnBrk="0" fontAlgn="base" latinLnBrk="0" hangingPunct="0">
-              <a:lnSpc>
-                <a:spcPct val="100000"/>
-              </a:lnSpc>
-              <a:spcBef>
-                <a:spcPct val="30000"/>
-              </a:spcBef>
-              <a:spcAft>
-                <a:spcPct val="0"/>
-              </a:spcAft>
-              <a:buClrTx/>
-              <a:buSzTx/>
-              <a:buFontTx/>
-              <a:buNone/>
-              <a:tabLst/>
-              <a:defRPr/>
-            </a:pPr>
-            <a:r>
-              <a:rPr lang="de-DE" dirty="0" smtClean="0"/>
-              <a:t>Start </a:t>
-            </a:r>
-            <a:r>
-              <a:rPr lang="de-DE" dirty="0" err="1" smtClean="0"/>
-              <a:t>with</a:t>
-            </a:r>
-            <a:r>
-              <a:rPr lang="de-DE" dirty="0" smtClean="0"/>
-              <a:t> </a:t>
-            </a:r>
-            <a:r>
-              <a:rPr lang="de-DE" dirty="0" err="1" smtClean="0"/>
-              <a:t>Grounded</a:t>
-            </a:r>
-            <a:r>
-              <a:rPr lang="de-DE" dirty="0" smtClean="0"/>
-              <a:t> </a:t>
-            </a:r>
-            <a:r>
-              <a:rPr lang="de-DE" dirty="0" err="1" smtClean="0"/>
-              <a:t>Theory</a:t>
-            </a:r>
-            <a:r>
-              <a:rPr lang="de-DE" dirty="0" smtClean="0"/>
-              <a:t>, </a:t>
-            </a:r>
-            <a:r>
-              <a:rPr lang="de-DE" dirty="0" err="1" smtClean="0"/>
-              <a:t>ended</a:t>
-            </a:r>
-            <a:r>
-              <a:rPr lang="de-DE" dirty="0" smtClean="0"/>
-              <a:t> </a:t>
-            </a:r>
-            <a:r>
-              <a:rPr lang="de-DE" dirty="0" err="1" smtClean="0"/>
-              <a:t>up</a:t>
-            </a:r>
-            <a:r>
-              <a:rPr lang="de-DE" dirty="0" smtClean="0"/>
-              <a:t> </a:t>
-            </a:r>
-            <a:r>
-              <a:rPr lang="de-DE" dirty="0" err="1" smtClean="0"/>
-              <a:t>with</a:t>
-            </a:r>
-            <a:r>
-              <a:rPr lang="de-DE" dirty="0" smtClean="0"/>
-              <a:t> Content Analysis: </a:t>
-            </a:r>
-            <a:r>
-              <a:rPr lang="de-DE" dirty="0" err="1" smtClean="0"/>
-              <a:t>explain</a:t>
-            </a:r>
-            <a:r>
-              <a:rPr lang="de-DE" dirty="0" smtClean="0"/>
-              <a:t> </a:t>
-            </a:r>
-            <a:r>
-              <a:rPr lang="de-DE" dirty="0" err="1" smtClean="0"/>
-              <a:t>why</a:t>
-            </a:r>
-            <a:endParaRPr lang="de-DE" dirty="0" smtClean="0"/>
-          </a:p>
-          <a:p>
-            <a:pPr marL="0" marR="0" lvl="1" indent="0" algn="l" defTabSz="914400" rtl="0" eaLnBrk="0" fontAlgn="base" latinLnBrk="0" hangingPunct="0">
-              <a:lnSpc>
-                <a:spcPct val="100000"/>
-              </a:lnSpc>
-              <a:spcBef>
-                <a:spcPct val="30000"/>
-              </a:spcBef>
-              <a:spcAft>
-                <a:spcPct val="0"/>
-              </a:spcAft>
-              <a:buClrTx/>
-              <a:buSzTx/>
-              <a:buFontTx/>
-              <a:buNone/>
-              <a:tabLst/>
-              <a:defRPr/>
-            </a:pPr>
-            <a:endParaRPr lang="de-DE" dirty="0" smtClean="0"/>
-          </a:p>
-          <a:p>
-            <a:pPr marL="0" marR="0" lvl="1" indent="0" algn="l" defTabSz="914400" rtl="0" eaLnBrk="0" fontAlgn="base" latinLnBrk="0" hangingPunct="0">
-              <a:lnSpc>
-                <a:spcPct val="100000"/>
-              </a:lnSpc>
-              <a:spcBef>
-                <a:spcPct val="30000"/>
-              </a:spcBef>
-              <a:spcAft>
-                <a:spcPct val="0"/>
-              </a:spcAft>
-              <a:buClrTx/>
-              <a:buSzTx/>
-              <a:buFontTx/>
-              <a:buNone/>
-              <a:tabLst/>
-              <a:defRPr/>
-            </a:pPr>
-            <a:r>
-              <a:rPr lang="de-DE" dirty="0" err="1" smtClean="0"/>
-              <a:t>Autonomy</a:t>
-            </a:r>
-            <a:r>
-              <a:rPr lang="de-DE" dirty="0" smtClean="0"/>
-              <a:t>: </a:t>
-            </a:r>
-            <a:r>
-              <a:rPr lang="de-DE" dirty="0" err="1" smtClean="0"/>
-              <a:t>how</a:t>
-            </a:r>
-            <a:r>
-              <a:rPr lang="de-DE" dirty="0" smtClean="0"/>
-              <a:t> do </a:t>
-            </a:r>
-            <a:r>
-              <a:rPr lang="de-DE" dirty="0" err="1" smtClean="0"/>
-              <a:t>players</a:t>
-            </a:r>
-            <a:r>
-              <a:rPr lang="de-DE" dirty="0" smtClean="0"/>
-              <a:t> </a:t>
-            </a:r>
-            <a:r>
-              <a:rPr lang="de-DE" dirty="0" err="1" smtClean="0"/>
-              <a:t>realize</a:t>
-            </a:r>
-            <a:r>
-              <a:rPr lang="de-DE" dirty="0" smtClean="0"/>
-              <a:t> </a:t>
-            </a:r>
-            <a:r>
-              <a:rPr lang="de-DE" dirty="0" err="1" smtClean="0"/>
-              <a:t>it</a:t>
-            </a:r>
-            <a:r>
-              <a:rPr lang="de-DE" dirty="0" smtClean="0"/>
-              <a:t> (</a:t>
-            </a:r>
-            <a:r>
-              <a:rPr lang="de-DE" dirty="0" err="1" smtClean="0"/>
-              <a:t>another</a:t>
-            </a:r>
-            <a:r>
-              <a:rPr lang="de-DE" dirty="0" smtClean="0"/>
-              <a:t> qualitative </a:t>
-            </a:r>
-            <a:r>
-              <a:rPr lang="de-DE" dirty="0" err="1" smtClean="0"/>
-              <a:t>study</a:t>
-            </a:r>
-            <a:r>
-              <a:rPr lang="de-DE" dirty="0" smtClean="0"/>
-              <a:t>)</a:t>
-            </a:r>
-          </a:p>
-          <a:p>
-            <a:endParaRPr lang="de-CH" dirty="0"/>
-          </a:p>
-        </p:txBody>
-      </p:sp>
-      <p:sp>
-        <p:nvSpPr>
-          <p:cNvPr id="4" name="Datumsplatzhalter 3"/>
-          <p:cNvSpPr>
-            <a:spLocks noGrp="1"/>
-          </p:cNvSpPr>
-          <p:nvPr>
-            <p:ph type="dt" idx="10"/>
-          </p:nvPr>
-        </p:nvSpPr>
-        <p:spPr/>
-        <p:txBody>
-          <a:bodyPr/>
-          <a:lstStyle/>
-          <a:p>
-            <a:pPr>
-              <a:defRPr/>
-            </a:pPr>
-            <a:r>
-              <a:rPr lang="de-CH" smtClean="0"/>
-              <a:t>09.10.2013</a:t>
-            </a:r>
-            <a:endParaRPr lang="de-CH"/>
-          </a:p>
-        </p:txBody>
-      </p:sp>
-      <p:sp>
-        <p:nvSpPr>
-          <p:cNvPr id="5" name="Foliennummernplatzhalter 4"/>
-          <p:cNvSpPr>
-            <a:spLocks noGrp="1"/>
-          </p:cNvSpPr>
-          <p:nvPr>
-            <p:ph type="sldNum" sz="quarter" idx="11"/>
-          </p:nvPr>
-        </p:nvSpPr>
-        <p:spPr/>
-        <p:txBody>
-          <a:bodyPr/>
-          <a:lstStyle/>
-          <a:p>
-            <a:pPr>
-              <a:defRPr/>
-            </a:pPr>
-            <a:fld id="{F9C40B36-86BB-4D69-A6B9-8300EEE40866}" type="slidenum">
-              <a:rPr lang="de-CH" smtClean="0"/>
-              <a:pPr>
-                <a:defRPr/>
-              </a:pPr>
-              <a:t>10</a:t>
-            </a:fld>
-            <a:endParaRPr lang="de-CH"/>
-          </a:p>
-        </p:txBody>
-      </p:sp>
-    </p:spTree>
-    <p:extLst>
-      <p:ext uri="{BB962C8B-B14F-4D97-AF65-F5344CB8AC3E}">
-        <p14:creationId xmlns:p14="http://schemas.microsoft.com/office/powerpoint/2010/main" val="2030702513"/>
-      </p:ext>
-    </p:extLst>
-  </p:cSld>
-  <p:clrMapOvr>
-    <a:masterClrMapping/>
-  </p:clrMapOvr>
-</p:notes>
-</file>
-
-<file path=ppt/notesSlides/notesSlide9.xml><?xml version="1.0" encoding="utf-8"?>
-<p:notes xmlns:a="http://schemas.openxmlformats.org/drawingml/2006/main" xmlns:r="http://schemas.openxmlformats.org/officeDocument/2006/relationships" xmlns:p="http://schemas.openxmlformats.org/presentationml/2006/main">
-  <p:cSld>
-    <p:spTree>
-      <p:nvGrpSpPr>
-        <p:cNvPr id="1" name=""/>
-        <p:cNvGrpSpPr/>
-        <p:nvPr/>
-      </p:nvGrpSpPr>
-      <p:grpSpPr>
-        <a:xfrm>
-          <a:off x="0" y="0"/>
-          <a:ext cx="0" cy="0"/>
-          <a:chOff x="0" y="0"/>
-          <a:chExt cx="0" cy="0"/>
-        </a:xfrm>
-      </p:grpSpPr>
-      <p:sp>
-        <p:nvSpPr>
-          <p:cNvPr id="2" name="Folienbildplatzhalter 1"/>
-          <p:cNvSpPr>
-            <a:spLocks noGrp="1" noRot="1" noChangeAspect="1"/>
-          </p:cNvSpPr>
-          <p:nvPr>
-            <p:ph type="sldImg"/>
-          </p:nvPr>
-        </p:nvSpPr>
-        <p:spPr/>
-      </p:sp>
-      <p:sp>
-        <p:nvSpPr>
-          <p:cNvPr id="3" name="Notizenplatzhalter 2"/>
-          <p:cNvSpPr>
-            <a:spLocks noGrp="1"/>
-          </p:cNvSpPr>
-          <p:nvPr>
-            <p:ph type="body" idx="1"/>
-          </p:nvPr>
-        </p:nvSpPr>
-        <p:spPr/>
-        <p:txBody>
-          <a:bodyPr>
-            <a:normAutofit/>
-          </a:bodyPr>
-          <a:lstStyle/>
-          <a:p>
-            <a:endParaRPr lang="de-CH" dirty="0"/>
-          </a:p>
-        </p:txBody>
-      </p:sp>
-      <p:sp>
-        <p:nvSpPr>
-          <p:cNvPr id="4" name="Datumsplatzhalter 3"/>
-          <p:cNvSpPr>
-            <a:spLocks noGrp="1"/>
-          </p:cNvSpPr>
-          <p:nvPr>
-            <p:ph type="dt" idx="10"/>
-          </p:nvPr>
-        </p:nvSpPr>
-        <p:spPr/>
-        <p:txBody>
-          <a:bodyPr/>
-          <a:lstStyle/>
-          <a:p>
-            <a:pPr>
-              <a:defRPr/>
-            </a:pPr>
-            <a:r>
-              <a:rPr lang="de-CH" smtClean="0"/>
-              <a:t>09.10.2013</a:t>
-            </a:r>
-            <a:endParaRPr lang="de-CH"/>
-          </a:p>
-        </p:txBody>
-      </p:sp>
-      <p:sp>
-        <p:nvSpPr>
-          <p:cNvPr id="5" name="Foliennummernplatzhalter 4"/>
-          <p:cNvSpPr>
-            <a:spLocks noGrp="1"/>
-          </p:cNvSpPr>
-          <p:nvPr>
-            <p:ph type="sldNum" sz="quarter" idx="11"/>
-          </p:nvPr>
-        </p:nvSpPr>
-        <p:spPr/>
-        <p:txBody>
-          <a:bodyPr/>
-          <a:lstStyle/>
-          <a:p>
-            <a:pPr>
-              <a:defRPr/>
-            </a:pPr>
-            <a:fld id="{F9C40B36-86BB-4D69-A6B9-8300EEE40866}" type="slidenum">
-              <a:rPr lang="de-CH" smtClean="0"/>
-              <a:pPr>
-                <a:defRPr/>
-              </a:pPr>
-              <a:t>11</a:t>
-            </a:fld>
-            <a:endParaRPr lang="de-CH"/>
-          </a:p>
-        </p:txBody>
-      </p:sp>
-    </p:spTree>
-    <p:extLst>
-      <p:ext uri="{BB962C8B-B14F-4D97-AF65-F5344CB8AC3E}">
-        <p14:creationId xmlns:p14="http://schemas.microsoft.com/office/powerpoint/2010/main" val="4121219920"/>
-      </p:ext>
-    </p:extLst>
-  </p:cSld>
-  <p:clrMapOvr>
-    <a:masterClrMapping/>
-  </p:clrMapOvr>
-</p:notes>
-</file>
-
 <file path=ppt/slideLayouts/slideLayout1.xml><?xml version="1.0" encoding="utf-8"?>
 <p:sldLayout xmlns:a="http://schemas.openxmlformats.org/drawingml/2006/main" xmlns:r="http://schemas.openxmlformats.org/officeDocument/2006/relationships" xmlns:p="http://schemas.openxmlformats.org/presentationml/2006/main" showMasterSp="0" type="title" preserve="1">
   <p:cSld name="Titelfolie">
@@ -2634,10 +1097,9 @@
           <a:lstStyle/>
           <a:p>
             <a:r>
-              <a:rPr lang="de-DE" smtClean="0"/>
+              <a:rPr lang="de-DE"/>
               <a:t>Titelmasterformat durch Klicken bearbeiten</a:t>
             </a:r>
-            <a:endParaRPr lang="de-DE"/>
           </a:p>
         </p:txBody>
       </p:sp>
@@ -2658,38 +1120,37 @@
           <a:p>
             <a:pPr lvl="0"/>
             <a:r>
-              <a:rPr lang="de-DE" smtClean="0"/>
+              <a:rPr lang="de-DE"/>
               <a:t>Textmasterformate durch Klicken bearbeiten</a:t>
             </a:r>
           </a:p>
           <a:p>
             <a:pPr lvl="1"/>
             <a:r>
-              <a:rPr lang="de-DE" smtClean="0"/>
+              <a:rPr lang="de-DE"/>
               <a:t>Zweite Ebene</a:t>
             </a:r>
           </a:p>
           <a:p>
             <a:pPr lvl="2"/>
             <a:r>
-              <a:rPr lang="de-DE" smtClean="0"/>
+              <a:rPr lang="de-DE"/>
               <a:t>Dritte Ebene</a:t>
             </a:r>
           </a:p>
           <a:p>
             <a:pPr lvl="3"/>
             <a:r>
-              <a:rPr lang="de-DE" smtClean="0"/>
+              <a:rPr lang="de-DE"/>
               <a:t>Vierte Ebene</a:t>
             </a:r>
           </a:p>
           <a:p>
             <a:pPr lvl="4"/>
             <a:r>
-              <a:rPr lang="de-DE" smtClean="0"/>
+              <a:rPr lang="de-DE"/>
               <a:t>Fünfte Ebene</a:t>
             </a:r>
-            <a:endParaRPr lang="de-DE"/>
           </a:p>
         </p:txBody>
       </p:sp>
@@ -2781,10 +1242,9 @@
           <a:lstStyle/>
           <a:p>
             <a:r>
-              <a:rPr lang="de-DE" smtClean="0"/>
+              <a:rPr lang="de-DE"/>
               <a:t>Titelmasterformat durch Klicken bearbeiten</a:t>
             </a:r>
-            <a:endParaRPr lang="de-DE"/>
           </a:p>
         </p:txBody>
       </p:sp>
@@ -2810,38 +1270,37 @@
           <a:p>
             <a:pPr lvl="0"/>
             <a:r>
-              <a:rPr lang="de-DE" smtClean="0"/>
+              <a:rPr lang="de-DE"/>
               <a:t>Textmasterformate durch Klicken bearbeiten</a:t>
             </a:r>
           </a:p>
           <a:p>
             <a:pPr lvl="1"/>
             <a:r>
-              <a:rPr lang="de-DE" smtClean="0"/>
+              <a:rPr lang="de-DE"/>
               <a:t>Zweite Ebene</a:t>
             </a:r>
           </a:p>
           <a:p>
             <a:pPr lvl="2"/>
             <a:r>
-              <a:rPr lang="de-DE" smtClean="0"/>
+              <a:rPr lang="de-DE"/>
               <a:t>Dritte Ebene</a:t>
             </a:r>
           </a:p>
           <a:p>
             <a:pPr lvl="3"/>
             <a:r>
-              <a:rPr lang="de-DE" smtClean="0"/>
+              <a:rPr lang="de-DE"/>
               <a:t>Vierte Ebene</a:t>
             </a:r>
           </a:p>
           <a:p>
             <a:pPr lvl="4"/>
             <a:r>
-              <a:rPr lang="de-DE" smtClean="0"/>
+              <a:rPr lang="de-DE"/>
               <a:t>Fünfte Ebene</a:t>
             </a:r>
-            <a:endParaRPr lang="de-DE"/>
           </a:p>
         </p:txBody>
       </p:sp>
@@ -2953,10 +1412,9 @@
           <a:lstStyle/>
           <a:p>
             <a:r>
-              <a:rPr lang="de-DE" smtClean="0"/>
+              <a:rPr lang="de-DE"/>
               <a:t>Titelmasterformat durch Klicken bearbeiten</a:t>
             </a:r>
-            <a:endParaRPr lang="de-DE"/>
           </a:p>
         </p:txBody>
       </p:sp>
@@ -2977,38 +1435,37 @@
           <a:p>
             <a:pPr lvl="0"/>
             <a:r>
-              <a:rPr lang="de-DE" smtClean="0"/>
+              <a:rPr lang="de-DE"/>
               <a:t>Textmasterformate durch Klicken bearbeiten</a:t>
             </a:r>
           </a:p>
           <a:p>
             <a:pPr lvl="1"/>
             <a:r>
-              <a:rPr lang="de-DE" smtClean="0"/>
+              <a:rPr lang="de-DE"/>
               <a:t>Zweite Ebene</a:t>
             </a:r>
           </a:p>
           <a:p>
             <a:pPr lvl="2"/>
             <a:r>
-              <a:rPr lang="de-DE" smtClean="0"/>
+              <a:rPr lang="de-DE"/>
               <a:t>Dritte Ebene</a:t>
             </a:r>
           </a:p>
           <a:p>
             <a:pPr lvl="3"/>
             <a:r>
-              <a:rPr lang="de-DE" smtClean="0"/>
+              <a:rPr lang="de-DE"/>
               <a:t>Vierte Ebene</a:t>
             </a:r>
           </a:p>
           <a:p>
             <a:pPr lvl="4"/>
             <a:r>
-              <a:rPr lang="de-DE" smtClean="0"/>
+              <a:rPr lang="de-DE"/>
               <a:t>Fünfte Ebene</a:t>
             </a:r>
-            <a:endParaRPr lang="de-DE"/>
           </a:p>
         </p:txBody>
       </p:sp>
@@ -3063,10 +1520,9 @@
           </a:lstStyle>
           <a:p>
             <a:r>
-              <a:rPr lang="de-DE" smtClean="0"/>
+              <a:rPr lang="de-DE"/>
               <a:t>Titelmasterformat durch Klicken bearbeiten</a:t>
             </a:r>
-            <a:endParaRPr lang="de-DE"/>
           </a:p>
         </p:txBody>
       </p:sp>
@@ -3129,7 +1585,7 @@
           <a:p>
             <a:pPr lvl="0"/>
             <a:r>
-              <a:rPr lang="de-DE" smtClean="0"/>
+              <a:rPr lang="de-DE"/>
               <a:t>Textmasterformate durch Klicken bearbeiten</a:t>
             </a:r>
           </a:p>
@@ -3218,10 +1674,9 @@
           <a:lstStyle/>
           <a:p>
             <a:r>
-              <a:rPr lang="de-DE" smtClean="0"/>
+              <a:rPr lang="de-DE"/>
               <a:t>Titelmasterformat durch Klicken bearbeiten</a:t>
             </a:r>
-            <a:endParaRPr lang="de-DE"/>
           </a:p>
         </p:txBody>
       </p:sp>
@@ -3275,38 +1730,37 @@
           <a:p>
             <a:pPr lvl="0"/>
             <a:r>
-              <a:rPr lang="de-DE" smtClean="0"/>
+              <a:rPr lang="de-DE"/>
               <a:t>Textmasterformate durch Klicken bearbeiten</a:t>
             </a:r>
           </a:p>
           <a:p>
             <a:pPr lvl="1"/>
             <a:r>
-              <a:rPr lang="de-DE" smtClean="0"/>
+              <a:rPr lang="de-DE"/>
               <a:t>Zweite Ebene</a:t>
             </a:r>
           </a:p>
           <a:p>
             <a:pPr lvl="2"/>
             <a:r>
-              <a:rPr lang="de-DE" smtClean="0"/>
+              <a:rPr lang="de-DE"/>
               <a:t>Dritte Ebene</a:t>
             </a:r>
           </a:p>
           <a:p>
             <a:pPr lvl="3"/>
             <a:r>
-              <a:rPr lang="de-DE" smtClean="0"/>
+              <a:rPr lang="de-DE"/>
               <a:t>Vierte Ebene</a:t>
             </a:r>
           </a:p>
           <a:p>
             <a:pPr lvl="4"/>
             <a:r>
-              <a:rPr lang="de-DE" smtClean="0"/>
+              <a:rPr lang="de-DE"/>
               <a:t>Fünfte Ebene</a:t>
             </a:r>
-            <a:endParaRPr lang="de-DE"/>
           </a:p>
         </p:txBody>
       </p:sp>
@@ -3360,38 +1814,37 @@
           <a:p>
             <a:pPr lvl="0"/>
             <a:r>
-              <a:rPr lang="de-DE" smtClean="0"/>
+              <a:rPr lang="de-DE"/>
               <a:t>Textmasterformate durch Klicken bearbeiten</a:t>
             </a:r>
           </a:p>
           <a:p>
             <a:pPr lvl="1"/>
             <a:r>
-              <a:rPr lang="de-DE" smtClean="0"/>
+              <a:rPr lang="de-DE"/>
               <a:t>Zweite Ebene</a:t>
             </a:r>
           </a:p>
           <a:p>
             <a:pPr lvl="2"/>
             <a:r>
-              <a:rPr lang="de-DE" smtClean="0"/>
+              <a:rPr lang="de-DE"/>
               <a:t>Dritte Ebene</a:t>
             </a:r>
           </a:p>
           <a:p>
             <a:pPr lvl="3"/>
             <a:r>
-              <a:rPr lang="de-DE" smtClean="0"/>
+              <a:rPr lang="de-DE"/>
               <a:t>Vierte Ebene</a:t>
             </a:r>
           </a:p>
           <a:p>
             <a:pPr lvl="4"/>
             <a:r>
-              <a:rPr lang="de-DE" smtClean="0"/>
+              <a:rPr lang="de-DE"/>
               <a:t>Fünfte Ebene</a:t>
             </a:r>
-            <a:endParaRPr lang="de-DE"/>
           </a:p>
         </p:txBody>
       </p:sp>
@@ -3487,10 +1940,9 @@
           </a:lstStyle>
           <a:p>
             <a:r>
-              <a:rPr lang="de-DE" smtClean="0"/>
+              <a:rPr lang="de-DE"/>
               <a:t>Titelmasterformat durch Klicken bearbeiten</a:t>
             </a:r>
-            <a:endParaRPr lang="de-DE"/>
           </a:p>
         </p:txBody>
       </p:sp>
@@ -3553,7 +2005,7 @@
           <a:p>
             <a:pPr lvl="0"/>
             <a:r>
-              <a:rPr lang="de-DE" smtClean="0"/>
+              <a:rPr lang="de-DE"/>
               <a:t>Textmasterformate durch Klicken bearbeiten</a:t>
             </a:r>
           </a:p>
@@ -3609,38 +2061,37 @@
           <a:p>
             <a:pPr lvl="0"/>
             <a:r>
-              <a:rPr lang="de-DE" smtClean="0"/>
+              <a:rPr lang="de-DE"/>
               <a:t>Textmasterformate durch Klicken bearbeiten</a:t>
             </a:r>
           </a:p>
           <a:p>
             <a:pPr lvl="1"/>
             <a:r>
-              <a:rPr lang="de-DE" smtClean="0"/>
+              <a:rPr lang="de-DE"/>
               <a:t>Zweite Ebene</a:t>
             </a:r>
           </a:p>
           <a:p>
             <a:pPr lvl="2"/>
             <a:r>
-              <a:rPr lang="de-DE" smtClean="0"/>
+              <a:rPr lang="de-DE"/>
               <a:t>Dritte Ebene</a:t>
             </a:r>
           </a:p>
           <a:p>
             <a:pPr lvl="3"/>
             <a:r>
-              <a:rPr lang="de-DE" smtClean="0"/>
+              <a:rPr lang="de-DE"/>
               <a:t>Vierte Ebene</a:t>
             </a:r>
           </a:p>
           <a:p>
             <a:pPr lvl="4"/>
             <a:r>
-              <a:rPr lang="de-DE" smtClean="0"/>
+              <a:rPr lang="de-DE"/>
               <a:t>Fünfte Ebene</a:t>
             </a:r>
-            <a:endParaRPr lang="de-DE"/>
           </a:p>
         </p:txBody>
       </p:sp>
@@ -3703,7 +2154,7 @@
           <a:p>
             <a:pPr lvl="0"/>
             <a:r>
-              <a:rPr lang="de-DE" smtClean="0"/>
+              <a:rPr lang="de-DE"/>
               <a:t>Textmasterformate durch Klicken bearbeiten</a:t>
             </a:r>
           </a:p>
@@ -3759,38 +2210,37 @@
           <a:p>
             <a:pPr lvl="0"/>
             <a:r>
-              <a:rPr lang="de-DE" smtClean="0"/>
+              <a:rPr lang="de-DE"/>
               <a:t>Textmasterformate durch Klicken bearbeiten</a:t>
             </a:r>
           </a:p>
           <a:p>
             <a:pPr lvl="1"/>
             <a:r>
-              <a:rPr lang="de-DE" smtClean="0"/>
+              <a:rPr lang="de-DE"/>
               <a:t>Zweite Ebene</a:t>
             </a:r>
           </a:p>
           <a:p>
             <a:pPr lvl="2"/>
             <a:r>
-              <a:rPr lang="de-DE" smtClean="0"/>
+              <a:rPr lang="de-DE"/>
               <a:t>Dritte Ebene</a:t>
             </a:r>
           </a:p>
           <a:p>
             <a:pPr lvl="3"/>
             <a:r>
-              <a:rPr lang="de-DE" smtClean="0"/>
+              <a:rPr lang="de-DE"/>
               <a:t>Vierte Ebene</a:t>
             </a:r>
           </a:p>
           <a:p>
             <a:pPr lvl="4"/>
             <a:r>
-              <a:rPr lang="de-DE" smtClean="0"/>
+              <a:rPr lang="de-DE"/>
               <a:t>Fünfte Ebene</a:t>
             </a:r>
-            <a:endParaRPr lang="de-DE"/>
           </a:p>
         </p:txBody>
       </p:sp>
@@ -3877,10 +2327,9 @@
           <a:lstStyle/>
           <a:p>
             <a:r>
-              <a:rPr lang="de-DE" smtClean="0"/>
+              <a:rPr lang="de-DE"/>
               <a:t>Titelmasterformat durch Klicken bearbeiten</a:t>
             </a:r>
-            <a:endParaRPr lang="de-DE"/>
           </a:p>
         </p:txBody>
       </p:sp>
@@ -4043,10 +2492,9 @@
           </a:lstStyle>
           <a:p>
             <a:r>
-              <a:rPr lang="de-DE" smtClean="0"/>
+              <a:rPr lang="de-DE"/>
               <a:t>Titelmasterformat durch Klicken bearbeiten</a:t>
             </a:r>
-            <a:endParaRPr lang="de-DE"/>
           </a:p>
         </p:txBody>
       </p:sp>
@@ -4100,38 +2548,37 @@
           <a:p>
             <a:pPr lvl="0"/>
             <a:r>
-              <a:rPr lang="de-DE" smtClean="0"/>
+              <a:rPr lang="de-DE"/>
               <a:t>Textmasterformate durch Klicken bearbeiten</a:t>
             </a:r>
           </a:p>
           <a:p>
             <a:pPr lvl="1"/>
             <a:r>
-              <a:rPr lang="de-DE" smtClean="0"/>
+              <a:rPr lang="de-DE"/>
               <a:t>Zweite Ebene</a:t>
             </a:r>
           </a:p>
           <a:p>
             <a:pPr lvl="2"/>
             <a:r>
-              <a:rPr lang="de-DE" smtClean="0"/>
+              <a:rPr lang="de-DE"/>
               <a:t>Dritte Ebene</a:t>
             </a:r>
           </a:p>
           <a:p>
             <a:pPr lvl="3"/>
             <a:r>
-              <a:rPr lang="de-DE" smtClean="0"/>
+              <a:rPr lang="de-DE"/>
               <a:t>Vierte Ebene</a:t>
             </a:r>
           </a:p>
           <a:p>
             <a:pPr lvl="4"/>
             <a:r>
-              <a:rPr lang="de-DE" smtClean="0"/>
+              <a:rPr lang="de-DE"/>
               <a:t>Fünfte Ebene</a:t>
             </a:r>
-            <a:endParaRPr lang="de-DE"/>
           </a:p>
         </p:txBody>
       </p:sp>
@@ -4194,7 +2641,7 @@
           <a:p>
             <a:pPr lvl="0"/>
             <a:r>
-              <a:rPr lang="de-DE" smtClean="0"/>
+              <a:rPr lang="de-DE"/>
               <a:t>Textmasterformate durch Klicken bearbeiten</a:t>
             </a:r>
           </a:p>
@@ -4292,10 +2739,9 @@
           </a:lstStyle>
           <a:p>
             <a:r>
-              <a:rPr lang="de-DE" smtClean="0"/>
+              <a:rPr lang="de-DE"/>
               <a:t>Titelmasterformat durch Klicken bearbeiten</a:t>
             </a:r>
-            <a:endParaRPr lang="de-DE"/>
           </a:p>
         </p:txBody>
       </p:sp>
@@ -4357,7 +2803,7 @@
           </a:lstStyle>
           <a:p>
             <a:pPr lvl="0"/>
-            <a:endParaRPr lang="de-DE" noProof="0" smtClean="0"/>
+            <a:endParaRPr lang="de-DE" noProof="0"/>
           </a:p>
         </p:txBody>
       </p:sp>
@@ -4420,7 +2866,7 @@
           <a:p>
             <a:pPr lvl="0"/>
             <a:r>
-              <a:rPr lang="de-DE" smtClean="0"/>
+              <a:rPr lang="de-DE"/>
               <a:t>Textmasterformate durch Klicken bearbeiten</a:t>
             </a:r>
           </a:p>
@@ -4537,7 +2983,7 @@
           <a:p>
             <a:pPr lvl="0"/>
             <a:r>
-              <a:rPr lang="de-CH" smtClean="0"/>
+              <a:rPr lang="de-CH"/>
               <a:t>Mastertitelformat bearbeiten</a:t>
             </a:r>
           </a:p>
@@ -4579,35 +3025,35 @@
           <a:p>
             <a:pPr lvl="0"/>
             <a:r>
-              <a:rPr lang="de-CH" smtClean="0"/>
+              <a:rPr lang="de-CH"/>
               <a:t>Mastertextformat bearbeiten</a:t>
             </a:r>
           </a:p>
           <a:p>
             <a:pPr lvl="1"/>
             <a:r>
-              <a:rPr lang="de-CH" smtClean="0"/>
+              <a:rPr lang="de-CH"/>
               <a:t>Zweite Ebene</a:t>
             </a:r>
           </a:p>
           <a:p>
             <a:pPr lvl="2"/>
             <a:r>
-              <a:rPr lang="de-CH" smtClean="0"/>
+              <a:rPr lang="de-CH"/>
               <a:t>Dritte Ebene</a:t>
             </a:r>
           </a:p>
           <a:p>
             <a:pPr lvl="3"/>
             <a:r>
-              <a:rPr lang="de-CH" smtClean="0"/>
+              <a:rPr lang="de-CH"/>
               <a:t>Vierte Ebene</a:t>
             </a:r>
           </a:p>
           <a:p>
             <a:pPr lvl="4"/>
             <a:r>
-              <a:rPr lang="de-CH" smtClean="0"/>
+              <a:rPr lang="de-CH"/>
               <a:t>Fünfte Ebene</a:t>
             </a:r>
           </a:p>
@@ -5223,110 +3669,13 @@
       </p:grpSpPr>
       <p:sp>
         <p:nvSpPr>
-          <p:cNvPr id="4" name="Titel 1"/>
-          <p:cNvSpPr txBox="1">
-            <a:spLocks/>
-          </p:cNvSpPr>
-          <p:nvPr/>
-        </p:nvSpPr>
-        <p:spPr bwMode="auto">
-          <a:xfrm>
-            <a:off x="611188" y="620713"/>
-            <a:ext cx="6621462" cy="817562"/>
-          </a:xfrm>
-          <a:prstGeom prst="rect">
-            <a:avLst/>
-          </a:prstGeom>
-          <a:noFill/>
-          <a:ln w="9525">
-            <a:noFill/>
-            <a:miter lim="800000"/>
-            <a:headEnd/>
-            <a:tailEnd/>
-          </a:ln>
-        </p:spPr>
-        <p:txBody>
-          <a:bodyPr vert="horz" wrap="square" lIns="0" tIns="0" rIns="0" bIns="0" numCol="1" anchor="t" anchorCtr="0" compatLnSpc="1">
-            <a:prstTxWarp prst="textNoShape">
-              <a:avLst/>
-            </a:prstTxWarp>
-          </a:bodyPr>
-          <a:lstStyle/>
-          <a:p>
-            <a:pPr marL="0" marR="0" lvl="0" indent="0" algn="l" defTabSz="914400" rtl="0" eaLnBrk="0" fontAlgn="base" latinLnBrk="0" hangingPunct="0">
-              <a:lnSpc>
-                <a:spcPct val="90000"/>
-              </a:lnSpc>
-              <a:spcBef>
-                <a:spcPct val="0"/>
-              </a:spcBef>
-              <a:spcAft>
-                <a:spcPct val="0"/>
-              </a:spcAft>
-              <a:buClrTx/>
-              <a:buSzTx/>
-              <a:buFontTx/>
-              <a:buNone/>
-              <a:tabLst/>
-              <a:defRPr/>
-            </a:pPr>
-            <a:r>
-              <a:rPr kumimoji="0" lang="de-DE" sz="2600" b="1" i="0" u="none" strike="noStrike" kern="0" cap="none" spc="0" normalizeH="0" baseline="0" noProof="0" dirty="0" smtClean="0">
-                <a:ln>
-                  <a:noFill/>
-                </a:ln>
-                <a:solidFill>
-                  <a:schemeClr val="accent6">
-                    <a:lumMod val="50000"/>
-                  </a:schemeClr>
-                </a:solidFill>
-                <a:effectLst/>
-                <a:uLnTx/>
-                <a:uFillTx/>
-                <a:latin typeface="+mj-lt"/>
-                <a:ea typeface="+mj-ea"/>
-                <a:cs typeface="+mj-cs"/>
-              </a:rPr>
-              <a:t/>
-            </a:r>
-            <a:br>
-              <a:rPr kumimoji="0" lang="de-DE" sz="2600" b="1" i="0" u="none" strike="noStrike" kern="0" cap="none" spc="0" normalizeH="0" baseline="0" noProof="0" dirty="0" smtClean="0">
-                <a:ln>
-                  <a:noFill/>
-                </a:ln>
-                <a:solidFill>
-                  <a:schemeClr val="accent6">
-                    <a:lumMod val="50000"/>
-                  </a:schemeClr>
-                </a:solidFill>
-                <a:effectLst/>
-                <a:uLnTx/>
-                <a:uFillTx/>
-                <a:latin typeface="+mj-lt"/>
-                <a:ea typeface="+mj-ea"/>
-                <a:cs typeface="+mj-cs"/>
-              </a:rPr>
-            </a:br>
-            <a:endParaRPr kumimoji="0" lang="de-CH" sz="1400" b="1" i="0" u="none" strike="noStrike" kern="0" cap="none" spc="0" normalizeH="0" baseline="0" noProof="0" dirty="0" smtClean="0">
-              <a:ln>
-                <a:noFill/>
-              </a:ln>
-              <a:solidFill>
-                <a:srgbClr val="C00000"/>
-              </a:solidFill>
-              <a:effectLst/>
-              <a:uLnTx/>
-              <a:uFillTx/>
-              <a:latin typeface="+mj-lt"/>
-              <a:ea typeface="+mj-ea"/>
-              <a:cs typeface="+mj-cs"/>
-            </a:endParaRPr>
-          </a:p>
-        </p:txBody>
-      </p:sp>
-      <p:sp>
-        <p:nvSpPr>
-          <p:cNvPr id="8" name="Titel 1"/>
+          <p:cNvPr id="2" name="Titel 1">
+            <a:extLst>
+              <a:ext uri="{FF2B5EF4-FFF2-40B4-BE49-F238E27FC236}">
+                <a16:creationId xmlns:a16="http://schemas.microsoft.com/office/drawing/2014/main" id="{FAB06570-0711-4CBC-98A2-0D98D3EE821A}"/>
+              </a:ext>
+            </a:extLst>
+          </p:cNvPr>
           <p:cNvSpPr>
             <a:spLocks noGrp="1"/>
           </p:cNvSpPr>
@@ -5334,59 +3683,108 @@
             <p:ph type="ctrTitle"/>
           </p:nvPr>
         </p:nvSpPr>
-        <p:spPr>
-          <a:xfrm>
-            <a:off x="323528" y="1628800"/>
-            <a:ext cx="8572281" cy="1143000"/>
-          </a:xfrm>
-        </p:spPr>
+        <p:spPr/>
         <p:txBody>
           <a:bodyPr/>
           <a:lstStyle/>
           <a:p>
             <a:r>
-              <a:rPr lang="de-CH" sz="2800" dirty="0" err="1" smtClean="0"/>
-              <a:t>Safety</a:t>
-            </a:r>
-            <a:r>
-              <a:rPr lang="de-CH" sz="2800" dirty="0" smtClean="0"/>
+              <a:rPr lang="de-DE" dirty="0"/>
+              <a:t>R</a:t>
+            </a:r>
+            <a:r>
+              <a:rPr lang="en-CH" dirty="0"/>
+              <a:t>S</a:t>
+            </a:r>
+            <a:r>
+              <a:rPr lang="de-DE" dirty="0"/>
+              <a:t>N</a:t>
+            </a:r>
+            <a:r>
+              <a:rPr lang="en-CH" dirty="0"/>
+              <a:t>A </a:t>
+            </a:r>
+            <a:r>
+              <a:rPr lang="de-DE" dirty="0"/>
+              <a:t>B</a:t>
+            </a:r>
+            <a:r>
+              <a:rPr lang="en-CH" dirty="0"/>
+              <a:t>o</a:t>
+            </a:r>
+            <a:r>
+              <a:rPr lang="de-DE" dirty="0"/>
+              <a:t>n</a:t>
+            </a:r>
+            <a:r>
+              <a:rPr lang="en-CH" dirty="0"/>
+              <a:t>e</a:t>
+            </a:r>
+            <a:r>
+              <a:rPr lang="de-DE" dirty="0"/>
+              <a:t>a</a:t>
+            </a:r>
+            <a:r>
+              <a:rPr lang="en-CH" dirty="0"/>
+              <a:t>g</a:t>
+            </a:r>
+            <a:r>
+              <a:rPr lang="de-DE" dirty="0"/>
+              <a:t>e</a:t>
+            </a:r>
+            <a:r>
+              <a:rPr lang="en-CH" dirty="0"/>
               <a:t> </a:t>
             </a:r>
             <a:r>
-              <a:rPr lang="de-CH" sz="2800" dirty="0" err="1" smtClean="0"/>
-              <a:t>Measures</a:t>
-            </a:r>
-            <a:r>
-              <a:rPr lang="de-CH" sz="2800" dirty="0" smtClean="0"/>
-              <a:t> for </a:t>
-            </a:r>
-            <a:r>
-              <a:rPr lang="de-CH" sz="2800" dirty="0" err="1" smtClean="0"/>
-              <a:t>Injury</a:t>
-            </a:r>
-            <a:r>
-              <a:rPr lang="de-CH" sz="2800" dirty="0" smtClean="0"/>
-              <a:t> </a:t>
-            </a:r>
-            <a:r>
-              <a:rPr lang="de-CH" sz="2800" dirty="0" err="1" smtClean="0"/>
-              <a:t>Prevention</a:t>
-            </a:r>
-            <a:r>
-              <a:rPr lang="de-CH" sz="2800" dirty="0" smtClean="0"/>
-              <a:t> in </a:t>
-            </a:r>
-            <a:r>
-              <a:rPr lang="de-CH" sz="2800" dirty="0" err="1" smtClean="0"/>
-              <a:t>Floorball</a:t>
-            </a:r>
-            <a:endParaRPr lang="de-CH" sz="2800" dirty="0"/>
-          </a:p>
-        </p:txBody>
-      </p:sp>
-      <p:sp>
-        <p:nvSpPr>
-          <p:cNvPr id="11" name="Untertitel 2"/>
+              <a:rPr lang="de-DE" dirty="0"/>
+              <a:t>C</a:t>
+            </a:r>
+            <a:r>
+              <a:rPr lang="en-CH" dirty="0"/>
+              <a:t>h</a:t>
+            </a:r>
+            <a:r>
+              <a:rPr lang="de-DE" dirty="0"/>
+              <a:t>a</a:t>
+            </a:r>
+            <a:r>
+              <a:rPr lang="en-CH" dirty="0"/>
+              <a:t>l</a:t>
+            </a:r>
+            <a:r>
+              <a:rPr lang="de-DE" dirty="0"/>
+              <a:t>l</a:t>
+            </a:r>
+            <a:r>
+              <a:rPr lang="en-CH" dirty="0"/>
+              <a:t>e</a:t>
+            </a:r>
+            <a:r>
+              <a:rPr lang="de-DE" dirty="0"/>
+              <a:t>n</a:t>
+            </a:r>
+            <a:r>
+              <a:rPr lang="en-CH" dirty="0"/>
+              <a:t>g</a:t>
+            </a:r>
+            <a:r>
+              <a:rPr lang="de-DE" dirty="0"/>
+              <a:t>e</a:t>
+            </a:r>
+            <a:endParaRPr lang="en-CH" dirty="0"/>
+          </a:p>
+        </p:txBody>
+      </p:sp>
+      <p:sp>
+        <p:nvSpPr>
+          <p:cNvPr id="3" name="Untertitel 2">
+            <a:extLst>
+              <a:ext uri="{FF2B5EF4-FFF2-40B4-BE49-F238E27FC236}">
+                <a16:creationId xmlns:a16="http://schemas.microsoft.com/office/drawing/2014/main" id="{58F337A0-CAA8-4240-BA32-7248AD1814DD}"/>
+              </a:ext>
+            </a:extLst>
+          </p:cNvPr>
           <p:cNvSpPr>
             <a:spLocks noGrp="1"/>
           </p:cNvSpPr>
@@ -5394,164 +3792,112 @@
             <p:ph type="subTitle" idx="1"/>
           </p:nvPr>
         </p:nvSpPr>
-        <p:spPr>
-          <a:xfrm>
-            <a:off x="323528" y="2204864"/>
-            <a:ext cx="5256584" cy="3600400"/>
-          </a:xfrm>
-        </p:spPr>
+        <p:spPr/>
         <p:txBody>
           <a:bodyPr/>
           <a:lstStyle/>
           <a:p>
             <a:r>
-              <a:rPr lang="en-US" sz="1800" dirty="0" smtClean="0"/>
-              <a:t>Qualitative </a:t>
-            </a:r>
-            <a:r>
-              <a:rPr lang="en-US" sz="1800" dirty="0" err="1" smtClean="0"/>
-              <a:t>Forschungsmethoden</a:t>
-            </a:r>
-            <a:r>
-              <a:rPr lang="en-US" sz="1800" dirty="0" smtClean="0"/>
-              <a:t> FS 2018</a:t>
-            </a:r>
-          </a:p>
-          <a:p>
-            <a:r>
-              <a:rPr lang="en-US" sz="1800" dirty="0" smtClean="0"/>
-              <a:t>Dr. Olivier </a:t>
-            </a:r>
-            <a:r>
-              <a:rPr lang="en-US" sz="1800" dirty="0" err="1" smtClean="0"/>
-              <a:t>Schmid</a:t>
-            </a:r>
-            <a:endParaRPr lang="en-US" sz="1800" dirty="0" smtClean="0"/>
-          </a:p>
-          <a:p>
-            <a:endParaRPr lang="en-US" sz="1800" dirty="0"/>
-          </a:p>
-          <a:p>
-            <a:endParaRPr lang="en-US" sz="1800" dirty="0" smtClean="0"/>
-          </a:p>
-          <a:p>
-            <a:endParaRPr lang="en-US" sz="1800" dirty="0"/>
-          </a:p>
-          <a:p>
-            <a:endParaRPr lang="en-US" sz="1800" dirty="0" smtClean="0"/>
-          </a:p>
-          <a:p>
-            <a:endParaRPr lang="en-US" sz="1800" dirty="0"/>
-          </a:p>
-          <a:p>
-            <a:endParaRPr lang="en-US" sz="1800" dirty="0" smtClean="0"/>
-          </a:p>
-          <a:p>
-            <a:endParaRPr lang="en-US" sz="1800" dirty="0"/>
-          </a:p>
-          <a:p>
-            <a:endParaRPr lang="en-US" sz="1800" dirty="0" smtClean="0"/>
-          </a:p>
-          <a:p>
-            <a:r>
-              <a:rPr lang="en-US" sz="1800" dirty="0" err="1" smtClean="0"/>
-              <a:t>Joël</a:t>
-            </a:r>
-            <a:r>
-              <a:rPr lang="en-US" sz="1800" dirty="0" smtClean="0"/>
-              <a:t> </a:t>
-            </a:r>
-            <a:r>
-              <a:rPr lang="en-US" sz="1800" dirty="0"/>
-              <a:t>Niklaus</a:t>
-            </a:r>
-          </a:p>
-          <a:p>
-            <a:r>
-              <a:rPr lang="en-US" sz="1800" dirty="0"/>
-              <a:t>Tobias </a:t>
-            </a:r>
-            <a:r>
-              <a:rPr lang="en-US" sz="1800" dirty="0" smtClean="0"/>
-              <a:t>Nussbaum</a:t>
-            </a:r>
-            <a:endParaRPr lang="en-US" sz="1800" dirty="0"/>
-          </a:p>
-          <a:p>
-            <a:r>
-              <a:rPr lang="en-US" sz="1800" dirty="0"/>
-              <a:t>Fabian Moser</a:t>
-            </a:r>
-          </a:p>
-          <a:p>
-            <a:endParaRPr lang="en-US" dirty="0" smtClean="0"/>
-          </a:p>
-          <a:p>
-            <a:endParaRPr lang="en-US" sz="2000" dirty="0" smtClean="0"/>
-          </a:p>
-          <a:p>
-            <a:endParaRPr lang="en-US" sz="2000" dirty="0" smtClean="0"/>
-          </a:p>
-          <a:p>
-            <a:endParaRPr lang="en-US" dirty="0" smtClean="0"/>
-          </a:p>
-          <a:p>
-            <a:endParaRPr lang="en-US" dirty="0" smtClean="0"/>
-          </a:p>
-          <a:p>
-            <a:endParaRPr lang="en-US" dirty="0" smtClean="0"/>
-          </a:p>
-          <a:p>
-            <a:endParaRPr lang="en-US" dirty="0" smtClean="0"/>
-          </a:p>
-          <a:p>
-            <a:endParaRPr lang="en-US" dirty="0" smtClean="0"/>
-          </a:p>
-        </p:txBody>
-      </p:sp>
-      <p:pic>
-        <p:nvPicPr>
-          <p:cNvPr id="2" name="Grafik 1"/>
-          <p:cNvPicPr>
-            <a:picLocks noChangeAspect="1"/>
-          </p:cNvPicPr>
-          <p:nvPr/>
-        </p:nvPicPr>
-        <p:blipFill>
-          <a:blip r:embed="rId3" cstate="print">
-            <a:extLst>
-              <a:ext uri="{28A0092B-C50C-407E-A947-70E740481C1C}">
-                <a14:useLocalDpi xmlns:a14="http://schemas.microsoft.com/office/drawing/2010/main" val="0"/>
-              </a:ext>
-            </a:extLst>
-          </a:blip>
-          <a:stretch>
-            <a:fillRect/>
-          </a:stretch>
-        </p:blipFill>
-        <p:spPr>
-          <a:xfrm>
-            <a:off x="3921919" y="2996952"/>
-            <a:ext cx="4873503" cy="3240360"/>
-          </a:xfrm>
-          <a:prstGeom prst="rect">
-            <a:avLst/>
-          </a:prstGeom>
-        </p:spPr>
-      </p:pic>
+              <a:rPr lang="de-DE" dirty="0"/>
+              <a:t>Y</a:t>
+            </a:r>
+            <a:r>
+              <a:rPr lang="en-CH" dirty="0"/>
+              <a:t>a </a:t>
+            </a:r>
+            <a:r>
+              <a:rPr lang="de-DE" dirty="0"/>
+              <a:t>L</a:t>
+            </a:r>
+            <a:r>
+              <a:rPr lang="en-CH" dirty="0"/>
+              <a:t>u</a:t>
+            </a:r>
+          </a:p>
+          <a:p>
+            <a:r>
+              <a:rPr lang="en-CH" dirty="0"/>
+              <a:t>L</a:t>
+            </a:r>
+            <a:r>
+              <a:rPr lang="de-DE" dirty="0"/>
+              <a:t>é</a:t>
+            </a:r>
+            <a:r>
+              <a:rPr lang="en-CH" dirty="0"/>
+              <a:t>o</a:t>
+            </a:r>
+            <a:r>
+              <a:rPr lang="de-DE" dirty="0"/>
+              <a:t>n</a:t>
+            </a:r>
+            <a:r>
+              <a:rPr lang="en-CH" dirty="0"/>
+              <a:t>a</a:t>
+            </a:r>
+            <a:r>
+              <a:rPr lang="de-DE" dirty="0"/>
+              <a:t>r</a:t>
+            </a:r>
+            <a:r>
+              <a:rPr lang="en-CH" dirty="0"/>
+              <a:t>d </a:t>
+            </a:r>
+            <a:r>
+              <a:rPr lang="de-DE" dirty="0"/>
+              <a:t>B</a:t>
+            </a:r>
+            <a:r>
+              <a:rPr lang="en-CH" dirty="0"/>
+              <a:t>a</a:t>
+            </a:r>
+            <a:r>
+              <a:rPr lang="de-DE" dirty="0"/>
+              <a:t>r</a:t>
+            </a:r>
+            <a:r>
+              <a:rPr lang="en-CH" dirty="0"/>
+              <a:t>r</a:t>
+            </a:r>
+            <a:r>
+              <a:rPr lang="de-DE" dirty="0"/>
+              <a:t>a</a:t>
+            </a:r>
+            <a:r>
+              <a:rPr lang="en-CH" dirty="0"/>
+              <a:t>s</a:t>
+            </a:r>
+          </a:p>
+          <a:p>
+            <a:r>
+              <a:rPr lang="en-CH" dirty="0"/>
+              <a:t>Lukas </a:t>
+            </a:r>
+            <a:r>
+              <a:rPr lang="en-CH" dirty="0" err="1"/>
+              <a:t>Zbinden</a:t>
+            </a:r>
+            <a:endParaRPr lang="en-CH" dirty="0"/>
+          </a:p>
+          <a:p>
+            <a:r>
+              <a:rPr lang="en-CH" dirty="0"/>
+              <a:t>Joel Niklaus</a:t>
+            </a:r>
+          </a:p>
+        </p:txBody>
+      </p:sp>
     </p:spTree>
+    <p:extLst>
+      <p:ext uri="{BB962C8B-B14F-4D97-AF65-F5344CB8AC3E}">
+        <p14:creationId xmlns:p14="http://schemas.microsoft.com/office/powerpoint/2010/main" val="1256094621"/>
+      </p:ext>
+    </p:extLst>
   </p:cSld>
   <p:clrMapOvr>
     <a:masterClrMapping/>
   </p:clrMapOvr>
   <p:transition/>
-  <p:timing>
-    <p:tnLst>
-      <p:par>
-        <p:cTn id="1" dur="indefinite" restart="never" nodeType="tmRoot"/>
-      </p:par>
-    </p:tnLst>
-  </p:timing>
 </p:sld>
 </file>
 
@@ -5574,7 +3920,13 @@
       </p:grpSpPr>
       <p:sp>
         <p:nvSpPr>
-          <p:cNvPr id="2" name="Titel 1"/>
+          <p:cNvPr id="2" name="Titel 1">
+            <a:extLst>
+              <a:ext uri="{FF2B5EF4-FFF2-40B4-BE49-F238E27FC236}">
+                <a16:creationId xmlns:a16="http://schemas.microsoft.com/office/drawing/2014/main" id="{33552868-0F32-479B-BAE8-A304FB14BF91}"/>
+              </a:ext>
+            </a:extLst>
+          </p:cNvPr>
           <p:cNvSpPr>
             <a:spLocks noGrp="1"/>
           </p:cNvSpPr>
@@ -5588,28 +3940,57 @@
           <a:lstStyle/>
           <a:p>
             <a:r>
-              <a:rPr lang="de-DE" dirty="0" err="1" smtClean="0">
-                <a:solidFill>
-                  <a:schemeClr val="accent6">
-                    <a:lumMod val="50000"/>
-                  </a:schemeClr>
-                </a:solidFill>
-              </a:rPr>
-              <a:t>Discussion</a:t>
-            </a:r>
-            <a:endParaRPr lang="de-DE" dirty="0" smtClean="0">
-              <a:solidFill>
-                <a:schemeClr val="accent6">
-                  <a:lumMod val="50000"/>
-                </a:schemeClr>
-              </a:solidFill>
-            </a:endParaRPr>
-          </a:p>
-        </p:txBody>
-      </p:sp>
-      <p:sp>
-        <p:nvSpPr>
-          <p:cNvPr id="3" name="Inhaltsplatzhalter 2"/>
+              <a:rPr lang="de-DE" dirty="0"/>
+              <a:t>R</a:t>
+            </a:r>
+            <a:r>
+              <a:rPr lang="en-CH" dirty="0"/>
+              <a:t>e</a:t>
+            </a:r>
+            <a:r>
+              <a:rPr lang="de-DE" dirty="0"/>
+              <a:t>f</a:t>
+            </a:r>
+            <a:r>
+              <a:rPr lang="en-CH" dirty="0"/>
+              <a:t>e</a:t>
+            </a:r>
+            <a:r>
+              <a:rPr lang="de-DE" dirty="0"/>
+              <a:t>r</a:t>
+            </a:r>
+            <a:r>
+              <a:rPr lang="en-CH" dirty="0"/>
+              <a:t>e</a:t>
+            </a:r>
+            <a:r>
+              <a:rPr lang="de-DE" dirty="0"/>
+              <a:t>n</a:t>
+            </a:r>
+            <a:r>
+              <a:rPr lang="en-CH" dirty="0"/>
+              <a:t>c</a:t>
+            </a:r>
+            <a:r>
+              <a:rPr lang="de-DE" dirty="0"/>
+              <a:t>e</a:t>
+            </a:r>
+            <a:r>
+              <a:rPr lang="en-CH" dirty="0"/>
+              <a:t>s</a:t>
+            </a:r>
+          </a:p>
+        </p:txBody>
+      </p:sp>
+      <p:sp>
+        <p:nvSpPr>
+          <p:cNvPr id="3" name="Inhaltsplatzhalter 2">
+            <a:extLst>
+              <a:ext uri="{FF2B5EF4-FFF2-40B4-BE49-F238E27FC236}">
+                <a16:creationId xmlns:a16="http://schemas.microsoft.com/office/drawing/2014/main" id="{BABA1E89-B213-4F37-81E9-5B7DC8AF3384}"/>
+              </a:ext>
+            </a:extLst>
+          </p:cNvPr>
           <p:cNvSpPr>
             <a:spLocks noGrp="1"/>
           </p:cNvSpPr>
@@ -5622,270 +4003,14 @@
           <a:bodyPr/>
           <a:lstStyle/>
           <a:p>
-            <a:r>
-              <a:rPr lang="de-DE" u="sng" dirty="0" smtClean="0"/>
-              <a:t>Problems:</a:t>
-            </a:r>
-          </a:p>
-          <a:p>
-            <a:pPr lvl="1"/>
-            <a:r>
-              <a:rPr lang="de-DE" dirty="0" smtClean="0"/>
-              <a:t>Interview </a:t>
-            </a:r>
-            <a:r>
-              <a:rPr lang="de-DE" dirty="0" err="1" smtClean="0"/>
-              <a:t>setting</a:t>
-            </a:r>
-            <a:r>
-              <a:rPr lang="de-DE" dirty="0" smtClean="0"/>
-              <a:t> in a </a:t>
-            </a:r>
-            <a:r>
-              <a:rPr lang="de-DE" dirty="0" err="1" smtClean="0"/>
-              <a:t>corridor</a:t>
-            </a:r>
-            <a:r>
-              <a:rPr lang="de-DE" dirty="0"/>
-              <a:t> </a:t>
-            </a:r>
-            <a:r>
-              <a:rPr lang="de-DE" dirty="0" smtClean="0"/>
-              <a:t>on </a:t>
-            </a:r>
-            <a:r>
-              <a:rPr lang="de-DE" dirty="0" err="1" smtClean="0"/>
-              <a:t>floor</a:t>
-            </a:r>
-            <a:r>
-              <a:rPr lang="de-DE" dirty="0" smtClean="0"/>
-              <a:t>, </a:t>
-            </a:r>
-            <a:r>
-              <a:rPr lang="de-DE" dirty="0" err="1" smtClean="0"/>
-              <a:t>cleaning</a:t>
-            </a:r>
-            <a:r>
-              <a:rPr lang="de-DE" dirty="0" smtClean="0"/>
-              <a:t> </a:t>
-            </a:r>
-            <a:r>
-              <a:rPr lang="de-DE" dirty="0" err="1" smtClean="0"/>
-              <a:t>lady</a:t>
-            </a:r>
-            <a:r>
-              <a:rPr lang="de-DE" dirty="0" smtClean="0"/>
-              <a:t> </a:t>
-            </a:r>
-            <a:r>
-              <a:rPr lang="de-DE" dirty="0" err="1" smtClean="0"/>
-              <a:t>around</a:t>
-            </a:r>
-            <a:endParaRPr lang="de-DE" dirty="0"/>
-          </a:p>
-          <a:p>
-            <a:pPr lvl="1"/>
-            <a:r>
-              <a:rPr lang="de-DE" dirty="0" smtClean="0"/>
-              <a:t>Observation: </a:t>
-            </a:r>
-            <a:r>
-              <a:rPr lang="de-DE" dirty="0" err="1" smtClean="0"/>
-              <a:t>complete</a:t>
-            </a:r>
-            <a:r>
-              <a:rPr lang="de-DE" dirty="0" smtClean="0"/>
-              <a:t> </a:t>
-            </a:r>
-            <a:r>
-              <a:rPr lang="de-DE" dirty="0" err="1" smtClean="0"/>
-              <a:t>observer</a:t>
-            </a:r>
-            <a:r>
-              <a:rPr lang="de-DE" dirty="0" smtClean="0"/>
-              <a:t> </a:t>
-            </a:r>
-            <a:r>
-              <a:rPr lang="de-DE" dirty="0" err="1" smtClean="0"/>
-              <a:t>position</a:t>
-            </a:r>
-            <a:r>
-              <a:rPr lang="de-DE" dirty="0" smtClean="0"/>
-              <a:t> </a:t>
-            </a:r>
-            <a:r>
-              <a:rPr lang="de-DE" dirty="0" err="1" smtClean="0"/>
-              <a:t>made</a:t>
-            </a:r>
-            <a:r>
-              <a:rPr lang="de-DE" dirty="0" smtClean="0"/>
-              <a:t> </a:t>
-            </a:r>
-            <a:r>
-              <a:rPr lang="de-DE" dirty="0" err="1" smtClean="0"/>
-              <a:t>us</a:t>
-            </a:r>
-            <a:r>
-              <a:rPr lang="de-DE" dirty="0" smtClean="0"/>
-              <a:t> miss </a:t>
-            </a:r>
-            <a:r>
-              <a:rPr lang="de-DE" dirty="0" err="1" smtClean="0"/>
-              <a:t>some</a:t>
-            </a:r>
-            <a:r>
-              <a:rPr lang="de-DE" dirty="0" smtClean="0"/>
-              <a:t> of </a:t>
-            </a:r>
-            <a:r>
-              <a:rPr lang="de-DE" dirty="0" err="1" smtClean="0"/>
-              <a:t>the</a:t>
-            </a:r>
-            <a:r>
-              <a:rPr lang="de-DE" dirty="0" smtClean="0"/>
-              <a:t> </a:t>
-            </a:r>
-            <a:r>
-              <a:rPr lang="de-DE" dirty="0" err="1" smtClean="0"/>
-              <a:t>dialog</a:t>
-            </a:r>
-            <a:endParaRPr lang="de-DE" dirty="0" smtClean="0"/>
-          </a:p>
-          <a:p>
-            <a:pPr lvl="1"/>
-            <a:r>
-              <a:rPr lang="de-DE" dirty="0" smtClean="0"/>
-              <a:t>Analysis: Start </a:t>
-            </a:r>
-            <a:r>
-              <a:rPr lang="de-DE" dirty="0" err="1" smtClean="0"/>
-              <a:t>with</a:t>
-            </a:r>
-            <a:r>
-              <a:rPr lang="de-DE" dirty="0" smtClean="0"/>
-              <a:t> </a:t>
-            </a:r>
-            <a:r>
-              <a:rPr lang="de-DE" dirty="0" err="1" smtClean="0"/>
-              <a:t>Grounded</a:t>
-            </a:r>
-            <a:r>
-              <a:rPr lang="de-DE" dirty="0" smtClean="0"/>
-              <a:t> </a:t>
-            </a:r>
-            <a:r>
-              <a:rPr lang="de-DE" dirty="0" err="1" smtClean="0"/>
-              <a:t>Theory</a:t>
-            </a:r>
-            <a:r>
-              <a:rPr lang="de-DE" dirty="0" smtClean="0"/>
-              <a:t>, </a:t>
-            </a:r>
-            <a:r>
-              <a:rPr lang="de-DE" dirty="0" err="1" smtClean="0"/>
-              <a:t>ended</a:t>
-            </a:r>
-            <a:r>
-              <a:rPr lang="de-DE" dirty="0" smtClean="0"/>
-              <a:t> </a:t>
-            </a:r>
-            <a:r>
-              <a:rPr lang="de-DE" dirty="0" err="1" smtClean="0"/>
-              <a:t>up</a:t>
-            </a:r>
-            <a:r>
-              <a:rPr lang="de-DE" dirty="0" smtClean="0"/>
-              <a:t> </a:t>
-            </a:r>
-            <a:r>
-              <a:rPr lang="de-DE" dirty="0" err="1" smtClean="0"/>
-              <a:t>with</a:t>
-            </a:r>
-            <a:r>
-              <a:rPr lang="de-DE" dirty="0" smtClean="0"/>
-              <a:t> Content Analysis</a:t>
-            </a:r>
-          </a:p>
-          <a:p>
-            <a:pPr lvl="1"/>
-            <a:endParaRPr lang="de-DE" dirty="0"/>
-          </a:p>
-          <a:p>
-            <a:r>
-              <a:rPr lang="de-DE" u="sng" dirty="0" smtClean="0"/>
-              <a:t>Outlook:</a:t>
-            </a:r>
-          </a:p>
-          <a:p>
-            <a:pPr lvl="1"/>
-            <a:r>
-              <a:rPr lang="de-DE" dirty="0" smtClean="0"/>
-              <a:t>Further </a:t>
-            </a:r>
-            <a:r>
-              <a:rPr lang="de-DE" dirty="0" err="1" smtClean="0"/>
-              <a:t>studies</a:t>
-            </a:r>
-            <a:r>
-              <a:rPr lang="de-DE" dirty="0" smtClean="0"/>
-              <a:t> on </a:t>
-            </a:r>
-            <a:r>
-              <a:rPr lang="de-DE" dirty="0" err="1" smtClean="0"/>
-              <a:t>player</a:t>
-            </a:r>
-            <a:r>
-              <a:rPr lang="de-DE" dirty="0" smtClean="0"/>
-              <a:t> </a:t>
-            </a:r>
-            <a:r>
-              <a:rPr lang="de-DE" dirty="0" err="1" smtClean="0"/>
-              <a:t>motivation</a:t>
-            </a:r>
-            <a:r>
-              <a:rPr lang="de-DE" dirty="0" smtClean="0"/>
-              <a:t>, </a:t>
-            </a:r>
-            <a:r>
-              <a:rPr lang="de-DE" dirty="0" err="1" smtClean="0"/>
-              <a:t>autonomy</a:t>
-            </a:r>
-            <a:endParaRPr lang="de-DE" dirty="0" smtClean="0"/>
-          </a:p>
-          <a:p>
-            <a:pPr lvl="1"/>
-            <a:r>
-              <a:rPr lang="de-DE" dirty="0" smtClean="0"/>
-              <a:t>Look </a:t>
-            </a:r>
-            <a:r>
-              <a:rPr lang="de-DE" dirty="0" err="1" smtClean="0"/>
-              <a:t>into</a:t>
-            </a:r>
-            <a:r>
-              <a:rPr lang="de-DE" dirty="0" smtClean="0"/>
-              <a:t> </a:t>
-            </a:r>
-            <a:r>
-              <a:rPr lang="de-DE" dirty="0" err="1" smtClean="0"/>
-              <a:t>feedback</a:t>
-            </a:r>
-            <a:r>
-              <a:rPr lang="de-DE" dirty="0" smtClean="0"/>
-              <a:t> </a:t>
-            </a:r>
-            <a:r>
-              <a:rPr lang="de-DE" dirty="0" err="1" smtClean="0"/>
-              <a:t>app</a:t>
-            </a:r>
-            <a:endParaRPr lang="de-DE" dirty="0"/>
+            <a:endParaRPr lang="en-CH"/>
           </a:p>
         </p:txBody>
       </p:sp>
     </p:spTree>
     <p:extLst>
       <p:ext uri="{BB962C8B-B14F-4D97-AF65-F5344CB8AC3E}">
-        <p14:creationId xmlns:p14="http://schemas.microsoft.com/office/powerpoint/2010/main" val="3683997518"/>
+        <p14:creationId xmlns:p14="http://schemas.microsoft.com/office/powerpoint/2010/main" val="555709546"/>
       </p:ext>
     </p:extLst>
   </p:cSld>
@@ -5893,296 +4018,6 @@
     <a:masterClrMapping/>
   </p:clrMapOvr>
   <p:transition/>
-</p:sld>
-</file>
-
-<file path=ppt/slides/slide11.xml><?xml version="1.0" encoding="utf-8"?>
-<p:sld xmlns:a="http://schemas.openxmlformats.org/drawingml/2006/main" xmlns:r="http://schemas.openxmlformats.org/officeDocument/2006/relationships" xmlns:p="http://schemas.openxmlformats.org/presentationml/2006/main">
-  <p:cSld>
-    <p:spTree>
-      <p:nvGrpSpPr>
-        <p:cNvPr id="1" name=""/>
-        <p:cNvGrpSpPr/>
-        <p:nvPr/>
-      </p:nvGrpSpPr>
-      <p:grpSpPr>
-        <a:xfrm>
-          <a:off x="0" y="0"/>
-          <a:ext cx="0" cy="0"/>
-          <a:chOff x="0" y="0"/>
-          <a:chExt cx="0" cy="0"/>
-        </a:xfrm>
-      </p:grpSpPr>
-      <p:sp>
-        <p:nvSpPr>
-          <p:cNvPr id="2" name="Titel 1"/>
-          <p:cNvSpPr>
-            <a:spLocks noGrp="1"/>
-          </p:cNvSpPr>
-          <p:nvPr>
-            <p:ph type="title"/>
-          </p:nvPr>
-        </p:nvSpPr>
-        <p:spPr/>
-        <p:txBody>
-          <a:bodyPr/>
-          <a:lstStyle/>
-          <a:p>
-            <a:pPr lvl="0"/>
-            <a:r>
-              <a:rPr lang="de-CH" dirty="0" smtClean="0">
-                <a:solidFill>
-                  <a:schemeClr val="accent6">
-                    <a:lumMod val="50000"/>
-                  </a:schemeClr>
-                </a:solidFill>
-              </a:rPr>
-              <a:t>References</a:t>
-            </a:r>
-            <a:endParaRPr lang="de-CH" dirty="0"/>
-          </a:p>
-        </p:txBody>
-      </p:sp>
-      <p:sp>
-        <p:nvSpPr>
-          <p:cNvPr id="3" name="Inhaltsplatzhalter 2"/>
-          <p:cNvSpPr>
-            <a:spLocks noGrp="1"/>
-          </p:cNvSpPr>
-          <p:nvPr>
-            <p:ph idx="1"/>
-          </p:nvPr>
-        </p:nvSpPr>
-        <p:spPr/>
-        <p:txBody>
-          <a:bodyPr/>
-          <a:lstStyle/>
-          <a:p>
-            <a:pPr marL="0" indent="0">
-              <a:buNone/>
-            </a:pPr>
-            <a:r>
-              <a:rPr lang="de-DE" dirty="0" err="1" smtClean="0"/>
-              <a:t>Mayring</a:t>
-            </a:r>
-            <a:endParaRPr lang="de-DE" dirty="0" smtClean="0"/>
-          </a:p>
-          <a:p>
-            <a:pPr marL="0" indent="0">
-              <a:buNone/>
-            </a:pPr>
-            <a:r>
-              <a:rPr lang="en-US" dirty="0"/>
-              <a:t>Engel &amp; </a:t>
-            </a:r>
-            <a:r>
-              <a:rPr lang="en-US" dirty="0" err="1"/>
-              <a:t>Kälin</a:t>
-            </a:r>
-            <a:r>
-              <a:rPr lang="en-US" dirty="0"/>
-              <a:t>; </a:t>
-            </a:r>
-            <a:endParaRPr lang="en-US" dirty="0" smtClean="0"/>
-          </a:p>
-          <a:p>
-            <a:pPr marL="0" indent="0">
-              <a:buNone/>
-            </a:pPr>
-            <a:r>
-              <a:rPr lang="en-US" dirty="0" err="1" smtClean="0"/>
-              <a:t>Maffioletti</a:t>
-            </a:r>
-            <a:r>
-              <a:rPr lang="en-US" dirty="0" smtClean="0"/>
-              <a:t> </a:t>
-            </a:r>
-            <a:r>
-              <a:rPr lang="en-US" dirty="0"/>
-              <a:t>&amp; </a:t>
-            </a:r>
-            <a:r>
-              <a:rPr lang="en-US" dirty="0" err="1" smtClean="0"/>
-              <a:t>Gianella</a:t>
-            </a:r>
-            <a:endParaRPr lang="en-US" dirty="0" smtClean="0"/>
-          </a:p>
-          <a:p>
-            <a:pPr marL="0" indent="0">
-              <a:buNone/>
-            </a:pPr>
-            <a:r>
-              <a:rPr lang="en-US" dirty="0" smtClean="0"/>
-              <a:t>J&amp;S Rule books</a:t>
-            </a:r>
-          </a:p>
-          <a:p>
-            <a:pPr marL="0" indent="0">
-              <a:buNone/>
-            </a:pPr>
-            <a:r>
-              <a:rPr lang="de-CH" dirty="0"/>
-              <a:t>Glaser, B. &amp; Strauss, A. (1998). </a:t>
-            </a:r>
-            <a:r>
-              <a:rPr lang="de-CH" i="1" dirty="0" err="1"/>
-              <a:t>Grounded</a:t>
-            </a:r>
-            <a:r>
-              <a:rPr lang="de-CH" i="1" dirty="0"/>
-              <a:t> </a:t>
-            </a:r>
-            <a:r>
-              <a:rPr lang="de-CH" i="1" dirty="0" err="1"/>
-              <a:t>Theory</a:t>
-            </a:r>
-            <a:r>
-              <a:rPr lang="de-CH" i="1" dirty="0"/>
-              <a:t>: Strategien qualitativer </a:t>
-            </a:r>
-            <a:r>
-              <a:rPr lang="de-CH" i="1" dirty="0" err="1"/>
-              <a:t>Forschung</a:t>
-            </a:r>
-            <a:r>
-              <a:rPr lang="de-CH" dirty="0" err="1"/>
-              <a:t>.Bern</a:t>
-            </a:r>
-            <a:r>
-              <a:rPr lang="de-CH" dirty="0"/>
-              <a:t>: Huber</a:t>
-            </a:r>
-            <a:r>
-              <a:rPr lang="de-CH" dirty="0" smtClean="0"/>
-              <a:t>.</a:t>
-            </a:r>
-          </a:p>
-          <a:p>
-            <a:pPr marL="0" indent="0">
-              <a:buNone/>
-            </a:pPr>
-            <a:r>
-              <a:rPr lang="de-CH" dirty="0">
-                <a:hlinkClick r:id="rId3"/>
-              </a:rPr>
-              <a:t>https://www.ncbi.nlm.nih.gov/pmc/articles/PMC5566261</a:t>
-            </a:r>
-            <a:r>
-              <a:rPr lang="de-CH" dirty="0" smtClean="0">
-                <a:hlinkClick r:id="rId3"/>
-              </a:rPr>
-              <a:t>/</a:t>
-            </a:r>
-            <a:r>
-              <a:rPr lang="de-CH" dirty="0" smtClean="0"/>
-              <a:t> (</a:t>
-            </a:r>
-            <a:r>
-              <a:rPr lang="de-CH" dirty="0" err="1" smtClean="0"/>
-              <a:t>Pasanen</a:t>
-            </a:r>
-            <a:r>
-              <a:rPr lang="de-CH" dirty="0" smtClean="0"/>
-              <a:t> et al)</a:t>
-            </a:r>
-            <a:endParaRPr lang="de-CH" dirty="0"/>
-          </a:p>
-          <a:p>
-            <a:pPr marL="0" indent="0">
-              <a:buNone/>
-            </a:pPr>
-            <a:endParaRPr lang="de-CH" dirty="0"/>
-          </a:p>
-          <a:p>
-            <a:pPr marL="0" indent="0">
-              <a:buNone/>
-            </a:pPr>
-            <a:r>
-              <a:rPr lang="de-CH" dirty="0">
-                <a:hlinkClick r:id="rId4"/>
-              </a:rPr>
-              <a:t>https://rafflespress.com/2015/05/19/flooring-the-competition-a-div-floorball-boys-finals-2015</a:t>
-            </a:r>
-            <a:r>
-              <a:rPr lang="de-CH" dirty="0" smtClean="0">
-                <a:hlinkClick r:id="rId4"/>
-              </a:rPr>
-              <a:t>/</a:t>
-            </a:r>
-            <a:r>
-              <a:rPr lang="de-CH" dirty="0" smtClean="0"/>
-              <a:t> (Titelbild)</a:t>
-            </a:r>
-          </a:p>
-          <a:p>
-            <a:pPr marL="0" indent="0">
-              <a:buNone/>
-            </a:pPr>
-            <a:endParaRPr lang="en-US" dirty="0"/>
-          </a:p>
-          <a:p>
-            <a:pPr marL="0" indent="0">
-              <a:buNone/>
-            </a:pPr>
-            <a:r>
-              <a:rPr lang="de-CH" b="1" u="sng" dirty="0"/>
-              <a:t>TTTTTTTTTTOOOOOOOOOOOOOOBBBBBBBBBBBBIIIIIIIIIIIIII</a:t>
-            </a:r>
-          </a:p>
-          <a:p>
-            <a:pPr marL="0" indent="0">
-              <a:buNone/>
-            </a:pPr>
-            <a:endParaRPr lang="de-DE" dirty="0" smtClean="0"/>
-          </a:p>
-          <a:p>
-            <a:pPr marL="0" indent="0">
-              <a:buNone/>
-            </a:pPr>
-            <a:endParaRPr lang="de-DE" dirty="0" smtClean="0"/>
-          </a:p>
-          <a:p>
-            <a:endParaRPr lang="de-DE" dirty="0" smtClean="0"/>
-          </a:p>
-          <a:p>
-            <a:endParaRPr lang="de-CH" dirty="0" smtClean="0"/>
-          </a:p>
-          <a:p>
-            <a:pPr>
-              <a:buNone/>
-            </a:pPr>
-            <a:endParaRPr lang="de-CH" dirty="0" smtClean="0"/>
-          </a:p>
-          <a:p>
-            <a:endParaRPr lang="de-CH" dirty="0" smtClean="0"/>
-          </a:p>
-          <a:p>
-            <a:pPr>
-              <a:buNone/>
-            </a:pPr>
-            <a:endParaRPr lang="de-CH" dirty="0" smtClean="0"/>
-          </a:p>
-          <a:p>
-            <a:pPr>
-              <a:buNone/>
-            </a:pPr>
-            <a:endParaRPr lang="de-CH" dirty="0"/>
-          </a:p>
-        </p:txBody>
-      </p:sp>
-    </p:spTree>
-  </p:cSld>
-  <p:clrMapOvr>
-    <a:masterClrMapping/>
-  </p:clrMapOvr>
-  <p:transition/>
-  <p:timing>
-    <p:tnLst>
-      <p:par>
-        <p:cTn id="1" dur="indefinite" restart="never" nodeType="tmRoot"/>
-      </p:par>
-    </p:tnLst>
-  </p:timing>
 </p:sld>
 </file>
 
@@ -6205,7 +4040,13 @@
       </p:grpSpPr>
       <p:sp>
         <p:nvSpPr>
-          <p:cNvPr id="2" name="Titel 1"/>
+          <p:cNvPr id="2" name="Titel 1">
+            <a:extLst>
+              <a:ext uri="{FF2B5EF4-FFF2-40B4-BE49-F238E27FC236}">
+                <a16:creationId xmlns:a16="http://schemas.microsoft.com/office/drawing/2014/main" id="{69836664-372B-4F63-A258-1819B1AEEEAF}"/>
+              </a:ext>
+            </a:extLst>
+          </p:cNvPr>
           <p:cNvSpPr>
             <a:spLocks noGrp="1"/>
           </p:cNvSpPr>
@@ -6213,40 +4054,39 @@
             <p:ph type="title"/>
           </p:nvPr>
         </p:nvSpPr>
-        <p:spPr>
-          <a:xfrm>
-            <a:off x="539750" y="647700"/>
-            <a:ext cx="7004050" cy="817563"/>
-          </a:xfrm>
-        </p:spPr>
+        <p:spPr/>
         <p:txBody>
           <a:bodyPr/>
           <a:lstStyle/>
           <a:p>
-            <a:pPr lvl="0">
-              <a:defRPr/>
-            </a:pPr>
-            <a:r>
-              <a:rPr lang="de-DE" dirty="0" err="1" smtClean="0">
-                <a:solidFill>
-                  <a:schemeClr val="accent6">
-                    <a:lumMod val="50000"/>
-                  </a:schemeClr>
-                </a:solidFill>
-              </a:rPr>
-              <a:t>Context</a:t>
-            </a:r>
-            <a:endParaRPr lang="de-CH" sz="1400" dirty="0" smtClean="0">
-              <a:solidFill>
-                <a:srgbClr val="C00000"/>
-              </a:solidFill>
-            </a:endParaRPr>
-          </a:p>
-        </p:txBody>
-      </p:sp>
-      <p:sp>
-        <p:nvSpPr>
-          <p:cNvPr id="3" name="Inhaltsplatzhalter 2"/>
+            <a:r>
+              <a:rPr lang="de-DE" dirty="0"/>
+              <a:t>C</a:t>
+            </a:r>
+            <a:r>
+              <a:rPr lang="en-CH" dirty="0"/>
+              <a:t>o</a:t>
+            </a:r>
+            <a:r>
+              <a:rPr lang="de-DE" dirty="0"/>
+              <a:t>n</a:t>
+            </a:r>
+            <a:r>
+              <a:rPr lang="en-CH" dirty="0"/>
+              <a:t>tent</a:t>
+            </a:r>
+          </a:p>
+        </p:txBody>
+      </p:sp>
+      <p:sp>
+        <p:nvSpPr>
+          <p:cNvPr id="3" name="Inhaltsplatzhalter 2">
+            <a:extLst>
+              <a:ext uri="{FF2B5EF4-FFF2-40B4-BE49-F238E27FC236}">
+                <a16:creationId xmlns:a16="http://schemas.microsoft.com/office/drawing/2014/main" id="{4E1EB65A-51B6-4796-9A99-22EB7DAFB603}"/>
+              </a:ext>
+            </a:extLst>
+          </p:cNvPr>
           <p:cNvSpPr>
             <a:spLocks noGrp="1"/>
           </p:cNvSpPr>
@@ -6256,67 +4096,147 @@
         </p:nvSpPr>
         <p:spPr/>
         <p:txBody>
-          <a:bodyPr/>
+          <a:bodyPr>
+            <a:normAutofit fontScale="92500"/>
+          </a:bodyPr>
           <a:lstStyle/>
           <a:p>
             <a:r>
-              <a:rPr lang="de-CH" b="1" u="sng" dirty="0" smtClean="0"/>
-              <a:t>TTTTTTTTTTOOOOOOOOOOOOOOBBBBBBBBBBBBIIIIIIIIIIIIII</a:t>
-            </a:r>
-          </a:p>
-          <a:p>
-            <a:r>
-              <a:rPr lang="de-CH" b="1" u="sng" dirty="0" err="1" smtClean="0"/>
-              <a:t>What</a:t>
-            </a:r>
-            <a:r>
-              <a:rPr lang="de-CH" b="1" u="sng" dirty="0" smtClean="0"/>
+              <a:rPr lang="de-DE" dirty="0"/>
+              <a:t>I</a:t>
+            </a:r>
+            <a:r>
+              <a:rPr lang="en-CH" dirty="0"/>
+              <a:t>n</a:t>
+            </a:r>
+            <a:r>
+              <a:rPr lang="de-DE" dirty="0"/>
+              <a:t>t</a:t>
+            </a:r>
+            <a:r>
+              <a:rPr lang="en-CH" dirty="0"/>
+              <a:t>r</a:t>
+            </a:r>
+            <a:r>
+              <a:rPr lang="de-DE" dirty="0"/>
+              <a:t>o</a:t>
+            </a:r>
+            <a:r>
+              <a:rPr lang="en-CH" dirty="0"/>
+              <a:t>d</a:t>
+            </a:r>
+            <a:r>
+              <a:rPr lang="de-DE" dirty="0"/>
+              <a:t>u</a:t>
+            </a:r>
+            <a:r>
+              <a:rPr lang="en-CH" dirty="0"/>
+              <a:t>c</a:t>
+            </a:r>
+            <a:r>
+              <a:rPr lang="de-DE" dirty="0"/>
+              <a:t>t</a:t>
+            </a:r>
+            <a:r>
+              <a:rPr lang="en-CH" dirty="0" err="1"/>
+              <a:t>i</a:t>
+            </a:r>
+            <a:r>
+              <a:rPr lang="de-DE" dirty="0"/>
+              <a:t>o</a:t>
+            </a:r>
+            <a:r>
+              <a:rPr lang="en-CH" dirty="0"/>
+              <a:t>n</a:t>
+            </a:r>
+          </a:p>
+          <a:p>
+            <a:endParaRPr lang="en-CH" dirty="0"/>
+          </a:p>
+          <a:p>
+            <a:r>
+              <a:rPr lang="en-CH" dirty="0" err="1"/>
+              <a:t>Prio</a:t>
+            </a:r>
+            <a:r>
+              <a:rPr lang="de-DE" dirty="0"/>
+              <a:t>r</a:t>
+            </a:r>
+            <a:r>
+              <a:rPr lang="en-CH" dirty="0"/>
               <a:t> </a:t>
             </a:r>
             <a:r>
-              <a:rPr lang="de-CH" b="1" u="sng" dirty="0" err="1" smtClean="0"/>
-              <a:t>safety</a:t>
-            </a:r>
-            <a:r>
-              <a:rPr lang="de-CH" b="1" u="sng" dirty="0" smtClean="0"/>
-              <a:t> </a:t>
-            </a:r>
-            <a:r>
-              <a:rPr lang="de-CH" b="1" u="sng" dirty="0" err="1" smtClean="0"/>
-              <a:t>measures</a:t>
-            </a:r>
-            <a:r>
-              <a:rPr lang="de-CH" b="1" u="sng" dirty="0" smtClean="0"/>
-              <a:t> </a:t>
-            </a:r>
-            <a:r>
-              <a:rPr lang="de-CH" b="1" u="sng" dirty="0" err="1" smtClean="0"/>
-              <a:t>prevent</a:t>
-            </a:r>
-            <a:r>
-              <a:rPr lang="de-CH" b="1" u="sng" dirty="0" smtClean="0"/>
-              <a:t> </a:t>
-            </a:r>
-            <a:r>
-              <a:rPr lang="de-CH" b="1" u="sng" dirty="0" err="1" smtClean="0"/>
-              <a:t>injuries</a:t>
-            </a:r>
-            <a:r>
-              <a:rPr lang="de-CH" b="1" u="sng" dirty="0" smtClean="0"/>
-              <a:t> in </a:t>
-            </a:r>
-            <a:r>
-              <a:rPr lang="de-CH" b="1" u="sng" dirty="0" err="1" smtClean="0"/>
-              <a:t>floorball</a:t>
-            </a:r>
-            <a:endParaRPr lang="de-CH" b="1" u="sng" dirty="0"/>
+              <a:rPr lang="de-DE" dirty="0"/>
+              <a:t>W</a:t>
+            </a:r>
+            <a:r>
+              <a:rPr lang="en-CH" dirty="0"/>
+              <a:t>o</a:t>
+            </a:r>
+            <a:r>
+              <a:rPr lang="de-DE" dirty="0"/>
+              <a:t>r</a:t>
+            </a:r>
+            <a:r>
+              <a:rPr lang="en-CH" dirty="0"/>
+              <a:t>k</a:t>
+            </a:r>
+          </a:p>
+          <a:p>
+            <a:endParaRPr lang="en-CH" dirty="0"/>
+          </a:p>
+          <a:p>
+            <a:r>
+              <a:rPr lang="en-CH" dirty="0"/>
+              <a:t>Methods</a:t>
+            </a:r>
+          </a:p>
+          <a:p>
+            <a:endParaRPr lang="en-CH" dirty="0"/>
+          </a:p>
+          <a:p>
+            <a:r>
+              <a:rPr lang="en-CH" dirty="0"/>
+              <a:t>Experiments</a:t>
+            </a:r>
+          </a:p>
+          <a:p>
+            <a:endParaRPr lang="en-CH" dirty="0"/>
+          </a:p>
+          <a:p>
+            <a:r>
+              <a:rPr lang="en-CH" dirty="0"/>
+              <a:t>Results</a:t>
+            </a:r>
+          </a:p>
+          <a:p>
+            <a:endParaRPr lang="en-CH" dirty="0"/>
+          </a:p>
+          <a:p>
+            <a:r>
+              <a:rPr lang="en-CH" dirty="0"/>
+              <a:t>Discussion</a:t>
+            </a:r>
+          </a:p>
+          <a:p>
+            <a:endParaRPr lang="en-CH" dirty="0"/>
+          </a:p>
+          <a:p>
+            <a:r>
+              <a:rPr lang="en-CH" dirty="0"/>
+              <a:t>Conclusion</a:t>
+            </a:r>
+          </a:p>
+          <a:p>
+            <a:endParaRPr lang="en-CH" dirty="0"/>
           </a:p>
         </p:txBody>
       </p:sp>
     </p:spTree>
     <p:extLst>
       <p:ext uri="{BB962C8B-B14F-4D97-AF65-F5344CB8AC3E}">
-        <p14:creationId xmlns:p14="http://schemas.microsoft.com/office/powerpoint/2010/main" val="1095965212"/>
+        <p14:creationId xmlns:p14="http://schemas.microsoft.com/office/powerpoint/2010/main" val="3505861871"/>
       </p:ext>
     </p:extLst>
   </p:cSld>
@@ -6324,13 +4244,6 @@
     <a:masterClrMapping/>
   </p:clrMapOvr>
   <p:transition/>
-  <p:timing>
-    <p:tnLst>
-      <p:par>
-        <p:cTn id="1" dur="indefinite" restart="never" nodeType="tmRoot"/>
-      </p:par>
-    </p:tnLst>
-  </p:timing>
 </p:sld>
 </file>
 
@@ -6353,7 +4266,13 @@
       </p:grpSpPr>
       <p:sp>
         <p:nvSpPr>
-          <p:cNvPr id="2" name="Titel 1"/>
+          <p:cNvPr id="2" name="Titel 1">
+            <a:extLst>
+              <a:ext uri="{FF2B5EF4-FFF2-40B4-BE49-F238E27FC236}">
+                <a16:creationId xmlns:a16="http://schemas.microsoft.com/office/drawing/2014/main" id="{6BD92529-8D3D-4076-A5EA-85D7D8588EAA}"/>
+              </a:ext>
+            </a:extLst>
+          </p:cNvPr>
           <p:cNvSpPr>
             <a:spLocks noGrp="1"/>
           </p:cNvSpPr>
@@ -6367,42 +4286,21 @@
           <a:lstStyle/>
           <a:p>
             <a:r>
-              <a:rPr lang="de-DE" dirty="0" err="1">
-                <a:solidFill>
-                  <a:schemeClr val="accent6">
-                    <a:lumMod val="50000"/>
-                  </a:schemeClr>
-                </a:solidFill>
-              </a:rPr>
-              <a:t>Theoretical</a:t>
-            </a:r>
-            <a:r>
-              <a:rPr lang="de-DE" dirty="0">
-                <a:solidFill>
-                  <a:schemeClr val="accent6">
-                    <a:lumMod val="50000"/>
-                  </a:schemeClr>
-                </a:solidFill>
-              </a:rPr>
-              <a:t> </a:t>
-            </a:r>
-            <a:r>
-              <a:rPr lang="de-DE" dirty="0" smtClean="0">
-                <a:solidFill>
-                  <a:schemeClr val="accent6">
-                    <a:lumMod val="50000"/>
-                  </a:schemeClr>
-                </a:solidFill>
-              </a:rPr>
-              <a:t>Framework (I)</a:t>
-            </a:r>
-            <a:endParaRPr lang="de-CH" dirty="0"/>
-          </a:p>
-        </p:txBody>
-      </p:sp>
-      <p:sp>
-        <p:nvSpPr>
-          <p:cNvPr id="3" name="Inhaltsplatzhalter 2"/>
+              <a:rPr lang="en-CH" dirty="0"/>
+              <a:t>Introduction</a:t>
+            </a:r>
+          </a:p>
+        </p:txBody>
+      </p:sp>
+      <p:sp>
+        <p:nvSpPr>
+          <p:cNvPr id="3" name="Inhaltsplatzhalter 2">
+            <a:extLst>
+              <a:ext uri="{FF2B5EF4-FFF2-40B4-BE49-F238E27FC236}">
+                <a16:creationId xmlns:a16="http://schemas.microsoft.com/office/drawing/2014/main" id="{5A41E8E3-FEC3-4C2B-8CE9-A26218192A93}"/>
+              </a:ext>
+            </a:extLst>
+          </p:cNvPr>
           <p:cNvSpPr>
             <a:spLocks noGrp="1"/>
           </p:cNvSpPr>
@@ -6415,254 +4313,14 @@
           <a:bodyPr/>
           <a:lstStyle/>
           <a:p>
-            <a:r>
-              <a:rPr lang="en-US" dirty="0" smtClean="0"/>
-              <a:t>Floorball players are prone to injury </a:t>
-            </a:r>
-            <a:r>
-              <a:rPr lang="en-US" dirty="0" smtClean="0">
-                <a:solidFill>
-                  <a:srgbClr val="FF0000"/>
-                </a:solidFill>
-              </a:rPr>
-              <a:t>(Engel &amp; </a:t>
-            </a:r>
-            <a:r>
-              <a:rPr lang="en-US" dirty="0" err="1" smtClean="0">
-                <a:solidFill>
-                  <a:srgbClr val="FF0000"/>
-                </a:solidFill>
-              </a:rPr>
-              <a:t>Kälin</a:t>
-            </a:r>
-            <a:r>
-              <a:rPr lang="en-US" dirty="0" smtClean="0">
-                <a:solidFill>
-                  <a:srgbClr val="FF0000"/>
-                </a:solidFill>
-              </a:rPr>
-              <a:t>, 2017; </a:t>
-            </a:r>
-            <a:r>
-              <a:rPr lang="en-US" dirty="0" err="1" smtClean="0">
-                <a:solidFill>
-                  <a:srgbClr val="FF0000"/>
-                </a:solidFill>
-              </a:rPr>
-              <a:t>Maffioletti</a:t>
-            </a:r>
-            <a:r>
-              <a:rPr lang="en-US" dirty="0" smtClean="0">
-                <a:solidFill>
-                  <a:srgbClr val="FF0000"/>
-                </a:solidFill>
-              </a:rPr>
-              <a:t> &amp; </a:t>
-            </a:r>
-            <a:r>
-              <a:rPr lang="en-US" dirty="0" err="1" smtClean="0">
-                <a:solidFill>
-                  <a:srgbClr val="FF0000"/>
-                </a:solidFill>
-              </a:rPr>
-              <a:t>Gianella</a:t>
-            </a:r>
-            <a:r>
-              <a:rPr lang="en-US" dirty="0" smtClean="0">
-                <a:solidFill>
-                  <a:srgbClr val="FF0000"/>
-                </a:solidFill>
-              </a:rPr>
-              <a:t>, 2007; </a:t>
-            </a:r>
-            <a:r>
-              <a:rPr lang="en-US" dirty="0" err="1" smtClean="0">
-                <a:solidFill>
-                  <a:srgbClr val="FF0000"/>
-                </a:solidFill>
-              </a:rPr>
-              <a:t>Pasanen</a:t>
-            </a:r>
-            <a:r>
-              <a:rPr lang="en-US" dirty="0" smtClean="0">
-                <a:solidFill>
-                  <a:srgbClr val="FF0000"/>
-                </a:solidFill>
-              </a:rPr>
-              <a:t>, </a:t>
-            </a:r>
-            <a:r>
-              <a:rPr lang="en-US" dirty="0" err="1" smtClean="0">
-                <a:solidFill>
-                  <a:srgbClr val="FF0000"/>
-                </a:solidFill>
-              </a:rPr>
-              <a:t>Bruun</a:t>
-            </a:r>
-            <a:r>
-              <a:rPr lang="en-US" dirty="0" smtClean="0">
-                <a:solidFill>
-                  <a:srgbClr val="FF0000"/>
-                </a:solidFill>
-              </a:rPr>
-              <a:t>, </a:t>
-            </a:r>
-            <a:r>
-              <a:rPr lang="en-US" dirty="0" err="1" smtClean="0">
-                <a:solidFill>
-                  <a:srgbClr val="FF0000"/>
-                </a:solidFill>
-              </a:rPr>
-              <a:t>Vasankari</a:t>
-            </a:r>
-            <a:r>
-              <a:rPr lang="en-US" dirty="0" smtClean="0">
-                <a:solidFill>
-                  <a:srgbClr val="FF0000"/>
-                </a:solidFill>
-              </a:rPr>
-              <a:t>, </a:t>
-            </a:r>
-            <a:r>
-              <a:rPr lang="en-US" dirty="0" err="1" smtClean="0">
-                <a:solidFill>
-                  <a:srgbClr val="FF0000"/>
-                </a:solidFill>
-              </a:rPr>
-              <a:t>Nurminen</a:t>
-            </a:r>
-            <a:r>
-              <a:rPr lang="en-US" dirty="0" smtClean="0">
-                <a:solidFill>
-                  <a:srgbClr val="FF0000"/>
-                </a:solidFill>
-              </a:rPr>
-              <a:t>, Frey, 2017)</a:t>
-            </a:r>
-          </a:p>
-          <a:p>
-            <a:pPr lvl="1"/>
-            <a:r>
-              <a:rPr lang="en-US" dirty="0" smtClean="0"/>
-              <a:t>Knee, back, face, ligaments</a:t>
-            </a:r>
-          </a:p>
-          <a:p>
-            <a:endParaRPr lang="en-US" dirty="0" smtClean="0"/>
-          </a:p>
-          <a:p>
-            <a:r>
-              <a:rPr lang="en-US" dirty="0"/>
-              <a:t>According to J&amp;S: no rules on safety gear, recommendations </a:t>
-            </a:r>
-            <a:r>
-              <a:rPr lang="en-US" dirty="0" smtClean="0"/>
-              <a:t>only </a:t>
-            </a:r>
-            <a:r>
-              <a:rPr lang="en-US" dirty="0" smtClean="0">
-                <a:solidFill>
-                  <a:srgbClr val="FF0000"/>
-                </a:solidFill>
-              </a:rPr>
-              <a:t>(J&amp;S </a:t>
-            </a:r>
-            <a:r>
-              <a:rPr lang="en-US" dirty="0" err="1" smtClean="0">
-                <a:solidFill>
-                  <a:srgbClr val="FF0000"/>
-                </a:solidFill>
-              </a:rPr>
-              <a:t>Quelle</a:t>
-            </a:r>
-            <a:r>
-              <a:rPr lang="en-US" dirty="0" smtClean="0">
-                <a:solidFill>
-                  <a:srgbClr val="FF0000"/>
-                </a:solidFill>
-              </a:rPr>
-              <a:t>)</a:t>
-            </a:r>
-          </a:p>
-          <a:p>
-            <a:endParaRPr lang="en-US" dirty="0"/>
-          </a:p>
-          <a:p>
-            <a:r>
-              <a:rPr lang="en-US" dirty="0" smtClean="0"/>
-              <a:t>Rules in floorball theoretically prevent injuries </a:t>
-            </a:r>
-            <a:r>
-              <a:rPr lang="en-US" dirty="0" smtClean="0">
-                <a:solidFill>
-                  <a:srgbClr val="FF0000"/>
-                </a:solidFill>
-              </a:rPr>
-              <a:t>(</a:t>
-            </a:r>
-            <a:r>
-              <a:rPr lang="en-US" dirty="0" err="1" smtClean="0">
-                <a:solidFill>
-                  <a:srgbClr val="FF0000"/>
-                </a:solidFill>
-              </a:rPr>
-              <a:t>Maffioletti</a:t>
-            </a:r>
-            <a:r>
-              <a:rPr lang="en-US" dirty="0" smtClean="0">
-                <a:solidFill>
-                  <a:srgbClr val="FF0000"/>
-                </a:solidFill>
-              </a:rPr>
-              <a:t> &amp; </a:t>
-            </a:r>
-            <a:r>
-              <a:rPr lang="en-US" dirty="0" err="1" smtClean="0">
-                <a:solidFill>
-                  <a:srgbClr val="FF0000"/>
-                </a:solidFill>
-              </a:rPr>
-              <a:t>Gianella</a:t>
-            </a:r>
-            <a:r>
-              <a:rPr lang="en-US" dirty="0" smtClean="0">
-                <a:solidFill>
-                  <a:srgbClr val="FF0000"/>
-                </a:solidFill>
-              </a:rPr>
-              <a:t>, 2007)</a:t>
-            </a:r>
-          </a:p>
-          <a:p>
-            <a:pPr lvl="1"/>
-            <a:r>
-              <a:rPr lang="en-US" dirty="0" smtClean="0"/>
-              <a:t>Need to be used correctly (player and referee)</a:t>
-            </a:r>
-          </a:p>
-          <a:p>
-            <a:pPr lvl="1"/>
-            <a:endParaRPr lang="en-US" dirty="0"/>
-          </a:p>
-          <a:p>
-            <a:r>
-              <a:rPr lang="en-US" dirty="0" smtClean="0"/>
-              <a:t>Reasons for injury:</a:t>
-            </a:r>
-          </a:p>
-          <a:p>
-            <a:pPr lvl="1"/>
-            <a:r>
-              <a:rPr lang="en-US" dirty="0" smtClean="0"/>
-              <a:t>Ball, other players, individual</a:t>
-            </a:r>
+            <a:endParaRPr lang="en-CH"/>
           </a:p>
         </p:txBody>
       </p:sp>
     </p:spTree>
     <p:extLst>
       <p:ext uri="{BB962C8B-B14F-4D97-AF65-F5344CB8AC3E}">
-        <p14:creationId xmlns:p14="http://schemas.microsoft.com/office/powerpoint/2010/main" val="2121184023"/>
+        <p14:creationId xmlns:p14="http://schemas.microsoft.com/office/powerpoint/2010/main" val="1496071242"/>
       </p:ext>
     </p:extLst>
   </p:cSld>
@@ -6670,13 +4328,6 @@
     <a:masterClrMapping/>
   </p:clrMapOvr>
   <p:transition/>
-  <p:timing>
-    <p:tnLst>
-      <p:par>
-        <p:cTn id="1" dur="indefinite" restart="never" nodeType="tmRoot"/>
-      </p:par>
-    </p:tnLst>
-  </p:timing>
 </p:sld>
 </file>
 
@@ -6699,7 +4350,13 @@
       </p:grpSpPr>
       <p:sp>
         <p:nvSpPr>
-          <p:cNvPr id="2" name="Titel 1"/>
+          <p:cNvPr id="2" name="Titel 1">
+            <a:extLst>
+              <a:ext uri="{FF2B5EF4-FFF2-40B4-BE49-F238E27FC236}">
+                <a16:creationId xmlns:a16="http://schemas.microsoft.com/office/drawing/2014/main" id="{8218017F-344C-4CAE-A235-EDD397B68A7A}"/>
+              </a:ext>
+            </a:extLst>
+          </p:cNvPr>
           <p:cNvSpPr>
             <a:spLocks noGrp="1"/>
           </p:cNvSpPr>
@@ -6713,42 +4370,57 @@
           <a:lstStyle/>
           <a:p>
             <a:r>
-              <a:rPr lang="de-DE" dirty="0" err="1">
-                <a:solidFill>
-                  <a:schemeClr val="accent6">
-                    <a:lumMod val="50000"/>
-                  </a:schemeClr>
-                </a:solidFill>
-              </a:rPr>
-              <a:t>Theoretical</a:t>
-            </a:r>
-            <a:r>
-              <a:rPr lang="de-DE" dirty="0">
-                <a:solidFill>
-                  <a:schemeClr val="accent6">
-                    <a:lumMod val="50000"/>
-                  </a:schemeClr>
-                </a:solidFill>
-              </a:rPr>
+              <a:rPr lang="de-DE" dirty="0"/>
+              <a:t>P</a:t>
+            </a:r>
+            <a:r>
+              <a:rPr lang="en-CH" dirty="0"/>
+              <a:t>r</a:t>
+            </a:r>
+            <a:r>
+              <a:rPr lang="de-DE" dirty="0"/>
+              <a:t>i</a:t>
+            </a:r>
+            <a:r>
+              <a:rPr lang="en-CH" dirty="0"/>
+              <a:t>o</a:t>
+            </a:r>
+            <a:r>
+              <a:rPr lang="de-DE" dirty="0"/>
+              <a:t>r</a:t>
+            </a:r>
+            <a:r>
+              <a:rPr lang="en-CH" dirty="0"/>
               <a:t> </a:t>
             </a:r>
             <a:r>
-              <a:rPr lang="de-DE" dirty="0" smtClean="0">
-                <a:solidFill>
-                  <a:schemeClr val="accent6">
-                    <a:lumMod val="50000"/>
-                  </a:schemeClr>
-                </a:solidFill>
-              </a:rPr>
-              <a:t>Framework (II)</a:t>
-            </a:r>
-            <a:endParaRPr lang="de-CH" dirty="0"/>
-          </a:p>
-        </p:txBody>
-      </p:sp>
-      <p:sp>
-        <p:nvSpPr>
-          <p:cNvPr id="3" name="Inhaltsplatzhalter 2"/>
+              <a:rPr lang="de-DE" dirty="0"/>
+              <a:t>W</a:t>
+            </a:r>
+            <a:r>
+              <a:rPr lang="en-CH" dirty="0"/>
+              <a:t>o</a:t>
+            </a:r>
+            <a:r>
+              <a:rPr lang="de-DE" dirty="0"/>
+              <a:t>r</a:t>
+            </a:r>
+            <a:r>
+              <a:rPr lang="en-CH" dirty="0"/>
+              <a:t>k</a:t>
+            </a:r>
+          </a:p>
+        </p:txBody>
+      </p:sp>
+      <p:sp>
+        <p:nvSpPr>
+          <p:cNvPr id="3" name="Inhaltsplatzhalter 2">
+            <a:extLst>
+              <a:ext uri="{FF2B5EF4-FFF2-40B4-BE49-F238E27FC236}">
+                <a16:creationId xmlns:a16="http://schemas.microsoft.com/office/drawing/2014/main" id="{2432544F-784D-441B-AD53-C096DF67F014}"/>
+              </a:ext>
+            </a:extLst>
+          </p:cNvPr>
           <p:cNvSpPr>
             <a:spLocks noGrp="1"/>
           </p:cNvSpPr>
@@ -6761,84 +4433,14 @@
           <a:bodyPr/>
           <a:lstStyle/>
           <a:p>
-            <a:r>
-              <a:rPr lang="en-US" dirty="0" err="1"/>
-              <a:t>Joël</a:t>
-            </a:r>
-            <a:r>
-              <a:rPr lang="en-US" dirty="0"/>
-              <a:t> plays floorball, Fabian and Tobias do not</a:t>
-            </a:r>
-          </a:p>
-          <a:p>
-            <a:pPr lvl="1"/>
-            <a:r>
-              <a:rPr lang="en-US" dirty="0"/>
-              <a:t>Different knowledge on the topic “floorball</a:t>
-            </a:r>
-            <a:r>
-              <a:rPr lang="en-US" dirty="0" smtClean="0"/>
-              <a:t>”</a:t>
-            </a:r>
-          </a:p>
-          <a:p>
-            <a:pPr lvl="1"/>
-            <a:endParaRPr lang="en-US" dirty="0"/>
-          </a:p>
-          <a:p>
-            <a:r>
-              <a:rPr lang="de-CH" b="1" u="sng" dirty="0"/>
-              <a:t>TTTTTTTTTTOOOOOOOOOOOOOOBBBBBBBBBBBBIIIIIIIIIIIIII</a:t>
-            </a:r>
-          </a:p>
-          <a:p>
-            <a:pPr marL="0" indent="0">
-              <a:buNone/>
-            </a:pPr>
-            <a:endParaRPr lang="en-US" dirty="0"/>
-          </a:p>
-          <a:p>
-            <a:r>
-              <a:rPr lang="de-CH" dirty="0"/>
-              <a:t>Research </a:t>
-            </a:r>
-            <a:r>
-              <a:rPr lang="de-CH" dirty="0" err="1"/>
-              <a:t>Question</a:t>
-            </a:r>
-            <a:r>
-              <a:rPr lang="de-CH" dirty="0"/>
-              <a:t>: </a:t>
-            </a:r>
-            <a:r>
-              <a:rPr lang="en-US" dirty="0"/>
-              <a:t>How is the topic “safety</a:t>
-            </a:r>
-            <a:r>
-              <a:rPr lang="en-US" dirty="0" smtClean="0"/>
-              <a:t>” in relation to health of the players </a:t>
-            </a:r>
-            <a:r>
-              <a:rPr lang="en-US" dirty="0"/>
-              <a:t>managed in a semi-professional floorball club</a:t>
-            </a:r>
-            <a:r>
-              <a:rPr lang="en-US" dirty="0" smtClean="0"/>
-              <a:t>?</a:t>
-            </a:r>
-          </a:p>
-          <a:p>
-            <a:endParaRPr lang="en-US" dirty="0"/>
-          </a:p>
-          <a:p>
-            <a:endParaRPr lang="en-US" dirty="0"/>
+            <a:endParaRPr lang="en-CH"/>
           </a:p>
         </p:txBody>
       </p:sp>
     </p:spTree>
     <p:extLst>
       <p:ext uri="{BB962C8B-B14F-4D97-AF65-F5344CB8AC3E}">
-        <p14:creationId xmlns:p14="http://schemas.microsoft.com/office/powerpoint/2010/main" val="1688596468"/>
+        <p14:creationId xmlns:p14="http://schemas.microsoft.com/office/powerpoint/2010/main" val="2630645023"/>
       </p:ext>
     </p:extLst>
   </p:cSld>
@@ -6846,13 +4448,6 @@
     <a:masterClrMapping/>
   </p:clrMapOvr>
   <p:transition/>
-  <p:timing>
-    <p:tnLst>
-      <p:par>
-        <p:cTn id="1" dur="indefinite" restart="never" nodeType="tmRoot"/>
-      </p:par>
-    </p:tnLst>
-  </p:timing>
 </p:sld>
 </file>
 
@@ -6875,7 +4470,13 @@
       </p:grpSpPr>
       <p:sp>
         <p:nvSpPr>
-          <p:cNvPr id="2" name="Titel 1"/>
+          <p:cNvPr id="2" name="Titel 1">
+            <a:extLst>
+              <a:ext uri="{FF2B5EF4-FFF2-40B4-BE49-F238E27FC236}">
+                <a16:creationId xmlns:a16="http://schemas.microsoft.com/office/drawing/2014/main" id="{BF5EB781-3692-46D4-BBC5-B0C8F041A609}"/>
+              </a:ext>
+            </a:extLst>
+          </p:cNvPr>
           <p:cNvSpPr>
             <a:spLocks noGrp="1"/>
           </p:cNvSpPr>
@@ -6888,40 +4489,27 @@
           <a:bodyPr/>
           <a:lstStyle/>
           <a:p>
-            <a:pPr lvl="0">
-              <a:defRPr/>
-            </a:pPr>
-            <a:r>
-              <a:rPr lang="de-DE" dirty="0" err="1" smtClean="0">
-                <a:solidFill>
-                  <a:schemeClr val="accent6">
-                    <a:lumMod val="50000"/>
-                  </a:schemeClr>
-                </a:solidFill>
-              </a:rPr>
-              <a:t>Methodological</a:t>
-            </a:r>
-            <a:r>
-              <a:rPr lang="de-DE" dirty="0" smtClean="0">
-                <a:solidFill>
-                  <a:schemeClr val="accent6">
-                    <a:lumMod val="50000"/>
-                  </a:schemeClr>
-                </a:solidFill>
-              </a:rPr>
-              <a:t> Approach (I)</a:t>
-            </a:r>
-            <a:endParaRPr lang="de-CH" sz="1400" dirty="0" smtClean="0">
-              <a:solidFill>
-                <a:srgbClr val="C00000"/>
-              </a:solidFill>
-            </a:endParaRPr>
-          </a:p>
-        </p:txBody>
-      </p:sp>
-      <p:sp>
-        <p:nvSpPr>
-          <p:cNvPr id="3" name="Inhaltsplatzhalter 2"/>
+            <a:r>
+              <a:rPr lang="de-DE" dirty="0"/>
+              <a:t>M</a:t>
+            </a:r>
+            <a:r>
+              <a:rPr lang="en-CH" dirty="0" err="1"/>
+              <a:t>ethods</a:t>
+            </a:r>
+            <a:endParaRPr lang="en-CH" dirty="0"/>
+          </a:p>
+        </p:txBody>
+      </p:sp>
+      <p:sp>
+        <p:nvSpPr>
+          <p:cNvPr id="3" name="Inhaltsplatzhalter 2">
+            <a:extLst>
+              <a:ext uri="{FF2B5EF4-FFF2-40B4-BE49-F238E27FC236}">
+                <a16:creationId xmlns:a16="http://schemas.microsoft.com/office/drawing/2014/main" id="{D3094D34-1CAD-48B5-904F-190A98DC706D}"/>
+              </a:ext>
+            </a:extLst>
+          </p:cNvPr>
           <p:cNvSpPr>
             <a:spLocks noGrp="1"/>
           </p:cNvSpPr>
@@ -6934,60 +4522,14 @@
           <a:bodyPr/>
           <a:lstStyle/>
           <a:p>
-            <a:r>
-              <a:rPr lang="en-US" u="sng" dirty="0" smtClean="0"/>
-              <a:t>Design:</a:t>
-            </a:r>
-          </a:p>
-          <a:p>
-            <a:pPr lvl="1"/>
-            <a:endParaRPr lang="en-US" dirty="0" smtClean="0"/>
-          </a:p>
-          <a:p>
-            <a:pPr lvl="1"/>
-            <a:r>
-              <a:rPr lang="en-US" dirty="0" smtClean="0"/>
-              <a:t>Semi-structured interviews </a:t>
-            </a:r>
-          </a:p>
-          <a:p>
-            <a:pPr lvl="1"/>
-            <a:r>
-              <a:rPr lang="en-US" dirty="0" smtClean="0"/>
-              <a:t>Observation, different foci </a:t>
-            </a:r>
-          </a:p>
-          <a:p>
-            <a:pPr lvl="1"/>
-            <a:endParaRPr lang="en-US" dirty="0" smtClean="0"/>
-          </a:p>
-          <a:p>
-            <a:r>
-              <a:rPr lang="en-US" u="sng" dirty="0" smtClean="0"/>
-              <a:t>Participant(s):</a:t>
-            </a:r>
-          </a:p>
-          <a:p>
-            <a:pPr lvl="1"/>
-            <a:r>
-              <a:rPr lang="en-US" dirty="0" smtClean="0"/>
-              <a:t>Interview: National League A floorball club coach, male, ~50, coach for 30 years</a:t>
-            </a:r>
-          </a:p>
-          <a:p>
-            <a:pPr lvl="1"/>
-            <a:r>
-              <a:rPr lang="en-US" dirty="0" smtClean="0"/>
-              <a:t>Observation: National League A floorball team (25 players), coaches, physiotherapist</a:t>
-            </a:r>
-            <a:endParaRPr lang="en-US" dirty="0" smtClean="0"/>
+            <a:endParaRPr lang="en-CH"/>
           </a:p>
         </p:txBody>
       </p:sp>
     </p:spTree>
     <p:extLst>
       <p:ext uri="{BB962C8B-B14F-4D97-AF65-F5344CB8AC3E}">
-        <p14:creationId xmlns:p14="http://schemas.microsoft.com/office/powerpoint/2010/main" val="1880575511"/>
+        <p14:creationId xmlns:p14="http://schemas.microsoft.com/office/powerpoint/2010/main" val="25568277"/>
       </p:ext>
     </p:extLst>
   </p:cSld>
@@ -6995,13 +4537,6 @@
     <a:masterClrMapping/>
   </p:clrMapOvr>
   <p:transition/>
-  <p:timing>
-    <p:tnLst>
-      <p:par>
-        <p:cTn id="1" dur="indefinite" restart="never" nodeType="tmRoot"/>
-      </p:par>
-    </p:tnLst>
-  </p:timing>
 </p:sld>
 </file>
 
@@ -7024,7 +4559,13 @@
       </p:grpSpPr>
       <p:sp>
         <p:nvSpPr>
-          <p:cNvPr id="2" name="Titel 1"/>
+          <p:cNvPr id="2" name="Titel 1">
+            <a:extLst>
+              <a:ext uri="{FF2B5EF4-FFF2-40B4-BE49-F238E27FC236}">
+                <a16:creationId xmlns:a16="http://schemas.microsoft.com/office/drawing/2014/main" id="{796E9E63-CFDA-42EE-BF14-55F46E33EF77}"/>
+              </a:ext>
+            </a:extLst>
+          </p:cNvPr>
           <p:cNvSpPr>
             <a:spLocks noGrp="1"/>
           </p:cNvSpPr>
@@ -7038,42 +4579,21 @@
           <a:lstStyle/>
           <a:p>
             <a:r>
-              <a:rPr lang="de-DE" dirty="0" err="1">
-                <a:solidFill>
-                  <a:schemeClr val="accent6">
-                    <a:lumMod val="50000"/>
-                  </a:schemeClr>
-                </a:solidFill>
-              </a:rPr>
-              <a:t>Methodological</a:t>
-            </a:r>
-            <a:r>
-              <a:rPr lang="de-DE" dirty="0">
-                <a:solidFill>
-                  <a:schemeClr val="accent6">
-                    <a:lumMod val="50000"/>
-                  </a:schemeClr>
-                </a:solidFill>
-              </a:rPr>
-              <a:t> </a:t>
-            </a:r>
-            <a:r>
-              <a:rPr lang="de-DE" dirty="0" smtClean="0">
-                <a:solidFill>
-                  <a:schemeClr val="accent6">
-                    <a:lumMod val="50000"/>
-                  </a:schemeClr>
-                </a:solidFill>
-              </a:rPr>
-              <a:t>Approach (II)</a:t>
-            </a:r>
-            <a:endParaRPr lang="de-CH" dirty="0"/>
-          </a:p>
-        </p:txBody>
-      </p:sp>
-      <p:sp>
-        <p:nvSpPr>
-          <p:cNvPr id="3" name="Inhaltsplatzhalter 2"/>
+              <a:rPr lang="en-CH" dirty="0"/>
+              <a:t>Experiments</a:t>
+            </a:r>
+          </a:p>
+        </p:txBody>
+      </p:sp>
+      <p:sp>
+        <p:nvSpPr>
+          <p:cNvPr id="3" name="Inhaltsplatzhalter 2">
+            <a:extLst>
+              <a:ext uri="{FF2B5EF4-FFF2-40B4-BE49-F238E27FC236}">
+                <a16:creationId xmlns:a16="http://schemas.microsoft.com/office/drawing/2014/main" id="{B69C2B7C-3D98-4E79-9596-1F461847F2E5}"/>
+              </a:ext>
+            </a:extLst>
+          </p:cNvPr>
           <p:cNvSpPr>
             <a:spLocks noGrp="1"/>
           </p:cNvSpPr>
@@ -7081,229 +4601,26 @@
             <p:ph idx="1"/>
           </p:nvPr>
         </p:nvSpPr>
-        <p:spPr>
-          <a:xfrm>
-            <a:off x="571500" y="1643063"/>
-            <a:ext cx="8343900" cy="4498975"/>
-          </a:xfrm>
-        </p:spPr>
+        <p:spPr/>
         <p:txBody>
           <a:bodyPr/>
           <a:lstStyle/>
           <a:p>
-            <a:r>
-              <a:rPr lang="de-CH" u="sng" dirty="0" err="1" smtClean="0"/>
-              <a:t>Procedure</a:t>
-            </a:r>
-            <a:r>
-              <a:rPr lang="de-CH" u="sng" dirty="0" smtClean="0"/>
-              <a:t>:</a:t>
-            </a:r>
-          </a:p>
-          <a:p>
-            <a:pPr lvl="1"/>
-            <a:r>
-              <a:rPr lang="en-US" dirty="0"/>
-              <a:t>Interview with athletes, coach, physiotherapist, referee</a:t>
-            </a:r>
-          </a:p>
-          <a:p>
-            <a:pPr lvl="1"/>
-            <a:r>
-              <a:rPr lang="en-US" dirty="0"/>
-              <a:t>Observation of player behavior during training or game</a:t>
-            </a:r>
-          </a:p>
-          <a:p>
-            <a:pPr lvl="1"/>
-            <a:r>
-              <a:rPr lang="en-US" dirty="0"/>
-              <a:t>Our research question can be analyzed by interviewing the coach </a:t>
-            </a:r>
-            <a:r>
-              <a:rPr lang="en-US" dirty="0" smtClean="0"/>
-              <a:t>and </a:t>
-            </a:r>
-            <a:r>
-              <a:rPr lang="en-US" dirty="0"/>
-              <a:t>observation of a training</a:t>
-            </a:r>
-          </a:p>
-          <a:p>
-            <a:pPr lvl="1"/>
-            <a:r>
-              <a:rPr lang="en-US" dirty="0"/>
-              <a:t>Accessibility of coach and </a:t>
-            </a:r>
-            <a:r>
-              <a:rPr lang="en-US" dirty="0" smtClean="0"/>
-              <a:t>training</a:t>
-            </a:r>
-            <a:endParaRPr lang="de-CH" u="sng" dirty="0" smtClean="0"/>
-          </a:p>
-          <a:p>
-            <a:r>
-              <a:rPr lang="de-CH" u="sng" dirty="0" err="1" smtClean="0"/>
-              <a:t>Execution</a:t>
-            </a:r>
-            <a:r>
-              <a:rPr lang="de-CH" u="sng" dirty="0" smtClean="0"/>
-              <a:t>:</a:t>
-            </a:r>
-          </a:p>
-          <a:p>
-            <a:pPr lvl="1"/>
-            <a:r>
-              <a:rPr lang="de-CH" dirty="0" smtClean="0"/>
-              <a:t>Interview on March 28, </a:t>
-            </a:r>
-            <a:r>
-              <a:rPr lang="de-CH" dirty="0" err="1" smtClean="0"/>
-              <a:t>before</a:t>
-            </a:r>
-            <a:r>
-              <a:rPr lang="de-CH" dirty="0" smtClean="0"/>
-              <a:t> </a:t>
-            </a:r>
-            <a:r>
-              <a:rPr lang="de-CH" dirty="0" err="1" smtClean="0"/>
-              <a:t>training</a:t>
-            </a:r>
-            <a:r>
-              <a:rPr lang="de-CH" dirty="0" smtClean="0"/>
-              <a:t>, </a:t>
-            </a:r>
-            <a:r>
-              <a:rPr lang="en-US" dirty="0"/>
-              <a:t>audio-recording and transcription</a:t>
-            </a:r>
-            <a:endParaRPr lang="de-CH" dirty="0" smtClean="0"/>
-          </a:p>
-          <a:p>
-            <a:pPr lvl="1"/>
-            <a:r>
-              <a:rPr lang="de-CH" dirty="0" smtClean="0"/>
-              <a:t>Observation of a </a:t>
-            </a:r>
-            <a:r>
-              <a:rPr lang="de-CH" dirty="0" err="1" smtClean="0"/>
-              <a:t>whole</a:t>
-            </a:r>
-            <a:r>
-              <a:rPr lang="de-CH" dirty="0" smtClean="0"/>
-              <a:t> </a:t>
-            </a:r>
-            <a:r>
-              <a:rPr lang="de-CH" dirty="0" err="1" smtClean="0"/>
-              <a:t>training</a:t>
-            </a:r>
-            <a:r>
-              <a:rPr lang="de-CH" dirty="0" smtClean="0"/>
-              <a:t> </a:t>
-            </a:r>
-            <a:r>
-              <a:rPr lang="de-CH" dirty="0" err="1" smtClean="0"/>
-              <a:t>session</a:t>
-            </a:r>
-            <a:r>
-              <a:rPr lang="de-CH" dirty="0" smtClean="0"/>
-              <a:t>, </a:t>
-            </a:r>
-            <a:r>
-              <a:rPr lang="en-US" dirty="0" err="1" smtClean="0"/>
-              <a:t>fieldnotes</a:t>
-            </a:r>
-            <a:endParaRPr lang="de-CH" dirty="0" smtClean="0"/>
-          </a:p>
-          <a:p>
-            <a:r>
-              <a:rPr lang="de-CH" u="sng" dirty="0" smtClean="0"/>
-              <a:t>Analysis: </a:t>
-            </a:r>
-          </a:p>
-          <a:p>
-            <a:pPr lvl="1"/>
-            <a:r>
-              <a:rPr lang="de-CH" dirty="0" err="1" smtClean="0"/>
-              <a:t>Grounded</a:t>
-            </a:r>
-            <a:r>
-              <a:rPr lang="de-CH" dirty="0" smtClean="0"/>
-              <a:t> </a:t>
-            </a:r>
-            <a:r>
-              <a:rPr lang="de-CH" dirty="0" err="1" smtClean="0"/>
-              <a:t>Theory</a:t>
-            </a:r>
-            <a:r>
-              <a:rPr lang="de-CH" dirty="0" smtClean="0"/>
-              <a:t> </a:t>
-            </a:r>
-            <a:r>
-              <a:rPr lang="de-CH" dirty="0" smtClean="0">
-                <a:solidFill>
-                  <a:srgbClr val="FF0000"/>
-                </a:solidFill>
-              </a:rPr>
-              <a:t>(Glaser &amp; Strauss, 1998)</a:t>
-            </a:r>
-            <a:endParaRPr lang="de-CH" dirty="0">
-              <a:solidFill>
-                <a:srgbClr val="FF0000"/>
-              </a:solidFill>
-            </a:endParaRPr>
-          </a:p>
-          <a:p>
-            <a:pPr lvl="1"/>
-            <a:r>
-              <a:rPr lang="de-CH" dirty="0" smtClean="0"/>
-              <a:t>Content Analysis </a:t>
-            </a:r>
-            <a:r>
-              <a:rPr lang="de-CH" dirty="0" smtClean="0">
-                <a:solidFill>
-                  <a:srgbClr val="FF0000"/>
-                </a:solidFill>
-              </a:rPr>
-              <a:t>(</a:t>
-            </a:r>
-            <a:r>
-              <a:rPr lang="de-CH" dirty="0" err="1" smtClean="0">
-                <a:solidFill>
-                  <a:srgbClr val="FF0000"/>
-                </a:solidFill>
-              </a:rPr>
-              <a:t>Mayring</a:t>
-            </a:r>
-            <a:r>
-              <a:rPr lang="de-CH" dirty="0" smtClean="0">
-                <a:solidFill>
-                  <a:srgbClr val="FF0000"/>
-                </a:solidFill>
-              </a:rPr>
-              <a:t>, 2000)</a:t>
-            </a:r>
-            <a:endParaRPr lang="de-CH" dirty="0">
-              <a:solidFill>
-                <a:srgbClr val="FF0000"/>
-              </a:solidFill>
-            </a:endParaRPr>
+            <a:endParaRPr lang="en-CH"/>
           </a:p>
         </p:txBody>
       </p:sp>
     </p:spTree>
+    <p:extLst>
+      <p:ext uri="{BB962C8B-B14F-4D97-AF65-F5344CB8AC3E}">
+        <p14:creationId xmlns:p14="http://schemas.microsoft.com/office/powerpoint/2010/main" val="3507416003"/>
+      </p:ext>
+    </p:extLst>
   </p:cSld>
   <p:clrMapOvr>
     <a:masterClrMapping/>
   </p:clrMapOvr>
   <p:transition/>
-  <p:timing>
-    <p:tnLst>
-      <p:par>
-        <p:cTn id="1" dur="indefinite" restart="never" nodeType="tmRoot"/>
-      </p:par>
-    </p:tnLst>
-  </p:timing>
 </p:sld>
 </file>
 
@@ -7326,7 +4643,13 @@
       </p:grpSpPr>
       <p:sp>
         <p:nvSpPr>
-          <p:cNvPr id="2" name="Titel 1"/>
+          <p:cNvPr id="2" name="Titel 1">
+            <a:extLst>
+              <a:ext uri="{FF2B5EF4-FFF2-40B4-BE49-F238E27FC236}">
+                <a16:creationId xmlns:a16="http://schemas.microsoft.com/office/drawing/2014/main" id="{74E4D61F-5C65-40A5-84A0-6D89BF4A6F60}"/>
+              </a:ext>
+            </a:extLst>
+          </p:cNvPr>
           <p:cNvSpPr>
             <a:spLocks noGrp="1"/>
           </p:cNvSpPr>
@@ -7340,42 +4663,41 @@
           <a:lstStyle/>
           <a:p>
             <a:r>
-              <a:rPr lang="de-DE" dirty="0" err="1" smtClean="0">
-                <a:solidFill>
-                  <a:schemeClr val="accent6">
-                    <a:lumMod val="50000"/>
-                  </a:schemeClr>
-                </a:solidFill>
-              </a:rPr>
-              <a:t>Findings</a:t>
-            </a:r>
-            <a:r>
-              <a:rPr lang="de-DE" dirty="0" smtClean="0">
-                <a:solidFill>
-                  <a:schemeClr val="accent6">
-                    <a:lumMod val="50000"/>
-                  </a:schemeClr>
-                </a:solidFill>
-              </a:rPr>
-              <a:t> (</a:t>
-            </a:r>
-            <a:r>
-              <a:rPr lang="de-DE" dirty="0" smtClean="0">
-                <a:solidFill>
-                  <a:schemeClr val="accent6">
-                    <a:lumMod val="50000"/>
-                  </a:schemeClr>
-                </a:solidFill>
-              </a:rPr>
-              <a:t>I)</a:t>
-            </a:r>
-            <a:endParaRPr lang="de-CH" dirty="0"/>
-          </a:p>
-        </p:txBody>
-      </p:sp>
-      <p:sp>
-        <p:nvSpPr>
-          <p:cNvPr id="3" name="Inhaltsplatzhalter 2"/>
+              <a:rPr lang="de-DE" dirty="0"/>
+              <a:t>R</a:t>
+            </a:r>
+            <a:r>
+              <a:rPr lang="en-CH" dirty="0"/>
+              <a:t>e</a:t>
+            </a:r>
+            <a:r>
+              <a:rPr lang="de-DE" dirty="0"/>
+              <a:t>s</a:t>
+            </a:r>
+            <a:r>
+              <a:rPr lang="en-CH" dirty="0"/>
+              <a:t>ul</a:t>
+            </a:r>
+            <a:r>
+              <a:rPr lang="de-DE" dirty="0"/>
+              <a:t>t</a:t>
+            </a:r>
+            <a:r>
+              <a:rPr lang="en-CH" dirty="0"/>
+              <a:t>s</a:t>
+            </a:r>
+          </a:p>
+        </p:txBody>
+      </p:sp>
+      <p:sp>
+        <p:nvSpPr>
+          <p:cNvPr id="3" name="Inhaltsplatzhalter 2">
+            <a:extLst>
+              <a:ext uri="{FF2B5EF4-FFF2-40B4-BE49-F238E27FC236}">
+                <a16:creationId xmlns:a16="http://schemas.microsoft.com/office/drawing/2014/main" id="{2F5978FF-506B-47D1-B63F-1933845FF4DD}"/>
+              </a:ext>
+            </a:extLst>
+          </p:cNvPr>
           <p:cNvSpPr>
             <a:spLocks noGrp="1"/>
           </p:cNvSpPr>
@@ -7383,184 +4705,19 @@
             <p:ph idx="1"/>
           </p:nvPr>
         </p:nvSpPr>
-        <p:spPr>
-          <a:xfrm>
-            <a:off x="571500" y="1643063"/>
-            <a:ext cx="8343900" cy="4498975"/>
-          </a:xfrm>
-        </p:spPr>
+        <p:spPr/>
         <p:txBody>
           <a:bodyPr/>
           <a:lstStyle/>
           <a:p>
-            <a:r>
-              <a:rPr lang="en-US" b="1" dirty="0" smtClean="0"/>
-              <a:t>Player </a:t>
-            </a:r>
-            <a:r>
-              <a:rPr lang="en-US" b="1" dirty="0"/>
-              <a:t>in center (individual responsibility)</a:t>
-            </a:r>
-            <a:endParaRPr lang="de-CH" dirty="0"/>
-          </a:p>
-          <a:p>
-            <a:pPr lvl="1"/>
-            <a:r>
-              <a:rPr lang="de-CH" b="1" dirty="0"/>
-              <a:t>a) </a:t>
-            </a:r>
-            <a:r>
-              <a:rPr lang="de-CH" b="1" dirty="0" err="1" smtClean="0"/>
-              <a:t>Questionnaire</a:t>
-            </a:r>
-            <a:r>
-              <a:rPr lang="de-CH" b="1" dirty="0" smtClean="0"/>
-              <a:t> (</a:t>
-            </a:r>
-            <a:r>
-              <a:rPr lang="de-CH" b="1" dirty="0" err="1" smtClean="0"/>
-              <a:t>feedback</a:t>
-            </a:r>
-            <a:r>
-              <a:rPr lang="de-CH" b="1" dirty="0" smtClean="0"/>
-              <a:t> </a:t>
-            </a:r>
-            <a:r>
-              <a:rPr lang="de-CH" b="1" dirty="0" err="1" smtClean="0"/>
-              <a:t>app</a:t>
-            </a:r>
-            <a:r>
-              <a:rPr lang="de-CH" b="1" dirty="0" smtClean="0"/>
-              <a:t>)</a:t>
-            </a:r>
-            <a:endParaRPr lang="de-CH" dirty="0"/>
-          </a:p>
-          <a:p>
-            <a:pPr marL="457200" lvl="1" indent="0">
-              <a:buNone/>
-            </a:pPr>
-            <a:r>
-              <a:rPr lang="de-CH" dirty="0" smtClean="0"/>
-              <a:t>	“</a:t>
-            </a:r>
-            <a:r>
-              <a:rPr lang="de-CH" dirty="0"/>
-              <a:t>wie sie sich fühlen und ähm, wenn wir merken, dass ein Spieler </a:t>
-            </a:r>
-            <a:r>
-              <a:rPr lang="de-CH" dirty="0" smtClean="0"/>
-              <a:t>	im </a:t>
-            </a:r>
-            <a:r>
-              <a:rPr lang="de-CH" dirty="0"/>
-              <a:t>Übertraining ist, also die müssen so Fragebogen ausfüllen,”</a:t>
-            </a:r>
-          </a:p>
-          <a:p>
-            <a:pPr lvl="1"/>
-            <a:r>
-              <a:rPr lang="de-CH" b="1" dirty="0"/>
-              <a:t>b) Individual </a:t>
-            </a:r>
-            <a:r>
-              <a:rPr lang="de-CH" b="1" dirty="0" err="1"/>
-              <a:t>strength</a:t>
-            </a:r>
-            <a:r>
-              <a:rPr lang="de-CH" b="1" dirty="0"/>
-              <a:t> </a:t>
-            </a:r>
-            <a:r>
-              <a:rPr lang="de-CH" b="1" dirty="0" err="1"/>
-              <a:t>training</a:t>
-            </a:r>
-            <a:endParaRPr lang="de-CH" dirty="0"/>
-          </a:p>
-          <a:p>
-            <a:pPr marL="457200" lvl="1" indent="0">
-              <a:buNone/>
-            </a:pPr>
-            <a:r>
-              <a:rPr lang="de-CH" dirty="0" smtClean="0"/>
-              <a:t>	“</a:t>
-            </a:r>
-            <a:r>
-              <a:rPr lang="de-CH" dirty="0"/>
-              <a:t>plus dass die Spieler ja individuell noch die Kraftsequenzen ein </a:t>
-            </a:r>
-            <a:r>
-              <a:rPr lang="de-CH" dirty="0" smtClean="0"/>
-              <a:t>	bis </a:t>
-            </a:r>
-            <a:r>
-              <a:rPr lang="de-CH" dirty="0"/>
-              <a:t>drei Mal pro Woche machen”</a:t>
-            </a:r>
-          </a:p>
-          <a:p>
-            <a:pPr lvl="1"/>
-            <a:r>
-              <a:rPr lang="de-CH" b="1" dirty="0"/>
-              <a:t>c) </a:t>
-            </a:r>
-            <a:r>
-              <a:rPr lang="de-CH" b="1" dirty="0" err="1"/>
-              <a:t>Moving</a:t>
-            </a:r>
-            <a:r>
-              <a:rPr lang="de-CH" b="1" dirty="0"/>
-              <a:t> </a:t>
-            </a:r>
-            <a:r>
-              <a:rPr lang="de-CH" b="1" dirty="0" err="1"/>
-              <a:t>preps</a:t>
-            </a:r>
-            <a:r>
-              <a:rPr lang="de-CH" b="1" dirty="0"/>
-              <a:t>, warm </a:t>
-            </a:r>
-            <a:r>
-              <a:rPr lang="de-CH" b="1" dirty="0" err="1"/>
-              <a:t>up</a:t>
-            </a:r>
-            <a:endParaRPr lang="de-CH" dirty="0"/>
-          </a:p>
-          <a:p>
-            <a:pPr lvl="1"/>
-            <a:r>
-              <a:rPr lang="de-CH" b="1" dirty="0" smtClean="0"/>
-              <a:t>d</a:t>
-            </a:r>
-            <a:r>
-              <a:rPr lang="de-CH" b="1" dirty="0"/>
-              <a:t>) Regeneration</a:t>
-            </a:r>
-            <a:endParaRPr lang="de-CH" dirty="0"/>
-          </a:p>
-          <a:p>
-            <a:pPr lvl="1"/>
-            <a:r>
-              <a:rPr lang="de-CH" b="1" dirty="0" smtClean="0"/>
-              <a:t>e</a:t>
-            </a:r>
-            <a:r>
-              <a:rPr lang="de-CH" b="1" dirty="0"/>
-              <a:t>) Psyche</a:t>
-            </a:r>
-            <a:endParaRPr lang="de-CH" dirty="0"/>
-          </a:p>
-          <a:p>
-            <a:pPr marL="0" indent="0">
-              <a:buNone/>
-            </a:pPr>
-            <a:endParaRPr lang="de-CH" dirty="0"/>
+            <a:endParaRPr lang="en-CH"/>
           </a:p>
         </p:txBody>
       </p:sp>
     </p:spTree>
     <p:extLst>
       <p:ext uri="{BB962C8B-B14F-4D97-AF65-F5344CB8AC3E}">
-        <p14:creationId xmlns:p14="http://schemas.microsoft.com/office/powerpoint/2010/main" val="2423931558"/>
+        <p14:creationId xmlns:p14="http://schemas.microsoft.com/office/powerpoint/2010/main" val="944036630"/>
       </p:ext>
     </p:extLst>
   </p:cSld>
@@ -7568,13 +4725,6 @@
     <a:masterClrMapping/>
   </p:clrMapOvr>
   <p:transition/>
-  <p:timing>
-    <p:tnLst>
-      <p:par>
-        <p:cTn id="1" dur="indefinite" restart="never" nodeType="tmRoot"/>
-      </p:par>
-    </p:tnLst>
-  </p:timing>
 </p:sld>
 </file>
 
@@ -7597,7 +4747,13 @@
       </p:grpSpPr>
       <p:sp>
         <p:nvSpPr>
-          <p:cNvPr id="2" name="Titel 1"/>
+          <p:cNvPr id="2" name="Titel 1">
+            <a:extLst>
+              <a:ext uri="{FF2B5EF4-FFF2-40B4-BE49-F238E27FC236}">
+                <a16:creationId xmlns:a16="http://schemas.microsoft.com/office/drawing/2014/main" id="{07D38A1E-BB55-4947-865D-C71C8EF3BB26}"/>
+              </a:ext>
+            </a:extLst>
+          </p:cNvPr>
           <p:cNvSpPr>
             <a:spLocks noGrp="1"/>
           </p:cNvSpPr>
@@ -7611,52 +4767,57 @@
           <a:lstStyle/>
           <a:p>
             <a:r>
-              <a:rPr lang="de-DE" dirty="0" err="1" smtClean="0">
-                <a:solidFill>
-                  <a:schemeClr val="accent6">
-                    <a:lumMod val="50000"/>
-                  </a:schemeClr>
-                </a:solidFill>
-              </a:rPr>
-              <a:t>Findings</a:t>
-            </a:r>
-            <a:r>
-              <a:rPr lang="de-DE" dirty="0" smtClean="0">
-                <a:solidFill>
-                  <a:schemeClr val="accent6">
-                    <a:lumMod val="50000"/>
-                  </a:schemeClr>
-                </a:solidFill>
-              </a:rPr>
-              <a:t> </a:t>
-            </a:r>
-            <a:r>
-              <a:rPr lang="de-DE" dirty="0" smtClean="0">
-                <a:solidFill>
-                  <a:schemeClr val="accent6">
-                    <a:lumMod val="50000"/>
-                  </a:schemeClr>
-                </a:solidFill>
-              </a:rPr>
-              <a:t>(II</a:t>
-            </a:r>
-            <a:r>
-              <a:rPr lang="de-DE" dirty="0" smtClean="0">
-                <a:solidFill>
-                  <a:schemeClr val="accent6">
-                    <a:lumMod val="50000"/>
-                  </a:schemeClr>
-                </a:solidFill>
-              </a:rPr>
-              <a:t>)</a:t>
-            </a:r>
-            <a:endParaRPr lang="de-CH" dirty="0"/>
-          </a:p>
-        </p:txBody>
-      </p:sp>
-      <p:sp>
-        <p:nvSpPr>
-          <p:cNvPr id="3" name="Inhaltsplatzhalter 2"/>
+              <a:rPr lang="de-DE" dirty="0"/>
+              <a:t>D</a:t>
+            </a:r>
+            <a:r>
+              <a:rPr lang="en-CH" dirty="0" err="1"/>
+              <a:t>i</a:t>
+            </a:r>
+            <a:r>
+              <a:rPr lang="de-DE" dirty="0"/>
+              <a:t>s</a:t>
+            </a:r>
+            <a:r>
+              <a:rPr lang="en-CH" dirty="0"/>
+              <a:t>c</a:t>
+            </a:r>
+            <a:r>
+              <a:rPr lang="de-DE" dirty="0"/>
+              <a:t>u</a:t>
+            </a:r>
+            <a:r>
+              <a:rPr lang="en-CH" dirty="0"/>
+              <a:t>s</a:t>
+            </a:r>
+            <a:r>
+              <a:rPr lang="de-DE" dirty="0"/>
+              <a:t>s</a:t>
+            </a:r>
+            <a:r>
+              <a:rPr lang="en-CH" dirty="0" err="1"/>
+              <a:t>i</a:t>
+            </a:r>
+            <a:r>
+              <a:rPr lang="de-DE" dirty="0"/>
+              <a:t>o</a:t>
+            </a:r>
+            <a:r>
+              <a:rPr lang="en-CH" dirty="0"/>
+              <a:t>n</a:t>
+            </a:r>
+          </a:p>
+        </p:txBody>
+      </p:sp>
+      <p:sp>
+        <p:nvSpPr>
+          <p:cNvPr id="3" name="Inhaltsplatzhalter 2">
+            <a:extLst>
+              <a:ext uri="{FF2B5EF4-FFF2-40B4-BE49-F238E27FC236}">
+                <a16:creationId xmlns:a16="http://schemas.microsoft.com/office/drawing/2014/main" id="{DFF3E2C9-D103-4509-9DB0-97AD3FBEE091}"/>
+              </a:ext>
+            </a:extLst>
+          </p:cNvPr>
           <p:cNvSpPr>
             <a:spLocks noGrp="1"/>
           </p:cNvSpPr>
@@ -7664,149 +4825,19 @@
             <p:ph idx="1"/>
           </p:nvPr>
         </p:nvSpPr>
-        <p:spPr>
-          <a:xfrm>
-            <a:off x="571500" y="1643063"/>
-            <a:ext cx="8343900" cy="4498975"/>
-          </a:xfrm>
-        </p:spPr>
+        <p:spPr/>
         <p:txBody>
           <a:bodyPr/>
           <a:lstStyle/>
           <a:p>
-            <a:r>
-              <a:rPr lang="en-US" b="1" dirty="0" smtClean="0"/>
-              <a:t>Prevention </a:t>
-            </a:r>
-            <a:r>
-              <a:rPr lang="en-US" b="1" dirty="0"/>
-              <a:t>of  injuries</a:t>
-            </a:r>
-            <a:endParaRPr lang="de-CH" dirty="0"/>
-          </a:p>
-          <a:p>
-            <a:pPr lvl="1"/>
-            <a:r>
-              <a:rPr lang="en-US" sz="1800" b="1" dirty="0"/>
-              <a:t>a) Warm up, moving preps </a:t>
-            </a:r>
-            <a:endParaRPr lang="de-CH" sz="1800" dirty="0"/>
-          </a:p>
-          <a:p>
-            <a:pPr lvl="1"/>
-            <a:r>
-              <a:rPr lang="de-CH" sz="1800" b="1" dirty="0" smtClean="0"/>
-              <a:t>b) Regeneration</a:t>
-            </a:r>
-            <a:endParaRPr lang="de-CH" sz="1800" dirty="0"/>
-          </a:p>
-          <a:p>
-            <a:r>
-              <a:rPr lang="en-US" b="1" dirty="0" smtClean="0"/>
-              <a:t>Different </a:t>
-            </a:r>
-            <a:r>
-              <a:rPr lang="en-US" b="1" dirty="0"/>
-              <a:t>kinds of injuries</a:t>
-            </a:r>
-            <a:endParaRPr lang="de-CH" dirty="0"/>
-          </a:p>
-          <a:p>
-            <a:pPr lvl="1"/>
-            <a:r>
-              <a:rPr lang="en-US" sz="1800" b="1" dirty="0"/>
-              <a:t>a) Ball, stick </a:t>
-            </a:r>
-            <a:r>
-              <a:rPr lang="en-US" sz="1800" b="1" dirty="0" smtClean="0"/>
-              <a:t>induced</a:t>
-            </a:r>
-            <a:endParaRPr lang="de-CH" sz="1800" dirty="0"/>
-          </a:p>
-          <a:p>
-            <a:pPr lvl="1"/>
-            <a:r>
-              <a:rPr lang="en-US" sz="1800" b="1" dirty="0" smtClean="0"/>
-              <a:t>b</a:t>
-            </a:r>
-            <a:r>
-              <a:rPr lang="en-US" sz="1800" b="1" dirty="0"/>
-              <a:t>) Injuries of teeth, eyes, knee, </a:t>
-            </a:r>
-            <a:r>
-              <a:rPr lang="en-US" sz="1800" b="1" dirty="0" smtClean="0"/>
-              <a:t>ligaments</a:t>
-            </a:r>
-            <a:endParaRPr lang="de-CH" sz="1800" dirty="0"/>
-          </a:p>
-          <a:p>
-            <a:pPr lvl="1"/>
-            <a:r>
-              <a:rPr lang="de-CH" sz="1800" b="1" dirty="0" smtClean="0"/>
-              <a:t>c</a:t>
-            </a:r>
-            <a:r>
-              <a:rPr lang="de-CH" sz="1800" b="1" dirty="0"/>
-              <a:t>) </a:t>
-            </a:r>
-            <a:r>
-              <a:rPr lang="de-CH" sz="1800" b="1" dirty="0" err="1"/>
-              <a:t>Caused</a:t>
-            </a:r>
-            <a:r>
-              <a:rPr lang="de-CH" sz="1800" b="1" dirty="0"/>
-              <a:t> by </a:t>
-            </a:r>
-            <a:r>
-              <a:rPr lang="de-CH" sz="1800" b="1" dirty="0" err="1" smtClean="0"/>
-              <a:t>overtraining</a:t>
-            </a:r>
-            <a:endParaRPr lang="de-CH" sz="1800" b="1" dirty="0" smtClean="0"/>
-          </a:p>
-          <a:p>
-            <a:pPr lvl="1"/>
-            <a:endParaRPr lang="de-CH" sz="1800" b="1" dirty="0"/>
-          </a:p>
-          <a:p>
-            <a:r>
-              <a:rPr lang="de-CH" b="1" dirty="0" smtClean="0"/>
-              <a:t>Observation:</a:t>
-            </a:r>
-          </a:p>
-          <a:p>
-            <a:pPr lvl="1"/>
-            <a:r>
-              <a:rPr lang="de-CH" dirty="0" err="1" smtClean="0"/>
-              <a:t>Autonomy</a:t>
-            </a:r>
-            <a:r>
-              <a:rPr lang="de-CH" dirty="0" smtClean="0"/>
-              <a:t> </a:t>
-            </a:r>
-            <a:r>
-              <a:rPr lang="de-CH" dirty="0" err="1" smtClean="0"/>
-              <a:t>realized</a:t>
-            </a:r>
-            <a:r>
-              <a:rPr lang="de-CH" dirty="0" smtClean="0"/>
-              <a:t> </a:t>
-            </a:r>
-            <a:r>
-              <a:rPr lang="de-CH" dirty="0" err="1" smtClean="0"/>
-              <a:t>differently</a:t>
-            </a:r>
-            <a:endParaRPr lang="de-CH" dirty="0" smtClean="0"/>
-          </a:p>
-          <a:p>
-            <a:pPr lvl="1"/>
-            <a:endParaRPr lang="de-CH" dirty="0"/>
+            <a:endParaRPr lang="en-CH"/>
           </a:p>
         </p:txBody>
       </p:sp>
     </p:spTree>
     <p:extLst>
       <p:ext uri="{BB962C8B-B14F-4D97-AF65-F5344CB8AC3E}">
-        <p14:creationId xmlns:p14="http://schemas.microsoft.com/office/powerpoint/2010/main" val="3806834974"/>
+        <p14:creationId xmlns:p14="http://schemas.microsoft.com/office/powerpoint/2010/main" val="890009231"/>
       </p:ext>
     </p:extLst>
   </p:cSld>
@@ -7814,13 +4845,6 @@
     <a:masterClrMapping/>
   </p:clrMapOvr>
   <p:transition/>
-  <p:timing>
-    <p:tnLst>
-      <p:par>
-        <p:cTn id="1" dur="indefinite" restart="never" nodeType="tmRoot"/>
-      </p:par>
-    </p:tnLst>
-  </p:timing>
 </p:sld>
 </file>
 
@@ -7843,7 +4867,13 @@
       </p:grpSpPr>
       <p:sp>
         <p:nvSpPr>
-          <p:cNvPr id="2" name="Titel 1"/>
+          <p:cNvPr id="2" name="Titel 1">
+            <a:extLst>
+              <a:ext uri="{FF2B5EF4-FFF2-40B4-BE49-F238E27FC236}">
+                <a16:creationId xmlns:a16="http://schemas.microsoft.com/office/drawing/2014/main" id="{C7DE00CA-1917-462B-A35B-4E3CB85717DD}"/>
+              </a:ext>
+            </a:extLst>
+          </p:cNvPr>
           <p:cNvSpPr>
             <a:spLocks noGrp="1"/>
           </p:cNvSpPr>
@@ -7857,28 +4887,57 @@
           <a:lstStyle/>
           <a:p>
             <a:r>
-              <a:rPr lang="de-DE" dirty="0" err="1" smtClean="0">
-                <a:solidFill>
-                  <a:schemeClr val="accent6">
-                    <a:lumMod val="50000"/>
-                  </a:schemeClr>
-                </a:solidFill>
-              </a:rPr>
-              <a:t>Discussion</a:t>
-            </a:r>
-            <a:endParaRPr lang="de-DE" dirty="0" smtClean="0">
-              <a:solidFill>
-                <a:schemeClr val="accent6">
-                  <a:lumMod val="50000"/>
-                </a:schemeClr>
-              </a:solidFill>
-            </a:endParaRPr>
-          </a:p>
-        </p:txBody>
-      </p:sp>
-      <p:sp>
-        <p:nvSpPr>
-          <p:cNvPr id="3" name="Inhaltsplatzhalter 2"/>
+              <a:rPr lang="de-DE" dirty="0"/>
+              <a:t>C</a:t>
+            </a:r>
+            <a:r>
+              <a:rPr lang="en-CH" dirty="0"/>
+              <a:t>o</a:t>
+            </a:r>
+            <a:r>
+              <a:rPr lang="de-DE" dirty="0"/>
+              <a:t>n</a:t>
+            </a:r>
+            <a:r>
+              <a:rPr lang="en-CH" dirty="0"/>
+              <a:t>c</a:t>
+            </a:r>
+            <a:r>
+              <a:rPr lang="de-DE" dirty="0"/>
+              <a:t>l</a:t>
+            </a:r>
+            <a:r>
+              <a:rPr lang="en-CH" dirty="0"/>
+              <a:t>u</a:t>
+            </a:r>
+            <a:r>
+              <a:rPr lang="de-DE" dirty="0"/>
+              <a:t>s</a:t>
+            </a:r>
+            <a:r>
+              <a:rPr lang="en-CH" dirty="0" err="1"/>
+              <a:t>i</a:t>
+            </a:r>
+            <a:r>
+              <a:rPr lang="de-DE" dirty="0"/>
+              <a:t>o</a:t>
+            </a:r>
+            <a:r>
+              <a:rPr lang="en-CH" dirty="0"/>
+              <a:t>n</a:t>
+            </a:r>
+          </a:p>
+        </p:txBody>
+      </p:sp>
+      <p:sp>
+        <p:nvSpPr>
+          <p:cNvPr id="3" name="Inhaltsplatzhalter 2">
+            <a:extLst>
+              <a:ext uri="{FF2B5EF4-FFF2-40B4-BE49-F238E27FC236}">
+                <a16:creationId xmlns:a16="http://schemas.microsoft.com/office/drawing/2014/main" id="{B6C3DD57-8777-41BD-A442-F2BAFC750255}"/>
+              </a:ext>
+            </a:extLst>
+          </p:cNvPr>
           <p:cNvSpPr>
             <a:spLocks noGrp="1"/>
           </p:cNvSpPr>
@@ -7891,338 +4950,21 @@
           <a:bodyPr/>
           <a:lstStyle/>
           <a:p>
-            <a:r>
-              <a:rPr lang="de-DE" u="sng" dirty="0" smtClean="0"/>
-              <a:t>Summary of </a:t>
-            </a:r>
-            <a:r>
-              <a:rPr lang="de-DE" u="sng" dirty="0" err="1" smtClean="0"/>
-              <a:t>the</a:t>
-            </a:r>
-            <a:r>
-              <a:rPr lang="de-DE" u="sng" dirty="0" smtClean="0"/>
-              <a:t> </a:t>
-            </a:r>
-            <a:r>
-              <a:rPr lang="de-DE" u="sng" dirty="0" err="1" smtClean="0"/>
-              <a:t>findings</a:t>
-            </a:r>
-            <a:r>
-              <a:rPr lang="de-DE" dirty="0" smtClean="0"/>
-              <a:t>:</a:t>
-            </a:r>
-          </a:p>
-          <a:p>
-            <a:r>
-              <a:rPr lang="de-DE" dirty="0" smtClean="0"/>
-              <a:t>Core </a:t>
-            </a:r>
-            <a:r>
-              <a:rPr lang="de-DE" dirty="0" err="1" smtClean="0"/>
-              <a:t>Category</a:t>
-            </a:r>
-            <a:r>
-              <a:rPr lang="de-DE" dirty="0" smtClean="0"/>
-              <a:t>:</a:t>
-            </a:r>
-          </a:p>
-          <a:p>
-            <a:r>
-              <a:rPr lang="de-DE" b="1" dirty="0" err="1" smtClean="0"/>
-              <a:t>How</a:t>
-            </a:r>
-            <a:r>
-              <a:rPr lang="de-DE" b="1" dirty="0" smtClean="0"/>
-              <a:t> </a:t>
-            </a:r>
-            <a:r>
-              <a:rPr lang="de-DE" b="1" dirty="0" err="1" smtClean="0"/>
-              <a:t>can</a:t>
-            </a:r>
-            <a:r>
-              <a:rPr lang="de-DE" b="1" dirty="0" smtClean="0"/>
-              <a:t> </a:t>
-            </a:r>
-            <a:r>
-              <a:rPr lang="de-DE" b="1" dirty="0" err="1" smtClean="0"/>
-              <a:t>the</a:t>
-            </a:r>
-            <a:r>
-              <a:rPr lang="de-DE" b="1" dirty="0" smtClean="0"/>
-              <a:t> </a:t>
-            </a:r>
-            <a:r>
-              <a:rPr lang="de-DE" b="1" dirty="0" err="1" smtClean="0"/>
-              <a:t>player</a:t>
-            </a:r>
-            <a:r>
-              <a:rPr lang="de-DE" b="1" dirty="0" smtClean="0"/>
-              <a:t> </a:t>
-            </a:r>
-            <a:r>
-              <a:rPr lang="de-DE" b="1" dirty="0" err="1" smtClean="0"/>
-              <a:t>self-reliantly</a:t>
-            </a:r>
-            <a:r>
-              <a:rPr lang="de-DE" b="1" dirty="0" smtClean="0"/>
-              <a:t> </a:t>
-            </a:r>
-            <a:r>
-              <a:rPr lang="de-DE" b="1" dirty="0" err="1" smtClean="0"/>
-              <a:t>prevent</a:t>
-            </a:r>
-            <a:r>
-              <a:rPr lang="de-DE" b="1" dirty="0" smtClean="0"/>
-              <a:t> </a:t>
-            </a:r>
-            <a:r>
-              <a:rPr lang="de-DE" b="1" dirty="0" err="1" smtClean="0"/>
-              <a:t>injuries</a:t>
-            </a:r>
-            <a:r>
-              <a:rPr lang="de-DE" b="1" dirty="0" smtClean="0"/>
-              <a:t>?</a:t>
-            </a:r>
-          </a:p>
-          <a:p>
-            <a:pPr lvl="1"/>
-            <a:r>
-              <a:rPr lang="de-DE" dirty="0" err="1" smtClean="0"/>
-              <a:t>Autonomy</a:t>
-            </a:r>
-            <a:r>
-              <a:rPr lang="de-DE" dirty="0" smtClean="0"/>
-              <a:t> of </a:t>
-            </a:r>
-            <a:r>
-              <a:rPr lang="de-DE" dirty="0" err="1" smtClean="0"/>
-              <a:t>the</a:t>
-            </a:r>
-            <a:r>
-              <a:rPr lang="de-DE" dirty="0" smtClean="0"/>
-              <a:t> </a:t>
-            </a:r>
-            <a:r>
-              <a:rPr lang="de-DE" dirty="0" err="1" smtClean="0"/>
-              <a:t>player</a:t>
-            </a:r>
-            <a:endParaRPr lang="de-DE" dirty="0" smtClean="0"/>
-          </a:p>
-          <a:p>
-            <a:pPr lvl="1"/>
-            <a:r>
-              <a:rPr lang="de-DE" dirty="0" err="1" smtClean="0"/>
-              <a:t>Autonomy</a:t>
-            </a:r>
-            <a:r>
-              <a:rPr lang="de-DE" dirty="0" smtClean="0"/>
-              <a:t> </a:t>
-            </a:r>
-            <a:r>
-              <a:rPr lang="de-DE" dirty="0" err="1" smtClean="0"/>
-              <a:t>supporting</a:t>
-            </a:r>
-            <a:r>
-              <a:rPr lang="de-DE" dirty="0" smtClean="0"/>
-              <a:t> </a:t>
-            </a:r>
-            <a:r>
-              <a:rPr lang="de-DE" dirty="0" err="1" smtClean="0"/>
-              <a:t>leadership</a:t>
-            </a:r>
-            <a:r>
-              <a:rPr lang="de-DE" dirty="0" smtClean="0"/>
-              <a:t> style of </a:t>
-            </a:r>
-            <a:r>
-              <a:rPr lang="de-DE" dirty="0" err="1" smtClean="0"/>
-              <a:t>the</a:t>
-            </a:r>
-            <a:r>
-              <a:rPr lang="de-DE" dirty="0" smtClean="0"/>
-              <a:t> </a:t>
-            </a:r>
-            <a:r>
-              <a:rPr lang="de-DE" dirty="0" err="1" smtClean="0"/>
-              <a:t>coach</a:t>
-            </a:r>
-            <a:endParaRPr lang="de-DE" dirty="0" smtClean="0"/>
-          </a:p>
-          <a:p>
-            <a:pPr lvl="1"/>
-            <a:endParaRPr lang="de-DE" dirty="0" smtClean="0"/>
-          </a:p>
-          <a:p>
-            <a:r>
-              <a:rPr lang="de-DE" u="sng" dirty="0" err="1" smtClean="0"/>
-              <a:t>Reflection</a:t>
-            </a:r>
-            <a:r>
-              <a:rPr lang="de-DE" u="sng" dirty="0" smtClean="0"/>
-              <a:t> of </a:t>
-            </a:r>
-            <a:r>
-              <a:rPr lang="de-DE" u="sng" dirty="0" err="1" smtClean="0"/>
-              <a:t>the</a:t>
-            </a:r>
-            <a:r>
-              <a:rPr lang="de-DE" u="sng" dirty="0" smtClean="0"/>
-              <a:t> </a:t>
-            </a:r>
-            <a:r>
-              <a:rPr lang="de-DE" u="sng" dirty="0" err="1" smtClean="0"/>
-              <a:t>methods</a:t>
-            </a:r>
-            <a:r>
-              <a:rPr lang="de-DE" u="sng" dirty="0" smtClean="0"/>
-              <a:t> and </a:t>
-            </a:r>
-            <a:r>
-              <a:rPr lang="de-DE" u="sng" dirty="0" err="1" smtClean="0"/>
-              <a:t>procedure</a:t>
-            </a:r>
-            <a:r>
-              <a:rPr lang="de-DE" u="sng" dirty="0" smtClean="0"/>
-              <a:t>:</a:t>
-            </a:r>
-          </a:p>
-          <a:p>
-            <a:pPr lvl="1"/>
-            <a:r>
-              <a:rPr lang="de-DE" dirty="0" smtClean="0"/>
-              <a:t>Interview </a:t>
-            </a:r>
-            <a:r>
-              <a:rPr lang="de-DE" dirty="0" err="1" smtClean="0"/>
-              <a:t>provided</a:t>
-            </a:r>
-            <a:r>
-              <a:rPr lang="de-DE" dirty="0" smtClean="0"/>
-              <a:t> </a:t>
-            </a:r>
-            <a:r>
-              <a:rPr lang="de-DE" dirty="0" err="1" smtClean="0"/>
-              <a:t>good</a:t>
-            </a:r>
-            <a:r>
-              <a:rPr lang="de-DE" dirty="0" smtClean="0"/>
-              <a:t> </a:t>
-            </a:r>
-            <a:r>
-              <a:rPr lang="de-DE" dirty="0" err="1" smtClean="0"/>
-              <a:t>inputs</a:t>
-            </a:r>
-            <a:r>
-              <a:rPr lang="de-DE" dirty="0" smtClean="0"/>
-              <a:t> on </a:t>
-            </a:r>
-            <a:r>
-              <a:rPr lang="de-DE" dirty="0" err="1" smtClean="0"/>
-              <a:t>what</a:t>
-            </a:r>
-            <a:r>
-              <a:rPr lang="de-DE" dirty="0" smtClean="0"/>
-              <a:t> </a:t>
-            </a:r>
-            <a:r>
-              <a:rPr lang="de-DE" dirty="0" err="1" smtClean="0"/>
-              <a:t>to</a:t>
-            </a:r>
-            <a:r>
-              <a:rPr lang="de-DE" dirty="0" smtClean="0"/>
-              <a:t> </a:t>
-            </a:r>
-            <a:r>
-              <a:rPr lang="de-DE" dirty="0" err="1" smtClean="0"/>
-              <a:t>observe</a:t>
-            </a:r>
-            <a:endParaRPr lang="de-DE" dirty="0" smtClean="0"/>
-          </a:p>
-          <a:p>
-            <a:pPr lvl="1"/>
-            <a:r>
-              <a:rPr lang="de-DE" dirty="0" err="1" smtClean="0"/>
-              <a:t>Complete</a:t>
-            </a:r>
-            <a:r>
-              <a:rPr lang="de-DE" dirty="0" smtClean="0"/>
-              <a:t> </a:t>
-            </a:r>
-            <a:r>
-              <a:rPr lang="de-DE" dirty="0" err="1" smtClean="0"/>
-              <a:t>observer</a:t>
-            </a:r>
-            <a:r>
-              <a:rPr lang="de-DE" dirty="0" smtClean="0"/>
-              <a:t> </a:t>
-            </a:r>
-            <a:r>
-              <a:rPr lang="de-DE" dirty="0" err="1" smtClean="0"/>
-              <a:t>position</a:t>
-            </a:r>
-            <a:r>
-              <a:rPr lang="de-DE" dirty="0" smtClean="0"/>
-              <a:t> </a:t>
-            </a:r>
-            <a:r>
-              <a:rPr lang="de-DE" dirty="0" err="1" smtClean="0"/>
-              <a:t>did</a:t>
-            </a:r>
-            <a:r>
-              <a:rPr lang="de-DE" dirty="0" smtClean="0"/>
-              <a:t> not </a:t>
-            </a:r>
-            <a:r>
-              <a:rPr lang="de-DE" dirty="0" err="1" smtClean="0"/>
-              <a:t>interfere</a:t>
-            </a:r>
-            <a:r>
-              <a:rPr lang="de-DE" dirty="0" smtClean="0"/>
-              <a:t> </a:t>
-            </a:r>
-            <a:r>
-              <a:rPr lang="de-DE" dirty="0" err="1" smtClean="0"/>
-              <a:t>with</a:t>
-            </a:r>
-            <a:r>
-              <a:rPr lang="de-DE" dirty="0" smtClean="0"/>
-              <a:t> </a:t>
-            </a:r>
-            <a:r>
-              <a:rPr lang="de-DE" dirty="0" err="1" smtClean="0"/>
-              <a:t>training</a:t>
-            </a:r>
-            <a:endParaRPr lang="de-DE" dirty="0" smtClean="0"/>
-          </a:p>
-          <a:p>
-            <a:pPr marL="457200" lvl="1" indent="0">
-              <a:buNone/>
-            </a:pPr>
-            <a:endParaRPr lang="de-DE" dirty="0" smtClean="0"/>
-          </a:p>
-          <a:p>
-            <a:pPr lvl="1"/>
-            <a:endParaRPr lang="de-DE" dirty="0" smtClean="0"/>
-          </a:p>
-          <a:p>
-            <a:pPr lvl="1"/>
-            <a:endParaRPr lang="de-DE" dirty="0"/>
+            <a:endParaRPr lang="en-CH"/>
           </a:p>
         </p:txBody>
       </p:sp>
     </p:spTree>
+    <p:extLst>
+      <p:ext uri="{BB962C8B-B14F-4D97-AF65-F5344CB8AC3E}">
+        <p14:creationId xmlns:p14="http://schemas.microsoft.com/office/powerpoint/2010/main" val="2291502274"/>
+      </p:ext>
+    </p:extLst>
   </p:cSld>
   <p:clrMapOvr>
     <a:masterClrMapping/>
   </p:clrMapOvr>
   <p:transition/>
-  <p:timing>
-    <p:tnLst>
-      <p:par>
-        <p:cTn id="1" dur="indefinite" restart="never" nodeType="tmRoot"/>
-      </p:par>
-    </p:tnLst>
-  </p:timing>
 </p:sld>
 </file>
 
